--- a/lecoop/doc/supi_praesi.pptx
+++ b/lecoop/doc/supi_praesi.pptx
@@ -5,7 +5,7 @@
     <p:sldMasterId id="2147483660" r:id="rId1"/>
   </p:sldMasterIdLst>
   <p:notesMasterIdLst>
-    <p:notesMasterId r:id="rId19"/>
+    <p:notesMasterId r:id="rId21"/>
   </p:notesMasterIdLst>
   <p:sldIdLst>
     <p:sldId id="256" r:id="rId2"/>
@@ -23,8 +23,10 @@
     <p:sldId id="268" r:id="rId14"/>
     <p:sldId id="269" r:id="rId15"/>
     <p:sldId id="270" r:id="rId16"/>
-    <p:sldId id="271" r:id="rId17"/>
-    <p:sldId id="272" r:id="rId18"/>
+    <p:sldId id="274" r:id="rId17"/>
+    <p:sldId id="273" r:id="rId18"/>
+    <p:sldId id="271" r:id="rId19"/>
+    <p:sldId id="272" r:id="rId20"/>
   </p:sldIdLst>
   <p:sldSz cx="9144000" cy="5143500" type="screen16x9"/>
   <p:notesSz cx="6858000" cy="9144000"/>
@@ -146,6 +148,8 @@
             <p14:sldId id="268"/>
             <p14:sldId id="269"/>
             <p14:sldId id="270"/>
+            <p14:sldId id="274"/>
+            <p14:sldId id="273"/>
             <p14:sldId id="271"/>
             <p14:sldId id="272"/>
           </p14:sldIdLst>
@@ -154,828 +158,6 @@
     </p:ext>
   </p:extLst>
 </p:presentation>
-</file>
-
-<file path=ppt/charts/chart1.xml><?xml version="1.0" encoding="utf-8"?>
-<c:chartSpace xmlns:c="http://schemas.openxmlformats.org/drawingml/2006/chart" xmlns:a="http://schemas.openxmlformats.org/drawingml/2006/main" xmlns:r="http://schemas.openxmlformats.org/officeDocument/2006/relationships">
-  <c:date1904 val="0"/>
-  <c:lang val="en-US"/>
-  <c:roundedCorners val="0"/>
-  <mc:AlternateContent xmlns:mc="http://schemas.openxmlformats.org/markup-compatibility/2006">
-    <mc:Choice xmlns:c14="http://schemas.microsoft.com/office/drawing/2007/8/2/chart" Requires="c14">
-      <c14:style val="126"/>
-    </mc:Choice>
-    <mc:Fallback>
-      <c:style val="26"/>
-    </mc:Fallback>
-  </mc:AlternateContent>
-  <c:clrMapOvr bg1="lt1" tx1="dk1" bg2="lt2" tx2="dk2" accent1="accent1" accent2="accent2" accent3="accent3" accent4="accent4" accent5="accent5" accent6="accent6" hlink="hlink" folHlink="folHlink"/>
-  <c:chart>
-    <c:autoTitleDeleted val="0"/>
-    <c:plotArea>
-      <c:layout>
-        <c:manualLayout>
-          <c:layoutTarget val="inner"/>
-          <c:xMode val="edge"/>
-          <c:yMode val="edge"/>
-          <c:x val="0.25356629636703149"/>
-          <c:y val="0.1306843201976802"/>
-          <c:w val="0.49512482786086842"/>
-          <c:h val="0.71743925430661792"/>
-        </c:manualLayout>
-      </c:layout>
-      <c:pieChart>
-        <c:varyColors val="1"/>
-        <c:ser>
-          <c:idx val="0"/>
-          <c:order val="0"/>
-          <c:spPr>
-            <a:effectLst>
-              <a:outerShdw blurRad="419100" dir="21540000" sx="88000" sy="88000" rotWithShape="0">
-                <a:srgbClr val="000000"/>
-              </a:outerShdw>
-            </a:effectLst>
-          </c:spPr>
-          <c:explosion val="5"/>
-          <c:cat>
-            <c:strRef>
-              <c:f>Tabelle1!$A$1:$A$7</c:f>
-              <c:strCache>
-                <c:ptCount val="7"/>
-                <c:pt idx="0">
-                  <c:v>Personalkosten</c:v>
-                </c:pt>
-                <c:pt idx="1">
-                  <c:v>Infrastukturkosten</c:v>
-                </c:pt>
-                <c:pt idx="2">
-                  <c:v>Sachbezogene Investionskosten</c:v>
-                </c:pt>
-                <c:pt idx="3">
-                  <c:v>Personenbezogene Investitionskosten</c:v>
-                </c:pt>
-                <c:pt idx="4">
-                  <c:v>Applikationskosten</c:v>
-                </c:pt>
-                <c:pt idx="5">
-                  <c:v>Plattformkosten</c:v>
-                </c:pt>
-                <c:pt idx="6">
-                  <c:v>Allgemeine Kosten</c:v>
-                </c:pt>
-              </c:strCache>
-            </c:strRef>
-          </c:cat>
-          <c:val>
-            <c:numRef>
-              <c:f>Tabelle1!$B$1:$B$7</c:f>
-              <c:numCache>
-                <c:formatCode>_("€"* #,##0.00_);_("€"* \(#,##0.00\);_("€"* "-"??_);_(@_)</c:formatCode>
-                <c:ptCount val="7"/>
-                <c:pt idx="0">
-                  <c:v>18000</c:v>
-                </c:pt>
-                <c:pt idx="1">
-                  <c:v>4219</c:v>
-                </c:pt>
-                <c:pt idx="2">
-                  <c:v>6400</c:v>
-                </c:pt>
-                <c:pt idx="3">
-                  <c:v>6600</c:v>
-                </c:pt>
-                <c:pt idx="4">
-                  <c:v>35000</c:v>
-                </c:pt>
-                <c:pt idx="5">
-                  <c:v>15000</c:v>
-                </c:pt>
-                <c:pt idx="6">
-                  <c:v>25000</c:v>
-                </c:pt>
-              </c:numCache>
-            </c:numRef>
-          </c:val>
-        </c:ser>
-        <c:dLbls>
-          <c:showLegendKey val="0"/>
-          <c:showVal val="0"/>
-          <c:showCatName val="0"/>
-          <c:showSerName val="0"/>
-          <c:showPercent val="0"/>
-          <c:showBubbleSize val="0"/>
-          <c:showLeaderLines val="1"/>
-        </c:dLbls>
-        <c:firstSliceAng val="0"/>
-      </c:pieChart>
-    </c:plotArea>
-    <c:plotVisOnly val="1"/>
-    <c:dispBlanksAs val="gap"/>
-    <c:showDLblsOverMax val="0"/>
-  </c:chart>
-  <c:externalData r:id="rId2">
-    <c:autoUpdate val="0"/>
-  </c:externalData>
-  <c:userShapes r:id="rId3"/>
-</c:chartSpace>
-</file>
-
-<file path=ppt/drawings/drawing1.xml><?xml version="1.0" encoding="utf-8"?>
-<c:userShapes xmlns:c="http://schemas.openxmlformats.org/drawingml/2006/chart">
-  <cdr:relSizeAnchor xmlns:cdr="http://schemas.openxmlformats.org/drawingml/2006/chartDrawing">
-    <cdr:from>
-      <cdr:x>0.6944</cdr:x>
-      <cdr:y>0.46838</cdr:y>
-    </cdr:from>
-    <cdr:to>
-      <cdr:x>0.98135</cdr:x>
-      <cdr:y>0.55035</cdr:y>
-    </cdr:to>
-    <cdr:sp macro="" textlink="">
-      <cdr:nvSpPr>
-        <cdr:cNvPr id="2" name="Textfeld 1"/>
-        <cdr:cNvSpPr txBox="1"/>
-      </cdr:nvSpPr>
-      <cdr:spPr>
-        <a:xfrm xmlns:a="http://schemas.openxmlformats.org/drawingml/2006/main">
-          <a:off x="4610101" y="1905001"/>
-          <a:ext cx="1905000" cy="333375"/>
-        </a:xfrm>
-        <a:prstGeom xmlns:a="http://schemas.openxmlformats.org/drawingml/2006/main" prst="rect">
-          <a:avLst/>
-        </a:prstGeom>
-      </cdr:spPr>
-      <cdr:txBody>
-        <a:bodyPr xmlns:a="http://schemas.openxmlformats.org/drawingml/2006/main" vertOverflow="clip" wrap="none" rtlCol="0"/>
-        <a:lstStyle xmlns:a="http://schemas.openxmlformats.org/drawingml/2006/main"/>
-        <a:p xmlns:a="http://schemas.openxmlformats.org/drawingml/2006/main">
-          <a:endParaRPr lang="de-DE" sz="1100"/>
-        </a:p>
-      </cdr:txBody>
-    </cdr:sp>
-  </cdr:relSizeAnchor>
-  <cdr:relSizeAnchor xmlns:cdr="http://schemas.openxmlformats.org/drawingml/2006/chartDrawing">
-    <cdr:from>
-      <cdr:x>0.69584</cdr:x>
-      <cdr:y>0.51288</cdr:y>
-    </cdr:from>
-    <cdr:to>
-      <cdr:x>0.83357</cdr:x>
-      <cdr:y>0.73771</cdr:y>
-    </cdr:to>
-    <cdr:sp macro="" textlink="">
-      <cdr:nvSpPr>
-        <cdr:cNvPr id="3" name="Textfeld 2"/>
-        <cdr:cNvSpPr txBox="1"/>
-      </cdr:nvSpPr>
-      <cdr:spPr>
-        <a:xfrm xmlns:a="http://schemas.openxmlformats.org/drawingml/2006/main">
-          <a:off x="4619626" y="2085976"/>
-          <a:ext cx="914400" cy="914400"/>
-        </a:xfrm>
-        <a:prstGeom xmlns:a="http://schemas.openxmlformats.org/drawingml/2006/main" prst="rect">
-          <a:avLst/>
-        </a:prstGeom>
-      </cdr:spPr>
-      <cdr:txBody>
-        <a:bodyPr xmlns:a="http://schemas.openxmlformats.org/drawingml/2006/main" vertOverflow="clip" wrap="none" rtlCol="0"/>
-        <a:lstStyle xmlns:a="http://schemas.openxmlformats.org/drawingml/2006/main"/>
-        <a:p xmlns:a="http://schemas.openxmlformats.org/drawingml/2006/main">
-          <a:endParaRPr lang="de-DE" sz="1100"/>
-        </a:p>
-      </cdr:txBody>
-    </cdr:sp>
-  </cdr:relSizeAnchor>
-  <cdr:relSizeAnchor xmlns:cdr="http://schemas.openxmlformats.org/drawingml/2006/chartDrawing">
-    <cdr:from>
-      <cdr:x>0.58233</cdr:x>
-      <cdr:y>0.09602</cdr:y>
-    </cdr:from>
-    <cdr:to>
-      <cdr:x>0.80328</cdr:x>
-      <cdr:y>0.1897</cdr:y>
-    </cdr:to>
-    <cdr:sp macro="" textlink="">
-      <cdr:nvSpPr>
-        <cdr:cNvPr id="4" name="Textfeld 3"/>
-        <cdr:cNvSpPr txBox="1"/>
-      </cdr:nvSpPr>
-      <cdr:spPr>
-        <a:xfrm xmlns:a="http://schemas.openxmlformats.org/drawingml/2006/main">
-          <a:off x="3710734" y="390526"/>
-          <a:ext cx="1407923" cy="381000"/>
-        </a:xfrm>
-        <a:prstGeom xmlns:a="http://schemas.openxmlformats.org/drawingml/2006/main" prst="rect">
-          <a:avLst/>
-        </a:prstGeom>
-      </cdr:spPr>
-      <cdr:txBody>
-        <a:bodyPr xmlns:a="http://schemas.openxmlformats.org/drawingml/2006/main" vertOverflow="clip" wrap="square" rtlCol="0"/>
-        <a:lstStyle xmlns:a="http://schemas.openxmlformats.org/drawingml/2006/main"/>
-        <a:p xmlns:a="http://schemas.openxmlformats.org/drawingml/2006/main">
-          <a:r>
-            <a:rPr lang="de-DE" sz="1100"/>
-            <a:t>Personalkosten</a:t>
-          </a:r>
-        </a:p>
-      </cdr:txBody>
-    </cdr:sp>
-  </cdr:relSizeAnchor>
-  <cdr:relSizeAnchor xmlns:cdr="http://schemas.openxmlformats.org/drawingml/2006/chartDrawing">
-    <cdr:from>
-      <cdr:x>0.73112</cdr:x>
-      <cdr:y>0.40359</cdr:y>
-    </cdr:from>
-    <cdr:to>
-      <cdr:x>0.95207</cdr:x>
-      <cdr:y>0.49727</cdr:y>
-    </cdr:to>
-    <cdr:sp macro="" textlink="">
-      <cdr:nvSpPr>
-        <cdr:cNvPr id="5" name="Textfeld 1"/>
-        <cdr:cNvSpPr txBox="1"/>
-      </cdr:nvSpPr>
-      <cdr:spPr>
-        <a:xfrm xmlns:a="http://schemas.openxmlformats.org/drawingml/2006/main">
-          <a:off x="4658887" y="1641475"/>
-          <a:ext cx="1407924" cy="381000"/>
-        </a:xfrm>
-        <a:prstGeom xmlns:a="http://schemas.openxmlformats.org/drawingml/2006/main" prst="rect">
-          <a:avLst/>
-        </a:prstGeom>
-      </cdr:spPr>
-      <cdr:txBody>
-        <a:bodyPr xmlns:a="http://schemas.openxmlformats.org/drawingml/2006/main" wrap="square" rtlCol="0"/>
-        <a:lstStyle xmlns:a="http://schemas.openxmlformats.org/drawingml/2006/main">
-          <a:lvl1pPr marL="0" indent="0">
-            <a:defRPr sz="1100">
-              <a:latin typeface="+mn-lt"/>
-              <a:ea typeface="+mn-ea"/>
-              <a:cs typeface="+mn-cs"/>
-            </a:defRPr>
-          </a:lvl1pPr>
-          <a:lvl2pPr marL="457200" indent="0">
-            <a:defRPr sz="1100">
-              <a:latin typeface="+mn-lt"/>
-              <a:ea typeface="+mn-ea"/>
-              <a:cs typeface="+mn-cs"/>
-            </a:defRPr>
-          </a:lvl2pPr>
-          <a:lvl3pPr marL="914400" indent="0">
-            <a:defRPr sz="1100">
-              <a:latin typeface="+mn-lt"/>
-              <a:ea typeface="+mn-ea"/>
-              <a:cs typeface="+mn-cs"/>
-            </a:defRPr>
-          </a:lvl3pPr>
-          <a:lvl4pPr marL="1371600" indent="0">
-            <a:defRPr sz="1100">
-              <a:latin typeface="+mn-lt"/>
-              <a:ea typeface="+mn-ea"/>
-              <a:cs typeface="+mn-cs"/>
-            </a:defRPr>
-          </a:lvl4pPr>
-          <a:lvl5pPr marL="1828800" indent="0">
-            <a:defRPr sz="1100">
-              <a:latin typeface="+mn-lt"/>
-              <a:ea typeface="+mn-ea"/>
-              <a:cs typeface="+mn-cs"/>
-            </a:defRPr>
-          </a:lvl5pPr>
-          <a:lvl6pPr marL="2286000" indent="0">
-            <a:defRPr sz="1100">
-              <a:latin typeface="+mn-lt"/>
-              <a:ea typeface="+mn-ea"/>
-              <a:cs typeface="+mn-cs"/>
-            </a:defRPr>
-          </a:lvl6pPr>
-          <a:lvl7pPr marL="2743200" indent="0">
-            <a:defRPr sz="1100">
-              <a:latin typeface="+mn-lt"/>
-              <a:ea typeface="+mn-ea"/>
-              <a:cs typeface="+mn-cs"/>
-            </a:defRPr>
-          </a:lvl7pPr>
-          <a:lvl8pPr marL="3200400" indent="0">
-            <a:defRPr sz="1100">
-              <a:latin typeface="+mn-lt"/>
-              <a:ea typeface="+mn-ea"/>
-              <a:cs typeface="+mn-cs"/>
-            </a:defRPr>
-          </a:lvl8pPr>
-          <a:lvl9pPr marL="3657600" indent="0">
-            <a:defRPr sz="1100">
-              <a:latin typeface="+mn-lt"/>
-              <a:ea typeface="+mn-ea"/>
-              <a:cs typeface="+mn-cs"/>
-            </a:defRPr>
-          </a:lvl9pPr>
-        </a:lstStyle>
-        <a:p xmlns:a="http://schemas.openxmlformats.org/drawingml/2006/main">
-          <a:r>
-            <a:rPr lang="de-DE" sz="1100"/>
-            <a:t>Sachbezogene Investitionskosten</a:t>
-          </a:r>
-        </a:p>
-      </cdr:txBody>
-    </cdr:sp>
-  </cdr:relSizeAnchor>
-  <cdr:relSizeAnchor xmlns:cdr="http://schemas.openxmlformats.org/drawingml/2006/chartDrawing">
-    <cdr:from>
-      <cdr:x>0.71217</cdr:x>
-      <cdr:y>0.28649</cdr:y>
-    </cdr:from>
-    <cdr:to>
-      <cdr:x>0.93312</cdr:x>
-      <cdr:y>0.38017</cdr:y>
-    </cdr:to>
-    <cdr:sp macro="" textlink="">
-      <cdr:nvSpPr>
-        <cdr:cNvPr id="6" name="Textfeld 1"/>
-        <cdr:cNvSpPr txBox="1"/>
-      </cdr:nvSpPr>
-      <cdr:spPr>
-        <a:xfrm xmlns:a="http://schemas.openxmlformats.org/drawingml/2006/main">
-          <a:off x="4538123" y="1165225"/>
-          <a:ext cx="1407924" cy="381000"/>
-        </a:xfrm>
-        <a:prstGeom xmlns:a="http://schemas.openxmlformats.org/drawingml/2006/main" prst="rect">
-          <a:avLst/>
-        </a:prstGeom>
-      </cdr:spPr>
-      <cdr:txBody>
-        <a:bodyPr xmlns:a="http://schemas.openxmlformats.org/drawingml/2006/main" wrap="square" rtlCol="0"/>
-        <a:lstStyle xmlns:a="http://schemas.openxmlformats.org/drawingml/2006/main">
-          <a:lvl1pPr marL="0" indent="0">
-            <a:defRPr sz="1100">
-              <a:latin typeface="+mn-lt"/>
-              <a:ea typeface="+mn-ea"/>
-              <a:cs typeface="+mn-cs"/>
-            </a:defRPr>
-          </a:lvl1pPr>
-          <a:lvl2pPr marL="457200" indent="0">
-            <a:defRPr sz="1100">
-              <a:latin typeface="+mn-lt"/>
-              <a:ea typeface="+mn-ea"/>
-              <a:cs typeface="+mn-cs"/>
-            </a:defRPr>
-          </a:lvl2pPr>
-          <a:lvl3pPr marL="914400" indent="0">
-            <a:defRPr sz="1100">
-              <a:latin typeface="+mn-lt"/>
-              <a:ea typeface="+mn-ea"/>
-              <a:cs typeface="+mn-cs"/>
-            </a:defRPr>
-          </a:lvl3pPr>
-          <a:lvl4pPr marL="1371600" indent="0">
-            <a:defRPr sz="1100">
-              <a:latin typeface="+mn-lt"/>
-              <a:ea typeface="+mn-ea"/>
-              <a:cs typeface="+mn-cs"/>
-            </a:defRPr>
-          </a:lvl4pPr>
-          <a:lvl5pPr marL="1828800" indent="0">
-            <a:defRPr sz="1100">
-              <a:latin typeface="+mn-lt"/>
-              <a:ea typeface="+mn-ea"/>
-              <a:cs typeface="+mn-cs"/>
-            </a:defRPr>
-          </a:lvl5pPr>
-          <a:lvl6pPr marL="2286000" indent="0">
-            <a:defRPr sz="1100">
-              <a:latin typeface="+mn-lt"/>
-              <a:ea typeface="+mn-ea"/>
-              <a:cs typeface="+mn-cs"/>
-            </a:defRPr>
-          </a:lvl6pPr>
-          <a:lvl7pPr marL="2743200" indent="0">
-            <a:defRPr sz="1100">
-              <a:latin typeface="+mn-lt"/>
-              <a:ea typeface="+mn-ea"/>
-              <a:cs typeface="+mn-cs"/>
-            </a:defRPr>
-          </a:lvl7pPr>
-          <a:lvl8pPr marL="3200400" indent="0">
-            <a:defRPr sz="1100">
-              <a:latin typeface="+mn-lt"/>
-              <a:ea typeface="+mn-ea"/>
-              <a:cs typeface="+mn-cs"/>
-            </a:defRPr>
-          </a:lvl8pPr>
-          <a:lvl9pPr marL="3657600" indent="0">
-            <a:defRPr sz="1100">
-              <a:latin typeface="+mn-lt"/>
-              <a:ea typeface="+mn-ea"/>
-              <a:cs typeface="+mn-cs"/>
-            </a:defRPr>
-          </a:lvl9pPr>
-        </a:lstStyle>
-        <a:p xmlns:a="http://schemas.openxmlformats.org/drawingml/2006/main">
-          <a:r>
-            <a:rPr lang="de-DE" sz="1100"/>
-            <a:t>Infrastrukturkosten</a:t>
-          </a:r>
-        </a:p>
-      </cdr:txBody>
-    </cdr:sp>
-  </cdr:relSizeAnchor>
-  <cdr:relSizeAnchor xmlns:cdr="http://schemas.openxmlformats.org/drawingml/2006/chartDrawing">
-    <cdr:from>
-      <cdr:x>0.11748</cdr:x>
-      <cdr:y>0.59563</cdr:y>
-    </cdr:from>
-    <cdr:to>
-      <cdr:x>0.33842</cdr:x>
-      <cdr:y>0.68931</cdr:y>
-    </cdr:to>
-    <cdr:sp macro="" textlink="">
-      <cdr:nvSpPr>
-        <cdr:cNvPr id="7" name="Textfeld 1"/>
-        <cdr:cNvSpPr txBox="1"/>
-      </cdr:nvSpPr>
-      <cdr:spPr>
-        <a:xfrm xmlns:a="http://schemas.openxmlformats.org/drawingml/2006/main">
-          <a:off x="748594" y="2422525"/>
-          <a:ext cx="1407924" cy="381000"/>
-        </a:xfrm>
-        <a:prstGeom xmlns:a="http://schemas.openxmlformats.org/drawingml/2006/main" prst="rect">
-          <a:avLst/>
-        </a:prstGeom>
-      </cdr:spPr>
-      <cdr:txBody>
-        <a:bodyPr xmlns:a="http://schemas.openxmlformats.org/drawingml/2006/main" wrap="square" rtlCol="0"/>
-        <a:lstStyle xmlns:a="http://schemas.openxmlformats.org/drawingml/2006/main">
-          <a:lvl1pPr marL="0" indent="0">
-            <a:defRPr sz="1100">
-              <a:latin typeface="+mn-lt"/>
-              <a:ea typeface="+mn-ea"/>
-              <a:cs typeface="+mn-cs"/>
-            </a:defRPr>
-          </a:lvl1pPr>
-          <a:lvl2pPr marL="457200" indent="0">
-            <a:defRPr sz="1100">
-              <a:latin typeface="+mn-lt"/>
-              <a:ea typeface="+mn-ea"/>
-              <a:cs typeface="+mn-cs"/>
-            </a:defRPr>
-          </a:lvl2pPr>
-          <a:lvl3pPr marL="914400" indent="0">
-            <a:defRPr sz="1100">
-              <a:latin typeface="+mn-lt"/>
-              <a:ea typeface="+mn-ea"/>
-              <a:cs typeface="+mn-cs"/>
-            </a:defRPr>
-          </a:lvl3pPr>
-          <a:lvl4pPr marL="1371600" indent="0">
-            <a:defRPr sz="1100">
-              <a:latin typeface="+mn-lt"/>
-              <a:ea typeface="+mn-ea"/>
-              <a:cs typeface="+mn-cs"/>
-            </a:defRPr>
-          </a:lvl4pPr>
-          <a:lvl5pPr marL="1828800" indent="0">
-            <a:defRPr sz="1100">
-              <a:latin typeface="+mn-lt"/>
-              <a:ea typeface="+mn-ea"/>
-              <a:cs typeface="+mn-cs"/>
-            </a:defRPr>
-          </a:lvl5pPr>
-          <a:lvl6pPr marL="2286000" indent="0">
-            <a:defRPr sz="1100">
-              <a:latin typeface="+mn-lt"/>
-              <a:ea typeface="+mn-ea"/>
-              <a:cs typeface="+mn-cs"/>
-            </a:defRPr>
-          </a:lvl6pPr>
-          <a:lvl7pPr marL="2743200" indent="0">
-            <a:defRPr sz="1100">
-              <a:latin typeface="+mn-lt"/>
-              <a:ea typeface="+mn-ea"/>
-              <a:cs typeface="+mn-cs"/>
-            </a:defRPr>
-          </a:lvl7pPr>
-          <a:lvl8pPr marL="3200400" indent="0">
-            <a:defRPr sz="1100">
-              <a:latin typeface="+mn-lt"/>
-              <a:ea typeface="+mn-ea"/>
-              <a:cs typeface="+mn-cs"/>
-            </a:defRPr>
-          </a:lvl8pPr>
-          <a:lvl9pPr marL="3657600" indent="0">
-            <a:defRPr sz="1100">
-              <a:latin typeface="+mn-lt"/>
-              <a:ea typeface="+mn-ea"/>
-              <a:cs typeface="+mn-cs"/>
-            </a:defRPr>
-          </a:lvl9pPr>
-        </a:lstStyle>
-        <a:p xmlns:a="http://schemas.openxmlformats.org/drawingml/2006/main">
-          <a:r>
-            <a:rPr lang="de-DE" sz="1100"/>
-            <a:t>Platformkosten</a:t>
-          </a:r>
-        </a:p>
-      </cdr:txBody>
-    </cdr:sp>
-  </cdr:relSizeAnchor>
-  <cdr:relSizeAnchor xmlns:cdr="http://schemas.openxmlformats.org/drawingml/2006/chartDrawing">
-    <cdr:from>
-      <cdr:x>0.40688</cdr:x>
-      <cdr:y>0.84856</cdr:y>
-    </cdr:from>
-    <cdr:to>
-      <cdr:x>0.62782</cdr:x>
-      <cdr:y>0.94223</cdr:y>
-    </cdr:to>
-    <cdr:sp macro="" textlink="">
-      <cdr:nvSpPr>
-        <cdr:cNvPr id="8" name="Textfeld 1"/>
-        <cdr:cNvSpPr txBox="1"/>
-      </cdr:nvSpPr>
-      <cdr:spPr>
-        <a:xfrm xmlns:a="http://schemas.openxmlformats.org/drawingml/2006/main">
-          <a:off x="2592714" y="3451225"/>
-          <a:ext cx="1407923" cy="381000"/>
-        </a:xfrm>
-        <a:prstGeom xmlns:a="http://schemas.openxmlformats.org/drawingml/2006/main" prst="rect">
-          <a:avLst/>
-        </a:prstGeom>
-      </cdr:spPr>
-      <cdr:txBody>
-        <a:bodyPr xmlns:a="http://schemas.openxmlformats.org/drawingml/2006/main" wrap="square" rtlCol="0"/>
-        <a:lstStyle xmlns:a="http://schemas.openxmlformats.org/drawingml/2006/main">
-          <a:lvl1pPr marL="0" indent="0">
-            <a:defRPr sz="1100">
-              <a:latin typeface="+mn-lt"/>
-              <a:ea typeface="+mn-ea"/>
-              <a:cs typeface="+mn-cs"/>
-            </a:defRPr>
-          </a:lvl1pPr>
-          <a:lvl2pPr marL="457200" indent="0">
-            <a:defRPr sz="1100">
-              <a:latin typeface="+mn-lt"/>
-              <a:ea typeface="+mn-ea"/>
-              <a:cs typeface="+mn-cs"/>
-            </a:defRPr>
-          </a:lvl2pPr>
-          <a:lvl3pPr marL="914400" indent="0">
-            <a:defRPr sz="1100">
-              <a:latin typeface="+mn-lt"/>
-              <a:ea typeface="+mn-ea"/>
-              <a:cs typeface="+mn-cs"/>
-            </a:defRPr>
-          </a:lvl3pPr>
-          <a:lvl4pPr marL="1371600" indent="0">
-            <a:defRPr sz="1100">
-              <a:latin typeface="+mn-lt"/>
-              <a:ea typeface="+mn-ea"/>
-              <a:cs typeface="+mn-cs"/>
-            </a:defRPr>
-          </a:lvl4pPr>
-          <a:lvl5pPr marL="1828800" indent="0">
-            <a:defRPr sz="1100">
-              <a:latin typeface="+mn-lt"/>
-              <a:ea typeface="+mn-ea"/>
-              <a:cs typeface="+mn-cs"/>
-            </a:defRPr>
-          </a:lvl5pPr>
-          <a:lvl6pPr marL="2286000" indent="0">
-            <a:defRPr sz="1100">
-              <a:latin typeface="+mn-lt"/>
-              <a:ea typeface="+mn-ea"/>
-              <a:cs typeface="+mn-cs"/>
-            </a:defRPr>
-          </a:lvl6pPr>
-          <a:lvl7pPr marL="2743200" indent="0">
-            <a:defRPr sz="1100">
-              <a:latin typeface="+mn-lt"/>
-              <a:ea typeface="+mn-ea"/>
-              <a:cs typeface="+mn-cs"/>
-            </a:defRPr>
-          </a:lvl7pPr>
-          <a:lvl8pPr marL="3200400" indent="0">
-            <a:defRPr sz="1100">
-              <a:latin typeface="+mn-lt"/>
-              <a:ea typeface="+mn-ea"/>
-              <a:cs typeface="+mn-cs"/>
-            </a:defRPr>
-          </a:lvl8pPr>
-          <a:lvl9pPr marL="3657600" indent="0">
-            <a:defRPr sz="1100">
-              <a:latin typeface="+mn-lt"/>
-              <a:ea typeface="+mn-ea"/>
-              <a:cs typeface="+mn-cs"/>
-            </a:defRPr>
-          </a:lvl9pPr>
-        </a:lstStyle>
-        <a:p xmlns:a="http://schemas.openxmlformats.org/drawingml/2006/main">
-          <a:r>
-            <a:rPr lang="de-DE" sz="1100"/>
-            <a:t>Applikationskosten</a:t>
-          </a:r>
-        </a:p>
-      </cdr:txBody>
-    </cdr:sp>
-  </cdr:relSizeAnchor>
-  <cdr:relSizeAnchor xmlns:cdr="http://schemas.openxmlformats.org/drawingml/2006/chartDrawing">
-    <cdr:from>
-      <cdr:x>0.7267</cdr:x>
-      <cdr:y>0.5324</cdr:y>
-    </cdr:from>
-    <cdr:to>
-      <cdr:x>0.94765</cdr:x>
-      <cdr:y>0.62607</cdr:y>
-    </cdr:to>
-    <cdr:sp macro="" textlink="">
-      <cdr:nvSpPr>
-        <cdr:cNvPr id="9" name="Textfeld 1"/>
-        <cdr:cNvSpPr txBox="1"/>
-      </cdr:nvSpPr>
-      <cdr:spPr>
-        <a:xfrm xmlns:a="http://schemas.openxmlformats.org/drawingml/2006/main">
-          <a:off x="4630695" y="2165350"/>
-          <a:ext cx="1407924" cy="381000"/>
-        </a:xfrm>
-        <a:prstGeom xmlns:a="http://schemas.openxmlformats.org/drawingml/2006/main" prst="rect">
-          <a:avLst/>
-        </a:prstGeom>
-      </cdr:spPr>
-      <cdr:txBody>
-        <a:bodyPr xmlns:a="http://schemas.openxmlformats.org/drawingml/2006/main" wrap="square" rtlCol="0"/>
-        <a:lstStyle xmlns:a="http://schemas.openxmlformats.org/drawingml/2006/main">
-          <a:lvl1pPr marL="0" indent="0">
-            <a:defRPr sz="1100">
-              <a:latin typeface="+mn-lt"/>
-              <a:ea typeface="+mn-ea"/>
-              <a:cs typeface="+mn-cs"/>
-            </a:defRPr>
-          </a:lvl1pPr>
-          <a:lvl2pPr marL="457200" indent="0">
-            <a:defRPr sz="1100">
-              <a:latin typeface="+mn-lt"/>
-              <a:ea typeface="+mn-ea"/>
-              <a:cs typeface="+mn-cs"/>
-            </a:defRPr>
-          </a:lvl2pPr>
-          <a:lvl3pPr marL="914400" indent="0">
-            <a:defRPr sz="1100">
-              <a:latin typeface="+mn-lt"/>
-              <a:ea typeface="+mn-ea"/>
-              <a:cs typeface="+mn-cs"/>
-            </a:defRPr>
-          </a:lvl3pPr>
-          <a:lvl4pPr marL="1371600" indent="0">
-            <a:defRPr sz="1100">
-              <a:latin typeface="+mn-lt"/>
-              <a:ea typeface="+mn-ea"/>
-              <a:cs typeface="+mn-cs"/>
-            </a:defRPr>
-          </a:lvl4pPr>
-          <a:lvl5pPr marL="1828800" indent="0">
-            <a:defRPr sz="1100">
-              <a:latin typeface="+mn-lt"/>
-              <a:ea typeface="+mn-ea"/>
-              <a:cs typeface="+mn-cs"/>
-            </a:defRPr>
-          </a:lvl5pPr>
-          <a:lvl6pPr marL="2286000" indent="0">
-            <a:defRPr sz="1100">
-              <a:latin typeface="+mn-lt"/>
-              <a:ea typeface="+mn-ea"/>
-              <a:cs typeface="+mn-cs"/>
-            </a:defRPr>
-          </a:lvl6pPr>
-          <a:lvl7pPr marL="2743200" indent="0">
-            <a:defRPr sz="1100">
-              <a:latin typeface="+mn-lt"/>
-              <a:ea typeface="+mn-ea"/>
-              <a:cs typeface="+mn-cs"/>
-            </a:defRPr>
-          </a:lvl7pPr>
-          <a:lvl8pPr marL="3200400" indent="0">
-            <a:defRPr sz="1100">
-              <a:latin typeface="+mn-lt"/>
-              <a:ea typeface="+mn-ea"/>
-              <a:cs typeface="+mn-cs"/>
-            </a:defRPr>
-          </a:lvl8pPr>
-          <a:lvl9pPr marL="3657600" indent="0">
-            <a:defRPr sz="1100">
-              <a:latin typeface="+mn-lt"/>
-              <a:ea typeface="+mn-ea"/>
-              <a:cs typeface="+mn-cs"/>
-            </a:defRPr>
-          </a:lvl9pPr>
-        </a:lstStyle>
-        <a:p xmlns:a="http://schemas.openxmlformats.org/drawingml/2006/main">
-          <a:r>
-            <a:rPr lang="de-DE" sz="1100"/>
-            <a:t>Personenbezogene Investitionskosten</a:t>
-          </a:r>
-        </a:p>
-      </cdr:txBody>
-    </cdr:sp>
-  </cdr:relSizeAnchor>
-  <cdr:relSizeAnchor xmlns:cdr="http://schemas.openxmlformats.org/drawingml/2006/chartDrawing">
-    <cdr:from>
-      <cdr:x>0.13655</cdr:x>
-      <cdr:y>0.17642</cdr:y>
-    </cdr:from>
-    <cdr:to>
-      <cdr:x>0.3575</cdr:x>
-      <cdr:y>0.2701</cdr:y>
-    </cdr:to>
-    <cdr:sp macro="" textlink="">
-      <cdr:nvSpPr>
-        <cdr:cNvPr id="10" name="Textfeld 1"/>
-        <cdr:cNvSpPr txBox="1"/>
-      </cdr:nvSpPr>
-      <cdr:spPr>
-        <a:xfrm xmlns:a="http://schemas.openxmlformats.org/drawingml/2006/main">
-          <a:off x="870123" y="717550"/>
-          <a:ext cx="1407924" cy="381000"/>
-        </a:xfrm>
-        <a:prstGeom xmlns:a="http://schemas.openxmlformats.org/drawingml/2006/main" prst="rect">
-          <a:avLst/>
-        </a:prstGeom>
-      </cdr:spPr>
-      <cdr:txBody>
-        <a:bodyPr xmlns:a="http://schemas.openxmlformats.org/drawingml/2006/main" wrap="square" rtlCol="0"/>
-        <a:lstStyle xmlns:a="http://schemas.openxmlformats.org/drawingml/2006/main">
-          <a:lvl1pPr marL="0" indent="0">
-            <a:defRPr sz="1100">
-              <a:latin typeface="+mn-lt"/>
-              <a:ea typeface="+mn-ea"/>
-              <a:cs typeface="+mn-cs"/>
-            </a:defRPr>
-          </a:lvl1pPr>
-          <a:lvl2pPr marL="457200" indent="0">
-            <a:defRPr sz="1100">
-              <a:latin typeface="+mn-lt"/>
-              <a:ea typeface="+mn-ea"/>
-              <a:cs typeface="+mn-cs"/>
-            </a:defRPr>
-          </a:lvl2pPr>
-          <a:lvl3pPr marL="914400" indent="0">
-            <a:defRPr sz="1100">
-              <a:latin typeface="+mn-lt"/>
-              <a:ea typeface="+mn-ea"/>
-              <a:cs typeface="+mn-cs"/>
-            </a:defRPr>
-          </a:lvl3pPr>
-          <a:lvl4pPr marL="1371600" indent="0">
-            <a:defRPr sz="1100">
-              <a:latin typeface="+mn-lt"/>
-              <a:ea typeface="+mn-ea"/>
-              <a:cs typeface="+mn-cs"/>
-            </a:defRPr>
-          </a:lvl4pPr>
-          <a:lvl5pPr marL="1828800" indent="0">
-            <a:defRPr sz="1100">
-              <a:latin typeface="+mn-lt"/>
-              <a:ea typeface="+mn-ea"/>
-              <a:cs typeface="+mn-cs"/>
-            </a:defRPr>
-          </a:lvl5pPr>
-          <a:lvl6pPr marL="2286000" indent="0">
-            <a:defRPr sz="1100">
-              <a:latin typeface="+mn-lt"/>
-              <a:ea typeface="+mn-ea"/>
-              <a:cs typeface="+mn-cs"/>
-            </a:defRPr>
-          </a:lvl6pPr>
-          <a:lvl7pPr marL="2743200" indent="0">
-            <a:defRPr sz="1100">
-              <a:latin typeface="+mn-lt"/>
-              <a:ea typeface="+mn-ea"/>
-              <a:cs typeface="+mn-cs"/>
-            </a:defRPr>
-          </a:lvl7pPr>
-          <a:lvl8pPr marL="3200400" indent="0">
-            <a:defRPr sz="1100">
-              <a:latin typeface="+mn-lt"/>
-              <a:ea typeface="+mn-ea"/>
-              <a:cs typeface="+mn-cs"/>
-            </a:defRPr>
-          </a:lvl8pPr>
-          <a:lvl9pPr marL="3657600" indent="0">
-            <a:defRPr sz="1100">
-              <a:latin typeface="+mn-lt"/>
-              <a:ea typeface="+mn-ea"/>
-              <a:cs typeface="+mn-cs"/>
-            </a:defRPr>
-          </a:lvl9pPr>
-        </a:lstStyle>
-        <a:p xmlns:a="http://schemas.openxmlformats.org/drawingml/2006/main">
-          <a:r>
-            <a:rPr lang="de-DE" sz="1100" dirty="0"/>
-            <a:t>Allgemeine  Kosten</a:t>
-          </a:r>
-        </a:p>
-      </cdr:txBody>
-    </cdr:sp>
-  </cdr:relSizeAnchor>
-</c:userShapes>
 </file>
 
 <file path=ppt/notesMasters/notesMaster1.xml><?xml version="1.0" encoding="utf-8"?>
@@ -1060,7 +242,7 @@
           <a:p>
             <a:fld id="{ECBE78AF-941E-480F-8D8D-25317ADFC550}" type="datetimeFigureOut">
               <a:rPr lang="de-DE" smtClean="0"/>
-              <a:t>08.06.2012</a:t>
+              <a:t>11.06.2012</a:t>
             </a:fld>
             <a:endParaRPr lang="de-DE"/>
           </a:p>
@@ -2084,6 +1266,174 @@
 </p:notes>
 </file>
 
+<file path=ppt/notesSlides/notesSlide18.xml><?xml version="1.0" encoding="utf-8"?>
+<p:notes xmlns:a="http://schemas.openxmlformats.org/drawingml/2006/main" xmlns:r="http://schemas.openxmlformats.org/officeDocument/2006/relationships" xmlns:p="http://schemas.openxmlformats.org/presentationml/2006/main">
+  <p:cSld>
+    <p:spTree>
+      <p:nvGrpSpPr>
+        <p:cNvPr id="1" name=""/>
+        <p:cNvGrpSpPr/>
+        <p:nvPr/>
+      </p:nvGrpSpPr>
+      <p:grpSpPr>
+        <a:xfrm>
+          <a:off x="0" y="0"/>
+          <a:ext cx="0" cy="0"/>
+          <a:chOff x="0" y="0"/>
+          <a:chExt cx="0" cy="0"/>
+        </a:xfrm>
+      </p:grpSpPr>
+      <p:sp>
+        <p:nvSpPr>
+          <p:cNvPr id="2" name="Folienbildplatzhalter 1"/>
+          <p:cNvSpPr>
+            <a:spLocks noGrp="1" noRot="1" noChangeAspect="1"/>
+          </p:cNvSpPr>
+          <p:nvPr>
+            <p:ph type="sldImg"/>
+          </p:nvPr>
+        </p:nvSpPr>
+        <p:spPr/>
+      </p:sp>
+      <p:sp>
+        <p:nvSpPr>
+          <p:cNvPr id="3" name="Notizenplatzhalter 2"/>
+          <p:cNvSpPr>
+            <a:spLocks noGrp="1"/>
+          </p:cNvSpPr>
+          <p:nvPr>
+            <p:ph type="body" idx="1"/>
+          </p:nvPr>
+        </p:nvSpPr>
+        <p:spPr/>
+        <p:txBody>
+          <a:bodyPr/>
+          <a:lstStyle/>
+          <a:p>
+            <a:endParaRPr lang="de-DE"/>
+          </a:p>
+        </p:txBody>
+      </p:sp>
+      <p:sp>
+        <p:nvSpPr>
+          <p:cNvPr id="4" name="Foliennummernplatzhalter 3"/>
+          <p:cNvSpPr>
+            <a:spLocks noGrp="1"/>
+          </p:cNvSpPr>
+          <p:nvPr>
+            <p:ph type="sldNum" sz="quarter" idx="10"/>
+          </p:nvPr>
+        </p:nvSpPr>
+        <p:spPr/>
+        <p:txBody>
+          <a:bodyPr/>
+          <a:lstStyle/>
+          <a:p>
+            <a:fld id="{D019F33E-91A6-496E-AAE5-4A5B80F6F85C}" type="slidenum">
+              <a:rPr lang="de-DE" smtClean="0"/>
+              <a:t>18</a:t>
+            </a:fld>
+            <a:endParaRPr lang="de-DE"/>
+          </a:p>
+        </p:txBody>
+      </p:sp>
+    </p:spTree>
+    <p:extLst>
+      <p:ext uri="{BB962C8B-B14F-4D97-AF65-F5344CB8AC3E}">
+        <p14:creationId xmlns:p14="http://schemas.microsoft.com/office/powerpoint/2010/main" val="714442780"/>
+      </p:ext>
+    </p:extLst>
+  </p:cSld>
+  <p:clrMapOvr>
+    <a:masterClrMapping/>
+  </p:clrMapOvr>
+</p:notes>
+</file>
+
+<file path=ppt/notesSlides/notesSlide19.xml><?xml version="1.0" encoding="utf-8"?>
+<p:notes xmlns:a="http://schemas.openxmlformats.org/drawingml/2006/main" xmlns:r="http://schemas.openxmlformats.org/officeDocument/2006/relationships" xmlns:p="http://schemas.openxmlformats.org/presentationml/2006/main">
+  <p:cSld>
+    <p:spTree>
+      <p:nvGrpSpPr>
+        <p:cNvPr id="1" name=""/>
+        <p:cNvGrpSpPr/>
+        <p:nvPr/>
+      </p:nvGrpSpPr>
+      <p:grpSpPr>
+        <a:xfrm>
+          <a:off x="0" y="0"/>
+          <a:ext cx="0" cy="0"/>
+          <a:chOff x="0" y="0"/>
+          <a:chExt cx="0" cy="0"/>
+        </a:xfrm>
+      </p:grpSpPr>
+      <p:sp>
+        <p:nvSpPr>
+          <p:cNvPr id="2" name="Folienbildplatzhalter 1"/>
+          <p:cNvSpPr>
+            <a:spLocks noGrp="1" noRot="1" noChangeAspect="1"/>
+          </p:cNvSpPr>
+          <p:nvPr>
+            <p:ph type="sldImg"/>
+          </p:nvPr>
+        </p:nvSpPr>
+        <p:spPr/>
+      </p:sp>
+      <p:sp>
+        <p:nvSpPr>
+          <p:cNvPr id="3" name="Notizenplatzhalter 2"/>
+          <p:cNvSpPr>
+            <a:spLocks noGrp="1"/>
+          </p:cNvSpPr>
+          <p:nvPr>
+            <p:ph type="body" idx="1"/>
+          </p:nvPr>
+        </p:nvSpPr>
+        <p:spPr/>
+        <p:txBody>
+          <a:bodyPr/>
+          <a:lstStyle/>
+          <a:p>
+            <a:endParaRPr lang="de-DE"/>
+          </a:p>
+        </p:txBody>
+      </p:sp>
+      <p:sp>
+        <p:nvSpPr>
+          <p:cNvPr id="4" name="Foliennummernplatzhalter 3"/>
+          <p:cNvSpPr>
+            <a:spLocks noGrp="1"/>
+          </p:cNvSpPr>
+          <p:nvPr>
+            <p:ph type="sldNum" sz="quarter" idx="10"/>
+          </p:nvPr>
+        </p:nvSpPr>
+        <p:spPr/>
+        <p:txBody>
+          <a:bodyPr/>
+          <a:lstStyle/>
+          <a:p>
+            <a:fld id="{D019F33E-91A6-496E-AAE5-4A5B80F6F85C}" type="slidenum">
+              <a:rPr lang="de-DE" smtClean="0"/>
+              <a:t>19</a:t>
+            </a:fld>
+            <a:endParaRPr lang="de-DE"/>
+          </a:p>
+        </p:txBody>
+      </p:sp>
+    </p:spTree>
+    <p:extLst>
+      <p:ext uri="{BB962C8B-B14F-4D97-AF65-F5344CB8AC3E}">
+        <p14:creationId xmlns:p14="http://schemas.microsoft.com/office/powerpoint/2010/main" val="714442780"/>
+      </p:ext>
+    </p:extLst>
+  </p:cSld>
+  <p:clrMapOvr>
+    <a:masterClrMapping/>
+  </p:clrMapOvr>
+</p:notes>
+</file>
+
 <file path=ppt/notesSlides/notesSlide2.xml><?xml version="1.0" encoding="utf-8"?>
 <p:notes xmlns:a="http://schemas.openxmlformats.org/drawingml/2006/main" xmlns:r="http://schemas.openxmlformats.org/officeDocument/2006/relationships" xmlns:p="http://schemas.openxmlformats.org/presentationml/2006/main">
   <p:cSld>
@@ -2937,7 +2287,7 @@
           <a:p>
             <a:fld id="{C21920C1-924C-4860-9DF4-C3DA88AB9C73}" type="datetime1">
               <a:rPr lang="de-DE" smtClean="0"/>
-              <a:t>08.06.2012</a:t>
+              <a:t>11.06.2012</a:t>
             </a:fld>
             <a:endParaRPr lang="de-DE"/>
           </a:p>
@@ -3107,7 +2457,7 @@
           <a:p>
             <a:fld id="{1E68E3CA-BD4B-4B5C-8D8E-353AF1B5F861}" type="datetime1">
               <a:rPr lang="de-DE" smtClean="0"/>
-              <a:t>08.06.2012</a:t>
+              <a:t>11.06.2012</a:t>
             </a:fld>
             <a:endParaRPr lang="de-DE"/>
           </a:p>
@@ -3287,7 +2637,7 @@
           <a:p>
             <a:fld id="{C7C660DF-AF15-42D1-BD8D-10B41601533C}" type="datetime1">
               <a:rPr lang="de-DE" smtClean="0"/>
-              <a:t>08.06.2012</a:t>
+              <a:t>11.06.2012</a:t>
             </a:fld>
             <a:endParaRPr lang="de-DE"/>
           </a:p>
@@ -3457,7 +2807,7 @@
           <a:p>
             <a:fld id="{9AAF47B9-154B-4596-A815-25B30D0859EA}" type="datetime1">
               <a:rPr lang="de-DE" smtClean="0"/>
-              <a:t>08.06.2012</a:t>
+              <a:t>11.06.2012</a:t>
             </a:fld>
             <a:endParaRPr lang="de-DE"/>
           </a:p>
@@ -3703,7 +3053,7 @@
           <a:p>
             <a:fld id="{3D84FBD5-1798-435A-915B-92D29F537D71}" type="datetime1">
               <a:rPr lang="de-DE" smtClean="0"/>
-              <a:t>08.06.2012</a:t>
+              <a:t>11.06.2012</a:t>
             </a:fld>
             <a:endParaRPr lang="de-DE"/>
           </a:p>
@@ -3991,7 +3341,7 @@
           <a:p>
             <a:fld id="{1384072D-7EDC-4417-A5E6-868D2676C9EA}" type="datetime1">
               <a:rPr lang="de-DE" smtClean="0"/>
-              <a:t>08.06.2012</a:t>
+              <a:t>11.06.2012</a:t>
             </a:fld>
             <a:endParaRPr lang="de-DE"/>
           </a:p>
@@ -4413,7 +3763,7 @@
           <a:p>
             <a:fld id="{0562FD89-4EC5-4914-A681-2051D55EFAAE}" type="datetime1">
               <a:rPr lang="de-DE" smtClean="0"/>
-              <a:t>08.06.2012</a:t>
+              <a:t>11.06.2012</a:t>
             </a:fld>
             <a:endParaRPr lang="de-DE"/>
           </a:p>
@@ -4531,7 +3881,7 @@
           <a:p>
             <a:fld id="{683B449C-3CC2-4771-B1C0-2B7932E21FB8}" type="datetime1">
               <a:rPr lang="de-DE" smtClean="0"/>
-              <a:t>08.06.2012</a:t>
+              <a:t>11.06.2012</a:t>
             </a:fld>
             <a:endParaRPr lang="de-DE"/>
           </a:p>
@@ -4626,7 +3976,7 @@
           <a:p>
             <a:fld id="{9C6AEC13-3C30-4C6C-9C56-495A490F16E3}" type="datetime1">
               <a:rPr lang="de-DE" smtClean="0"/>
-              <a:t>08.06.2012</a:t>
+              <a:t>11.06.2012</a:t>
             </a:fld>
             <a:endParaRPr lang="de-DE"/>
           </a:p>
@@ -4903,7 +4253,7 @@
           <a:p>
             <a:fld id="{2CE755D9-8580-4AC9-A40B-842DE0D2B9F9}" type="datetime1">
               <a:rPr lang="de-DE" smtClean="0"/>
-              <a:t>08.06.2012</a:t>
+              <a:t>11.06.2012</a:t>
             </a:fld>
             <a:endParaRPr lang="de-DE"/>
           </a:p>
@@ -5160,7 +4510,7 @@
           <a:p>
             <a:fld id="{26EEE0A6-8C90-4647-8023-D756173A2229}" type="datetime1">
               <a:rPr lang="de-DE" smtClean="0"/>
-              <a:t>08.06.2012</a:t>
+              <a:t>11.06.2012</a:t>
             </a:fld>
             <a:endParaRPr lang="de-DE"/>
           </a:p>
@@ -5376,7 +4726,7 @@
           <a:p>
             <a:fld id="{565FCBEA-72DE-4C7C-8D07-16B46CAF661A}" type="datetime1">
               <a:rPr lang="de-DE" smtClean="0"/>
-              <a:t>08.06.2012</a:t>
+              <a:t>11.06.2012</a:t>
             </a:fld>
             <a:endParaRPr lang="de-DE"/>
           </a:p>
@@ -6183,7 +5533,7 @@
                   <a:srgbClr val="1C5498"/>
                 </a:solidFill>
               </a:rPr>
-              <a:t>08.06.2012</a:t>
+              <a:t>11.06.2012</a:t>
             </a:fld>
             <a:endParaRPr lang="de-DE" sz="1400">
               <a:solidFill>
@@ -6997,27 +6347,7 @@
                   </a:schemeClr>
                 </a:solidFill>
               </a:rPr>
-              <a:t>) </a:t>
-            </a:r>
-            <a:r>
-              <a:rPr lang="de-DE" sz="1000" dirty="0" smtClean="0">
-                <a:solidFill>
-                  <a:schemeClr val="bg1">
-                    <a:lumMod val="50000"/>
-                  </a:schemeClr>
-                </a:solidFill>
-              </a:rPr>
-              <a:t>In Anlehnung </a:t>
-            </a:r>
-            <a:r>
-              <a:rPr lang="de-DE" sz="1000" dirty="0" smtClean="0">
-                <a:solidFill>
-                  <a:schemeClr val="bg1">
-                    <a:lumMod val="50000"/>
-                  </a:schemeClr>
-                </a:solidFill>
-              </a:rPr>
-              <a:t>an Rau. J, Kurfürst. S.: Zukunftssichere TYPO3-Extensions mit </a:t>
+              <a:t>) In Anlehnung an Rau. J, Kurfürst. S.: Zukunftssichere TYPO3-Extensions mit </a:t>
             </a:r>
             <a:r>
               <a:rPr lang="de-DE" sz="1000" dirty="0" err="1" smtClean="0">
@@ -7171,15 +6501,7 @@
                   <a:srgbClr val="1C5498"/>
                 </a:solidFill>
               </a:rPr>
-              <a:t>/ </a:t>
-            </a:r>
-            <a:r>
-              <a:rPr lang="de-DE" sz="1400" dirty="0" smtClean="0">
-                <a:solidFill>
-                  <a:srgbClr val="1C5498"/>
-                </a:solidFill>
-              </a:rPr>
-              <a:t>17</a:t>
+              <a:t>/ 17</a:t>
             </a:r>
             <a:endParaRPr lang="de-DE" sz="1400" dirty="0">
               <a:solidFill>
@@ -7977,15 +7299,7 @@
                   <a:srgbClr val="1C5498"/>
                 </a:solidFill>
               </a:rPr>
-              <a:t>/ </a:t>
-            </a:r>
-            <a:r>
-              <a:rPr lang="de-DE" sz="1400" dirty="0" smtClean="0">
-                <a:solidFill>
-                  <a:srgbClr val="1C5498"/>
-                </a:solidFill>
-              </a:rPr>
-              <a:t>17</a:t>
+              <a:t>/ 17</a:t>
             </a:r>
             <a:endParaRPr lang="de-DE" sz="1400" dirty="0">
               <a:solidFill>
@@ -8715,15 +8029,7 @@
                   <a:srgbClr val="1C5498"/>
                 </a:solidFill>
               </a:rPr>
-              <a:t>/ </a:t>
-            </a:r>
-            <a:r>
-              <a:rPr lang="de-DE" sz="1400" dirty="0" smtClean="0">
-                <a:solidFill>
-                  <a:srgbClr val="1C5498"/>
-                </a:solidFill>
-              </a:rPr>
-              <a:t>17</a:t>
+              <a:t>/ 17</a:t>
             </a:r>
             <a:endParaRPr lang="de-DE" sz="1400" dirty="0">
               <a:solidFill>
@@ -9381,7 +8687,7 @@
         </p:nvGraphicFramePr>
         <p:xfrm>
           <a:off x="770633" y="1203598"/>
-          <a:ext cx="7463788" cy="2994434"/>
+          <a:ext cx="7463788" cy="3543074"/>
         </p:xfrm>
         <a:graphic>
           <a:graphicData uri="http://schemas.openxmlformats.org/drawingml/2006/table">
@@ -9458,6 +8764,18 @@
                     <a:bodyPr/>
                     <a:lstStyle/>
                     <a:p>
+                      <a:r>
+                        <a:rPr lang="de-DE" sz="1800" b="0" i="0" u="none" strike="noStrike" kern="1200" dirty="0" smtClean="0">
+                          <a:solidFill>
+                            <a:schemeClr val="dk1"/>
+                          </a:solidFill>
+                          <a:effectLst/>
+                          <a:latin typeface="+mn-lt"/>
+                          <a:ea typeface="+mn-ea"/>
+                          <a:cs typeface="+mn-cs"/>
+                        </a:rPr>
+                        <a:t>Zeitverlust durch komplizierte Gruppensuche, Erfolgsaussichten gering </a:t>
+                      </a:r>
                       <a:endParaRPr lang="de-DE" dirty="0"/>
                     </a:p>
                   </a:txBody>
@@ -9501,6 +8819,18 @@
                     <a:bodyPr/>
                     <a:lstStyle/>
                     <a:p>
+                      <a:r>
+                        <a:rPr lang="de-DE" sz="1800" b="0" i="0" u="none" strike="noStrike" kern="1200" dirty="0" smtClean="0">
+                          <a:solidFill>
+                            <a:schemeClr val="dk1"/>
+                          </a:solidFill>
+                          <a:effectLst/>
+                          <a:latin typeface="+mn-lt"/>
+                          <a:ea typeface="+mn-ea"/>
+                          <a:cs typeface="+mn-cs"/>
+                        </a:rPr>
+                        <a:t>Hohes Risiko Falsches zu Lernen</a:t>
+                      </a:r>
                       <a:endParaRPr lang="de-DE" dirty="0"/>
                     </a:p>
                   </a:txBody>
@@ -9512,12 +8842,51 @@
                     <a:lstStyle/>
                     <a:p>
                       <a:r>
-                        <a:rPr lang="de-DE" dirty="0" smtClean="0"/>
-                        <a:t>Thema</a:t>
+                        <a:rPr lang="de-DE" sz="1800" b="0" i="0" u="none" strike="noStrike" kern="1200" dirty="0" smtClean="0">
+                          <a:solidFill>
+                            <a:schemeClr val="dk1"/>
+                          </a:solidFill>
+                          <a:effectLst/>
+                          <a:latin typeface="+mn-lt"/>
+                          <a:ea typeface="+mn-ea"/>
+                          <a:cs typeface="+mn-cs"/>
+                        </a:rPr>
+                        <a:t>Festgelegtes Thema,</a:t>
                       </a:r>
                       <a:r>
-                        <a:rPr lang="de-DE" baseline="0" dirty="0" smtClean="0"/>
-                        <a:t> im Vorfeld festgelegt</a:t>
+                        <a:rPr lang="de-DE" sz="1800" b="0" i="0" kern="1200" dirty="0" smtClean="0">
+                          <a:solidFill>
+                            <a:schemeClr val="dk1"/>
+                          </a:solidFill>
+                          <a:effectLst/>
+                          <a:latin typeface="+mn-lt"/>
+                          <a:ea typeface="+mn-ea"/>
+                          <a:cs typeface="+mn-cs"/>
+                        </a:rPr>
+                        <a:t/>
+                      </a:r>
+                      <a:br>
+                        <a:rPr lang="de-DE" sz="1800" b="0" i="0" kern="1200" dirty="0" smtClean="0">
+                          <a:solidFill>
+                            <a:schemeClr val="dk1"/>
+                          </a:solidFill>
+                          <a:effectLst/>
+                          <a:latin typeface="+mn-lt"/>
+                          <a:ea typeface="+mn-ea"/>
+                          <a:cs typeface="+mn-cs"/>
+                        </a:rPr>
+                      </a:br>
+                      <a:r>
+                        <a:rPr lang="de-DE" sz="1800" b="0" i="0" u="none" strike="noStrike" kern="1200" dirty="0" smtClean="0">
+                          <a:solidFill>
+                            <a:schemeClr val="dk1"/>
+                          </a:solidFill>
+                          <a:effectLst/>
+                          <a:latin typeface="+mn-lt"/>
+                          <a:ea typeface="+mn-ea"/>
+                          <a:cs typeface="+mn-cs"/>
+                        </a:rPr>
+                        <a:t>Fehlerkorrektur </a:t>
                       </a:r>
                       <a:endParaRPr lang="de-DE" dirty="0"/>
                     </a:p>
@@ -9546,15 +8915,51 @@
                     <a:lstStyle/>
                     <a:p>
                       <a:r>
-                        <a:rPr lang="de-DE" dirty="0" smtClean="0"/>
-                        <a:t>Chaotisch</a:t>
+                        <a:rPr lang="de-DE" sz="1800" b="0" i="0" u="none" strike="noStrike" kern="1200" dirty="0" smtClean="0">
+                          <a:solidFill>
+                            <a:schemeClr val="dk1"/>
+                          </a:solidFill>
+                          <a:effectLst/>
+                          <a:latin typeface="+mn-lt"/>
+                          <a:ea typeface="+mn-ea"/>
+                          <a:cs typeface="+mn-cs"/>
+                        </a:rPr>
+                        <a:t>Chaotisch </a:t>
                       </a:r>
-                      <a:endParaRPr lang="de-DE" baseline="0" dirty="0" smtClean="0"/>
-                    </a:p>
-                    <a:p>
                       <a:r>
-                        <a:rPr lang="de-DE" baseline="0" dirty="0" smtClean="0"/>
-                        <a:t>unstrukturiert</a:t>
+                        <a:rPr lang="de-DE" sz="1800" b="0" i="0" kern="1200" dirty="0" smtClean="0">
+                          <a:solidFill>
+                            <a:schemeClr val="dk1"/>
+                          </a:solidFill>
+                          <a:effectLst/>
+                          <a:latin typeface="+mn-lt"/>
+                          <a:ea typeface="+mn-ea"/>
+                          <a:cs typeface="+mn-cs"/>
+                        </a:rPr>
+                        <a:t/>
+                      </a:r>
+                      <a:br>
+                        <a:rPr lang="de-DE" sz="1800" b="0" i="0" kern="1200" dirty="0" smtClean="0">
+                          <a:solidFill>
+                            <a:schemeClr val="dk1"/>
+                          </a:solidFill>
+                          <a:effectLst/>
+                          <a:latin typeface="+mn-lt"/>
+                          <a:ea typeface="+mn-ea"/>
+                          <a:cs typeface="+mn-cs"/>
+                        </a:rPr>
+                      </a:br>
+                      <a:r>
+                        <a:rPr lang="de-DE" sz="1800" b="0" i="0" u="none" strike="noStrike" kern="1200" dirty="0" smtClean="0">
+                          <a:solidFill>
+                            <a:schemeClr val="dk1"/>
+                          </a:solidFill>
+                          <a:effectLst/>
+                          <a:latin typeface="+mn-lt"/>
+                          <a:ea typeface="+mn-ea"/>
+                          <a:cs typeface="+mn-cs"/>
+                        </a:rPr>
+                        <a:t>Unstrukturiert </a:t>
                       </a:r>
                       <a:endParaRPr lang="de-DE" dirty="0"/>
                     </a:p>
@@ -9665,15 +9070,7 @@
                   <a:srgbClr val="1C5498"/>
                 </a:solidFill>
               </a:rPr>
-              <a:t>/ </a:t>
-            </a:r>
-            <a:r>
-              <a:rPr lang="de-DE" sz="1400" dirty="0" smtClean="0">
-                <a:solidFill>
-                  <a:srgbClr val="1C5498"/>
-                </a:solidFill>
-              </a:rPr>
-              <a:t>17</a:t>
+              <a:t>/ 17</a:t>
             </a:r>
             <a:endParaRPr lang="de-DE" sz="1400" dirty="0">
               <a:solidFill>
@@ -10216,7 +9613,7 @@
                   <a:srgbClr val="1C5498"/>
                 </a:solidFill>
               </a:rPr>
-              <a:t>Investitionsrechnung</a:t>
+              <a:t>Geschäftsmodell</a:t>
             </a:r>
             <a:endParaRPr lang="de-DE" sz="1600" dirty="0">
               <a:solidFill>
@@ -10266,30 +9663,6 @@
           </a:p>
         </p:txBody>
       </p:sp>
-      <p:graphicFrame>
-        <p:nvGraphicFramePr>
-          <p:cNvPr id="18" name="Diagramm 17"/>
-          <p:cNvGraphicFramePr>
-            <a:graphicFrameLocks/>
-          </p:cNvGraphicFramePr>
-          <p:nvPr>
-            <p:extLst>
-              <p:ext uri="{D42A27DB-BD31-4B8C-83A1-F6EECF244321}">
-                <p14:modId xmlns:p14="http://schemas.microsoft.com/office/powerpoint/2010/main" val="184533856"/>
-              </p:ext>
-            </p:extLst>
-          </p:nvPr>
-        </p:nvGraphicFramePr>
-        <p:xfrm>
-          <a:off x="1289571" y="904213"/>
-          <a:ext cx="6372227" cy="4067175"/>
-        </p:xfrm>
-        <a:graphic>
-          <a:graphicData uri="http://schemas.openxmlformats.org/drawingml/2006/chart">
-            <c:chart xmlns:c="http://schemas.openxmlformats.org/drawingml/2006/chart" xmlns:r="http://schemas.openxmlformats.org/officeDocument/2006/relationships" r:id="rId4"/>
-          </a:graphicData>
-        </a:graphic>
-      </p:graphicFrame>
       <p:sp>
         <p:nvSpPr>
           <p:cNvPr id="19" name="Textfeld 18"/>
@@ -10335,15 +9708,7 @@
                   <a:srgbClr val="1C5498"/>
                 </a:solidFill>
               </a:rPr>
-              <a:t>/ </a:t>
-            </a:r>
-            <a:r>
-              <a:rPr lang="de-DE" sz="1400" dirty="0" smtClean="0">
-                <a:solidFill>
-                  <a:srgbClr val="1C5498"/>
-                </a:solidFill>
-              </a:rPr>
-              <a:t>17</a:t>
+              <a:t>/ 17</a:t>
             </a:r>
             <a:endParaRPr lang="de-DE" sz="1400" dirty="0">
               <a:solidFill>
@@ -10886,7 +10251,7 @@
                   <a:srgbClr val="1C5498"/>
                 </a:solidFill>
               </a:rPr>
-              <a:t>Weiterentwicklung</a:t>
+              <a:t>Geschäftsmodell</a:t>
             </a:r>
             <a:endParaRPr lang="de-DE" sz="1600" dirty="0">
               <a:solidFill>
@@ -10905,7 +10270,7 @@
         <p:spPr>
           <a:xfrm>
             <a:off x="219844" y="642603"/>
-            <a:ext cx="4815677" cy="523220"/>
+            <a:ext cx="2064989" cy="523220"/>
           </a:xfrm>
           <a:prstGeom prst="rect">
             <a:avLst/>
@@ -10925,7 +10290,7 @@
                 </a:solidFill>
                 <a:latin typeface="Helvetica" pitchFamily="34" charset="0"/>
               </a:rPr>
-              <a:t>Weiterentwicklung / Features</a:t>
+              <a:t>Preismodell</a:t>
             </a:r>
             <a:endParaRPr lang="de-DE" sz="2800" dirty="0">
               <a:solidFill>
@@ -10981,15 +10346,7 @@
                   <a:srgbClr val="1C5498"/>
                 </a:solidFill>
               </a:rPr>
-              <a:t>/ </a:t>
-            </a:r>
-            <a:r>
-              <a:rPr lang="de-DE" sz="1400" dirty="0" smtClean="0">
-                <a:solidFill>
-                  <a:srgbClr val="1C5498"/>
-                </a:solidFill>
-              </a:rPr>
-              <a:t>17</a:t>
+              <a:t>/ 17</a:t>
             </a:r>
             <a:endParaRPr lang="de-DE" sz="1400" dirty="0">
               <a:solidFill>
@@ -11139,6 +10496,1141 @@
           </a:p>
         </p:txBody>
       </p:sp>
+      <p:sp>
+        <p:nvSpPr>
+          <p:cNvPr id="2" name="Abgerundetes Rechteck 1"/>
+          <p:cNvSpPr/>
+          <p:nvPr/>
+        </p:nvSpPr>
+        <p:spPr>
+          <a:xfrm>
+            <a:off x="233772" y="1287305"/>
+            <a:ext cx="2051061" cy="2833140"/>
+          </a:xfrm>
+          <a:prstGeom prst="roundRect">
+            <a:avLst>
+              <a:gd name="adj" fmla="val 3458"/>
+            </a:avLst>
+          </a:prstGeom>
+          <a:gradFill>
+            <a:gsLst>
+              <a:gs pos="0">
+                <a:schemeClr val="accent1">
+                  <a:tint val="66000"/>
+                  <a:satMod val="160000"/>
+                </a:schemeClr>
+              </a:gs>
+              <a:gs pos="50000">
+                <a:schemeClr val="accent1">
+                  <a:tint val="44500"/>
+                  <a:satMod val="160000"/>
+                </a:schemeClr>
+              </a:gs>
+              <a:gs pos="100000">
+                <a:schemeClr val="accent1">
+                  <a:tint val="23500"/>
+                  <a:satMod val="160000"/>
+                </a:schemeClr>
+              </a:gs>
+            </a:gsLst>
+            <a:lin ang="5400000" scaled="0"/>
+          </a:gradFill>
+          <a:effectLst>
+            <a:outerShdw blurRad="50800" dist="38100" dir="2700000" algn="tl" rotWithShape="0">
+              <a:prstClr val="black">
+                <a:alpha val="40000"/>
+              </a:prstClr>
+            </a:outerShdw>
+          </a:effectLst>
+        </p:spPr>
+        <p:style>
+          <a:lnRef idx="2">
+            <a:schemeClr val="accent1">
+              <a:shade val="50000"/>
+            </a:schemeClr>
+          </a:lnRef>
+          <a:fillRef idx="1">
+            <a:schemeClr val="accent1"/>
+          </a:fillRef>
+          <a:effectRef idx="0">
+            <a:schemeClr val="accent1"/>
+          </a:effectRef>
+          <a:fontRef idx="minor">
+            <a:schemeClr val="lt1"/>
+          </a:fontRef>
+        </p:style>
+        <p:txBody>
+          <a:bodyPr rtlCol="0" anchor="ctr"/>
+          <a:lstStyle/>
+          <a:p>
+            <a:pPr algn="ctr"/>
+            <a:endParaRPr lang="de-DE"/>
+          </a:p>
+        </p:txBody>
+      </p:sp>
+      <p:sp>
+        <p:nvSpPr>
+          <p:cNvPr id="25" name="Abgerundetes Rechteck 24"/>
+          <p:cNvSpPr/>
+          <p:nvPr/>
+        </p:nvSpPr>
+        <p:spPr>
+          <a:xfrm>
+            <a:off x="2410337" y="1287305"/>
+            <a:ext cx="6496596" cy="2833140"/>
+          </a:xfrm>
+          <a:prstGeom prst="roundRect">
+            <a:avLst>
+              <a:gd name="adj" fmla="val 3458"/>
+            </a:avLst>
+          </a:prstGeom>
+          <a:gradFill>
+            <a:gsLst>
+              <a:gs pos="0">
+                <a:schemeClr val="accent2">
+                  <a:lumMod val="60000"/>
+                  <a:lumOff val="40000"/>
+                </a:schemeClr>
+              </a:gs>
+              <a:gs pos="100000">
+                <a:schemeClr val="accent1">
+                  <a:tint val="23500"/>
+                  <a:satMod val="160000"/>
+                </a:schemeClr>
+              </a:gs>
+            </a:gsLst>
+            <a:lin ang="5400000" scaled="0"/>
+          </a:gradFill>
+          <a:effectLst>
+            <a:outerShdw blurRad="50800" dist="38100" dir="2700000" algn="tl" rotWithShape="0">
+              <a:prstClr val="black">
+                <a:alpha val="40000"/>
+              </a:prstClr>
+            </a:outerShdw>
+          </a:effectLst>
+        </p:spPr>
+        <p:style>
+          <a:lnRef idx="2">
+            <a:schemeClr val="accent1">
+              <a:shade val="50000"/>
+            </a:schemeClr>
+          </a:lnRef>
+          <a:fillRef idx="1">
+            <a:schemeClr val="accent1"/>
+          </a:fillRef>
+          <a:effectRef idx="0">
+            <a:schemeClr val="accent1"/>
+          </a:effectRef>
+          <a:fontRef idx="minor">
+            <a:schemeClr val="lt1"/>
+          </a:fontRef>
+        </p:style>
+        <p:txBody>
+          <a:bodyPr rtlCol="0" anchor="ctr"/>
+          <a:lstStyle/>
+          <a:p>
+            <a:pPr algn="ctr"/>
+            <a:endParaRPr lang="de-DE"/>
+          </a:p>
+        </p:txBody>
+      </p:sp>
+      <p:pic>
+        <p:nvPicPr>
+          <p:cNvPr id="30" name="Picture 6" descr="C:\Users\sichbran\Desktop\logo.png"/>
+          <p:cNvPicPr>
+            <a:picLocks noChangeAspect="1" noChangeArrowheads="1"/>
+          </p:cNvPicPr>
+          <p:nvPr/>
+        </p:nvPicPr>
+        <p:blipFill>
+          <a:blip r:embed="rId4" cstate="print">
+            <a:extLst>
+              <a:ext uri="{28A0092B-C50C-407E-A947-70E740481C1C}">
+                <a14:useLocalDpi xmlns:a14="http://schemas.microsoft.com/office/drawing/2010/main" val="0"/>
+              </a:ext>
+            </a:extLst>
+          </a:blip>
+          <a:srcRect/>
+          <a:stretch>
+            <a:fillRect/>
+          </a:stretch>
+        </p:blipFill>
+        <p:spPr bwMode="auto">
+          <a:xfrm>
+            <a:off x="408773" y="1287305"/>
+            <a:ext cx="1626442" cy="914028"/>
+          </a:xfrm>
+          <a:prstGeom prst="rect">
+            <a:avLst/>
+          </a:prstGeom>
+          <a:noFill/>
+        </p:spPr>
+      </p:pic>
+      <p:pic>
+        <p:nvPicPr>
+          <p:cNvPr id="31" name="Picture 6" descr="C:\Users\sichbran\Desktop\logo.png"/>
+          <p:cNvPicPr>
+            <a:picLocks noChangeAspect="1" noChangeArrowheads="1"/>
+          </p:cNvPicPr>
+          <p:nvPr/>
+        </p:nvPicPr>
+        <p:blipFill>
+          <a:blip r:embed="rId4" cstate="print">
+            <a:extLst>
+              <a:ext uri="{28A0092B-C50C-407E-A947-70E740481C1C}">
+                <a14:useLocalDpi xmlns:a14="http://schemas.microsoft.com/office/drawing/2010/main" val="0"/>
+              </a:ext>
+            </a:extLst>
+          </a:blip>
+          <a:srcRect/>
+          <a:stretch>
+            <a:fillRect/>
+          </a:stretch>
+        </p:blipFill>
+        <p:spPr bwMode="auto">
+          <a:xfrm>
+            <a:off x="2617583" y="1287305"/>
+            <a:ext cx="1626442" cy="914028"/>
+          </a:xfrm>
+          <a:prstGeom prst="rect">
+            <a:avLst/>
+          </a:prstGeom>
+          <a:noFill/>
+        </p:spPr>
+      </p:pic>
+      <p:cxnSp>
+        <p:nvCxnSpPr>
+          <p:cNvPr id="5" name="Gerade Verbindung 4"/>
+          <p:cNvCxnSpPr/>
+          <p:nvPr/>
+        </p:nvCxnSpPr>
+        <p:spPr>
+          <a:xfrm>
+            <a:off x="233772" y="2472269"/>
+            <a:ext cx="2051061" cy="0"/>
+          </a:xfrm>
+          <a:prstGeom prst="line">
+            <a:avLst/>
+          </a:prstGeom>
+          <a:ln w="25400">
+            <a:solidFill>
+              <a:srgbClr val="FF0000"/>
+            </a:solidFill>
+          </a:ln>
+        </p:spPr>
+        <p:style>
+          <a:lnRef idx="1">
+            <a:schemeClr val="accent1"/>
+          </a:lnRef>
+          <a:fillRef idx="0">
+            <a:schemeClr val="accent1"/>
+          </a:fillRef>
+          <a:effectRef idx="0">
+            <a:schemeClr val="accent1"/>
+          </a:effectRef>
+          <a:fontRef idx="minor">
+            <a:schemeClr val="tx1"/>
+          </a:fontRef>
+        </p:style>
+      </p:cxnSp>
+      <p:sp>
+        <p:nvSpPr>
+          <p:cNvPr id="38" name="Textfeld 37"/>
+          <p:cNvSpPr txBox="1"/>
+          <p:nvPr/>
+        </p:nvSpPr>
+        <p:spPr>
+          <a:xfrm>
+            <a:off x="236567" y="2552247"/>
+            <a:ext cx="1493427" cy="348776"/>
+          </a:xfrm>
+          <a:prstGeom prst="rect">
+            <a:avLst/>
+          </a:prstGeom>
+          <a:noFill/>
+        </p:spPr>
+        <p:txBody>
+          <a:bodyPr wrap="square" rtlCol="0">
+            <a:noAutofit/>
+          </a:bodyPr>
+          <a:lstStyle/>
+          <a:p>
+            <a:r>
+              <a:rPr lang="de-DE" dirty="0" smtClean="0"/>
+              <a:t>Lizenzkosten:</a:t>
+            </a:r>
+            <a:endParaRPr lang="de-DE" dirty="0"/>
+          </a:p>
+        </p:txBody>
+      </p:sp>
+      <p:sp>
+        <p:nvSpPr>
+          <p:cNvPr id="39" name="Abgerundetes Rechteck 38"/>
+          <p:cNvSpPr/>
+          <p:nvPr/>
+        </p:nvSpPr>
+        <p:spPr>
+          <a:xfrm>
+            <a:off x="710043" y="2204059"/>
+            <a:ext cx="1325172" cy="216000"/>
+          </a:xfrm>
+          <a:prstGeom prst="roundRect">
+            <a:avLst/>
+          </a:prstGeom>
+          <a:solidFill>
+            <a:schemeClr val="accent1"/>
+          </a:solidFill>
+          <a:ln>
+            <a:noFill/>
+          </a:ln>
+        </p:spPr>
+        <p:style>
+          <a:lnRef idx="2">
+            <a:schemeClr val="accent1">
+              <a:shade val="50000"/>
+            </a:schemeClr>
+          </a:lnRef>
+          <a:fillRef idx="1">
+            <a:schemeClr val="accent1"/>
+          </a:fillRef>
+          <a:effectRef idx="0">
+            <a:schemeClr val="accent1"/>
+          </a:effectRef>
+          <a:fontRef idx="minor">
+            <a:schemeClr val="lt1"/>
+          </a:fontRef>
+        </p:style>
+        <p:txBody>
+          <a:bodyPr rtlCol="0" anchor="ctr"/>
+          <a:lstStyle/>
+          <a:p>
+            <a:pPr algn="ctr"/>
+            <a:r>
+              <a:rPr lang="de-DE" sz="1400" dirty="0" smtClean="0"/>
+              <a:t>Student Edition</a:t>
+            </a:r>
+            <a:endParaRPr lang="de-DE" sz="1400" dirty="0"/>
+          </a:p>
+        </p:txBody>
+      </p:sp>
+      <p:sp>
+        <p:nvSpPr>
+          <p:cNvPr id="40" name="Abgerundetes Rechteck 39"/>
+          <p:cNvSpPr/>
+          <p:nvPr/>
+        </p:nvSpPr>
+        <p:spPr>
+          <a:xfrm>
+            <a:off x="2732025" y="2201333"/>
+            <a:ext cx="1512000" cy="216000"/>
+          </a:xfrm>
+          <a:prstGeom prst="roundRect">
+            <a:avLst/>
+          </a:prstGeom>
+          <a:solidFill>
+            <a:srgbClr val="FF0000"/>
+          </a:solidFill>
+          <a:ln>
+            <a:noFill/>
+          </a:ln>
+        </p:spPr>
+        <p:style>
+          <a:lnRef idx="2">
+            <a:schemeClr val="accent1">
+              <a:shade val="50000"/>
+            </a:schemeClr>
+          </a:lnRef>
+          <a:fillRef idx="1">
+            <a:schemeClr val="accent1"/>
+          </a:fillRef>
+          <a:effectRef idx="0">
+            <a:schemeClr val="accent1"/>
+          </a:effectRef>
+          <a:fontRef idx="minor">
+            <a:schemeClr val="lt1"/>
+          </a:fontRef>
+        </p:style>
+        <p:txBody>
+          <a:bodyPr rtlCol="0" anchor="ctr"/>
+          <a:lstStyle/>
+          <a:p>
+            <a:pPr algn="ctr"/>
+            <a:r>
+              <a:rPr lang="de-DE" sz="1400" dirty="0" smtClean="0"/>
+              <a:t>Enterprise Edition</a:t>
+            </a:r>
+            <a:endParaRPr lang="de-DE" sz="1400" dirty="0"/>
+          </a:p>
+        </p:txBody>
+      </p:sp>
+      <p:sp>
+        <p:nvSpPr>
+          <p:cNvPr id="41" name="Textfeld 40"/>
+          <p:cNvSpPr txBox="1"/>
+          <p:nvPr/>
+        </p:nvSpPr>
+        <p:spPr>
+          <a:xfrm>
+            <a:off x="2417339" y="2552248"/>
+            <a:ext cx="1940172" cy="348776"/>
+          </a:xfrm>
+          <a:prstGeom prst="rect">
+            <a:avLst/>
+          </a:prstGeom>
+          <a:noFill/>
+        </p:spPr>
+        <p:txBody>
+          <a:bodyPr wrap="square" rtlCol="0">
+            <a:noAutofit/>
+          </a:bodyPr>
+          <a:lstStyle/>
+          <a:p>
+            <a:r>
+              <a:rPr lang="de-DE" dirty="0" smtClean="0"/>
+              <a:t>Lizenzkosten p. a.:</a:t>
+            </a:r>
+            <a:endParaRPr lang="de-DE" dirty="0"/>
+          </a:p>
+        </p:txBody>
+      </p:sp>
+      <p:cxnSp>
+        <p:nvCxnSpPr>
+          <p:cNvPr id="43" name="Gerade Verbindung 42"/>
+          <p:cNvCxnSpPr/>
+          <p:nvPr/>
+        </p:nvCxnSpPr>
+        <p:spPr>
+          <a:xfrm flipV="1">
+            <a:off x="4357511" y="2190044"/>
+            <a:ext cx="0" cy="1919112"/>
+          </a:xfrm>
+          <a:prstGeom prst="line">
+            <a:avLst/>
+          </a:prstGeom>
+        </p:spPr>
+        <p:style>
+          <a:lnRef idx="1">
+            <a:schemeClr val="accent1"/>
+          </a:lnRef>
+          <a:fillRef idx="0">
+            <a:schemeClr val="accent1"/>
+          </a:fillRef>
+          <a:effectRef idx="0">
+            <a:schemeClr val="accent1"/>
+          </a:effectRef>
+          <a:fontRef idx="minor">
+            <a:schemeClr val="tx1"/>
+          </a:fontRef>
+        </p:style>
+      </p:cxnSp>
+      <p:cxnSp>
+        <p:nvCxnSpPr>
+          <p:cNvPr id="44" name="Gerade Verbindung 43"/>
+          <p:cNvCxnSpPr/>
+          <p:nvPr/>
+        </p:nvCxnSpPr>
+        <p:spPr>
+          <a:xfrm flipV="1">
+            <a:off x="5928261" y="2192771"/>
+            <a:ext cx="0" cy="801018"/>
+          </a:xfrm>
+          <a:prstGeom prst="line">
+            <a:avLst/>
+          </a:prstGeom>
+        </p:spPr>
+        <p:style>
+          <a:lnRef idx="1">
+            <a:schemeClr val="accent1"/>
+          </a:lnRef>
+          <a:fillRef idx="0">
+            <a:schemeClr val="accent1"/>
+          </a:fillRef>
+          <a:effectRef idx="0">
+            <a:schemeClr val="accent1"/>
+          </a:effectRef>
+          <a:fontRef idx="minor">
+            <a:schemeClr val="tx1"/>
+          </a:fontRef>
+        </p:style>
+      </p:cxnSp>
+      <p:cxnSp>
+        <p:nvCxnSpPr>
+          <p:cNvPr id="45" name="Gerade Verbindung 44"/>
+          <p:cNvCxnSpPr/>
+          <p:nvPr/>
+        </p:nvCxnSpPr>
+        <p:spPr>
+          <a:xfrm flipV="1">
+            <a:off x="7467600" y="2192771"/>
+            <a:ext cx="0" cy="801018"/>
+          </a:xfrm>
+          <a:prstGeom prst="line">
+            <a:avLst/>
+          </a:prstGeom>
+        </p:spPr>
+        <p:style>
+          <a:lnRef idx="1">
+            <a:schemeClr val="accent1"/>
+          </a:lnRef>
+          <a:fillRef idx="0">
+            <a:schemeClr val="accent1"/>
+          </a:fillRef>
+          <a:effectRef idx="0">
+            <a:schemeClr val="accent1"/>
+          </a:effectRef>
+          <a:fontRef idx="minor">
+            <a:schemeClr val="tx1"/>
+          </a:fontRef>
+        </p:style>
+      </p:cxnSp>
+      <p:sp>
+        <p:nvSpPr>
+          <p:cNvPr id="46" name="Textfeld 45"/>
+          <p:cNvSpPr txBox="1"/>
+          <p:nvPr/>
+        </p:nvSpPr>
+        <p:spPr>
+          <a:xfrm>
+            <a:off x="2417339" y="3096445"/>
+            <a:ext cx="1940172" cy="369245"/>
+          </a:xfrm>
+          <a:prstGeom prst="rect">
+            <a:avLst/>
+          </a:prstGeom>
+          <a:noFill/>
+        </p:spPr>
+        <p:txBody>
+          <a:bodyPr wrap="square" rtlCol="0">
+            <a:noAutofit/>
+          </a:bodyPr>
+          <a:lstStyle/>
+          <a:p>
+            <a:r>
+              <a:rPr lang="de-DE" dirty="0" smtClean="0"/>
+              <a:t>Installation:</a:t>
+            </a:r>
+            <a:endParaRPr lang="de-DE" dirty="0"/>
+          </a:p>
+        </p:txBody>
+      </p:sp>
+      <p:sp>
+        <p:nvSpPr>
+          <p:cNvPr id="47" name="Textfeld 46"/>
+          <p:cNvSpPr txBox="1"/>
+          <p:nvPr/>
+        </p:nvSpPr>
+        <p:spPr>
+          <a:xfrm>
+            <a:off x="233771" y="3096445"/>
+            <a:ext cx="1493429" cy="369245"/>
+          </a:xfrm>
+          <a:prstGeom prst="rect">
+            <a:avLst/>
+          </a:prstGeom>
+          <a:noFill/>
+        </p:spPr>
+        <p:txBody>
+          <a:bodyPr wrap="square" rtlCol="0">
+            <a:noAutofit/>
+          </a:bodyPr>
+          <a:lstStyle/>
+          <a:p>
+            <a:r>
+              <a:rPr lang="de-DE" dirty="0" smtClean="0"/>
+              <a:t>Installation:</a:t>
+            </a:r>
+            <a:endParaRPr lang="de-DE" dirty="0"/>
+          </a:p>
+        </p:txBody>
+      </p:sp>
+      <p:sp>
+        <p:nvSpPr>
+          <p:cNvPr id="48" name="Textfeld 47"/>
+          <p:cNvSpPr txBox="1"/>
+          <p:nvPr/>
+        </p:nvSpPr>
+        <p:spPr>
+          <a:xfrm>
+            <a:off x="1727199" y="2495803"/>
+            <a:ext cx="557632" cy="461665"/>
+          </a:xfrm>
+          <a:prstGeom prst="rect">
+            <a:avLst/>
+          </a:prstGeom>
+          <a:noFill/>
+        </p:spPr>
+        <p:txBody>
+          <a:bodyPr wrap="square" rtlCol="0">
+            <a:spAutoFit/>
+          </a:bodyPr>
+          <a:lstStyle/>
+          <a:p>
+            <a:pPr algn="r"/>
+            <a:r>
+              <a:rPr lang="de-DE" sz="2400" dirty="0" smtClean="0"/>
+              <a:t>0</a:t>
+            </a:r>
+            <a:r>
+              <a:rPr lang="de-DE" dirty="0" smtClean="0"/>
+              <a:t> €</a:t>
+            </a:r>
+            <a:endParaRPr lang="de-DE" dirty="0"/>
+          </a:p>
+        </p:txBody>
+      </p:sp>
+      <p:sp>
+        <p:nvSpPr>
+          <p:cNvPr id="49" name="Textfeld 48"/>
+          <p:cNvSpPr txBox="1"/>
+          <p:nvPr/>
+        </p:nvSpPr>
+        <p:spPr>
+          <a:xfrm>
+            <a:off x="1456267" y="3076813"/>
+            <a:ext cx="828565" cy="461665"/>
+          </a:xfrm>
+          <a:prstGeom prst="rect">
+            <a:avLst/>
+          </a:prstGeom>
+          <a:noFill/>
+        </p:spPr>
+        <p:txBody>
+          <a:bodyPr wrap="square" rtlCol="0">
+            <a:spAutoFit/>
+          </a:bodyPr>
+          <a:lstStyle/>
+          <a:p>
+            <a:pPr algn="r"/>
+            <a:r>
+              <a:rPr lang="de-DE" sz="2400" dirty="0" smtClean="0"/>
+              <a:t>800</a:t>
+            </a:r>
+            <a:r>
+              <a:rPr lang="de-DE" dirty="0" smtClean="0"/>
+              <a:t> €</a:t>
+            </a:r>
+            <a:endParaRPr lang="de-DE" dirty="0"/>
+          </a:p>
+        </p:txBody>
+      </p:sp>
+      <p:sp>
+        <p:nvSpPr>
+          <p:cNvPr id="52" name="Textfeld 51"/>
+          <p:cNvSpPr txBox="1"/>
+          <p:nvPr/>
+        </p:nvSpPr>
+        <p:spPr>
+          <a:xfrm>
+            <a:off x="4475686" y="3072812"/>
+            <a:ext cx="4431248" cy="461665"/>
+          </a:xfrm>
+          <a:prstGeom prst="rect">
+            <a:avLst/>
+          </a:prstGeom>
+          <a:noFill/>
+        </p:spPr>
+        <p:txBody>
+          <a:bodyPr wrap="square" rtlCol="0">
+            <a:spAutoFit/>
+          </a:bodyPr>
+          <a:lstStyle/>
+          <a:p>
+            <a:pPr algn="ctr"/>
+            <a:r>
+              <a:rPr lang="de-DE" sz="2400" dirty="0" smtClean="0"/>
+              <a:t>800</a:t>
+            </a:r>
+            <a:r>
+              <a:rPr lang="de-DE" dirty="0" smtClean="0"/>
+              <a:t> €</a:t>
+            </a:r>
+            <a:endParaRPr lang="de-DE" dirty="0"/>
+          </a:p>
+        </p:txBody>
+      </p:sp>
+      <p:cxnSp>
+        <p:nvCxnSpPr>
+          <p:cNvPr id="54" name="Gerade Verbindung 53"/>
+          <p:cNvCxnSpPr/>
+          <p:nvPr/>
+        </p:nvCxnSpPr>
+        <p:spPr>
+          <a:xfrm>
+            <a:off x="2417339" y="2993789"/>
+            <a:ext cx="6489594" cy="0"/>
+          </a:xfrm>
+          <a:prstGeom prst="line">
+            <a:avLst/>
+          </a:prstGeom>
+        </p:spPr>
+        <p:style>
+          <a:lnRef idx="1">
+            <a:schemeClr val="accent1"/>
+          </a:lnRef>
+          <a:fillRef idx="0">
+            <a:schemeClr val="accent1"/>
+          </a:fillRef>
+          <a:effectRef idx="0">
+            <a:schemeClr val="accent1"/>
+          </a:effectRef>
+          <a:fontRef idx="minor">
+            <a:schemeClr val="tx1"/>
+          </a:fontRef>
+        </p:style>
+      </p:cxnSp>
+      <p:cxnSp>
+        <p:nvCxnSpPr>
+          <p:cNvPr id="55" name="Gerade Verbindung 54"/>
+          <p:cNvCxnSpPr/>
+          <p:nvPr/>
+        </p:nvCxnSpPr>
+        <p:spPr>
+          <a:xfrm>
+            <a:off x="2410337" y="3528243"/>
+            <a:ext cx="6489594" cy="0"/>
+          </a:xfrm>
+          <a:prstGeom prst="line">
+            <a:avLst/>
+          </a:prstGeom>
+        </p:spPr>
+        <p:style>
+          <a:lnRef idx="1">
+            <a:schemeClr val="accent1"/>
+          </a:lnRef>
+          <a:fillRef idx="0">
+            <a:schemeClr val="accent1"/>
+          </a:fillRef>
+          <a:effectRef idx="0">
+            <a:schemeClr val="accent1"/>
+          </a:effectRef>
+          <a:fontRef idx="minor">
+            <a:schemeClr val="tx1"/>
+          </a:fontRef>
+        </p:style>
+      </p:cxnSp>
+      <p:sp>
+        <p:nvSpPr>
+          <p:cNvPr id="56" name="Textfeld 55"/>
+          <p:cNvSpPr txBox="1"/>
+          <p:nvPr/>
+        </p:nvSpPr>
+        <p:spPr>
+          <a:xfrm>
+            <a:off x="4475685" y="2088444"/>
+            <a:ext cx="1338093" cy="369332"/>
+          </a:xfrm>
+          <a:prstGeom prst="rect">
+            <a:avLst/>
+          </a:prstGeom>
+          <a:noFill/>
+        </p:spPr>
+        <p:txBody>
+          <a:bodyPr wrap="square" rtlCol="0">
+            <a:spAutoFit/>
+          </a:bodyPr>
+          <a:lstStyle/>
+          <a:p>
+            <a:pPr algn="r"/>
+            <a:r>
+              <a:rPr lang="de-DE" dirty="0" smtClean="0"/>
+              <a:t>bis 250 User</a:t>
+            </a:r>
+            <a:endParaRPr lang="de-DE" dirty="0"/>
+          </a:p>
+        </p:txBody>
+      </p:sp>
+      <p:sp>
+        <p:nvSpPr>
+          <p:cNvPr id="57" name="Textfeld 56"/>
+          <p:cNvSpPr txBox="1"/>
+          <p:nvPr/>
+        </p:nvSpPr>
+        <p:spPr>
+          <a:xfrm>
+            <a:off x="6047552" y="2088444"/>
+            <a:ext cx="1338093" cy="369332"/>
+          </a:xfrm>
+          <a:prstGeom prst="rect">
+            <a:avLst/>
+          </a:prstGeom>
+          <a:noFill/>
+        </p:spPr>
+        <p:txBody>
+          <a:bodyPr wrap="square" rtlCol="0">
+            <a:spAutoFit/>
+          </a:bodyPr>
+          <a:lstStyle/>
+          <a:p>
+            <a:pPr algn="r"/>
+            <a:r>
+              <a:rPr lang="de-DE" dirty="0" smtClean="0"/>
+              <a:t>bis 500 User</a:t>
+            </a:r>
+            <a:endParaRPr lang="de-DE" dirty="0"/>
+          </a:p>
+        </p:txBody>
+      </p:sp>
+      <p:sp>
+        <p:nvSpPr>
+          <p:cNvPr id="58" name="Textfeld 57"/>
+          <p:cNvSpPr txBox="1"/>
+          <p:nvPr/>
+        </p:nvSpPr>
+        <p:spPr>
+          <a:xfrm>
+            <a:off x="7538045" y="2079881"/>
+            <a:ext cx="1338093" cy="369332"/>
+          </a:xfrm>
+          <a:prstGeom prst="rect">
+            <a:avLst/>
+          </a:prstGeom>
+          <a:noFill/>
+        </p:spPr>
+        <p:txBody>
+          <a:bodyPr wrap="square" rtlCol="0">
+            <a:spAutoFit/>
+          </a:bodyPr>
+          <a:lstStyle/>
+          <a:p>
+            <a:pPr algn="r"/>
+            <a:r>
+              <a:rPr lang="de-DE" dirty="0" smtClean="0"/>
+              <a:t>ab 500 User</a:t>
+            </a:r>
+            <a:endParaRPr lang="de-DE" dirty="0"/>
+          </a:p>
+        </p:txBody>
+      </p:sp>
+      <p:sp>
+        <p:nvSpPr>
+          <p:cNvPr id="59" name="Textfeld 58"/>
+          <p:cNvSpPr txBox="1"/>
+          <p:nvPr/>
+        </p:nvSpPr>
+        <p:spPr>
+          <a:xfrm>
+            <a:off x="5099694" y="2473042"/>
+            <a:ext cx="828565" cy="461665"/>
+          </a:xfrm>
+          <a:prstGeom prst="rect">
+            <a:avLst/>
+          </a:prstGeom>
+          <a:noFill/>
+        </p:spPr>
+        <p:txBody>
+          <a:bodyPr wrap="square" rtlCol="0">
+            <a:spAutoFit/>
+          </a:bodyPr>
+          <a:lstStyle/>
+          <a:p>
+            <a:pPr algn="r"/>
+            <a:r>
+              <a:rPr lang="de-DE" sz="2400" dirty="0" smtClean="0"/>
+              <a:t>500</a:t>
+            </a:r>
+            <a:r>
+              <a:rPr lang="de-DE" dirty="0" smtClean="0"/>
+              <a:t> €</a:t>
+            </a:r>
+            <a:endParaRPr lang="de-DE" dirty="0"/>
+          </a:p>
+        </p:txBody>
+      </p:sp>
+      <p:sp>
+        <p:nvSpPr>
+          <p:cNvPr id="60" name="Textfeld 59"/>
+          <p:cNvSpPr txBox="1"/>
+          <p:nvPr/>
+        </p:nvSpPr>
+        <p:spPr>
+          <a:xfrm>
+            <a:off x="6639035" y="2496392"/>
+            <a:ext cx="828565" cy="461665"/>
+          </a:xfrm>
+          <a:prstGeom prst="rect">
+            <a:avLst/>
+          </a:prstGeom>
+          <a:noFill/>
+        </p:spPr>
+        <p:txBody>
+          <a:bodyPr wrap="square" rtlCol="0">
+            <a:spAutoFit/>
+          </a:bodyPr>
+          <a:lstStyle/>
+          <a:p>
+            <a:pPr algn="r"/>
+            <a:r>
+              <a:rPr lang="de-DE" sz="2400" dirty="0" smtClean="0"/>
+              <a:t>950</a:t>
+            </a:r>
+            <a:r>
+              <a:rPr lang="de-DE" dirty="0" smtClean="0"/>
+              <a:t> €</a:t>
+            </a:r>
+            <a:endParaRPr lang="de-DE" dirty="0"/>
+          </a:p>
+        </p:txBody>
+      </p:sp>
+      <p:sp>
+        <p:nvSpPr>
+          <p:cNvPr id="61" name="Textfeld 60"/>
+          <p:cNvSpPr txBox="1"/>
+          <p:nvPr/>
+        </p:nvSpPr>
+        <p:spPr>
+          <a:xfrm>
+            <a:off x="7868357" y="2495802"/>
+            <a:ext cx="1030360" cy="461665"/>
+          </a:xfrm>
+          <a:prstGeom prst="rect">
+            <a:avLst/>
+          </a:prstGeom>
+          <a:noFill/>
+        </p:spPr>
+        <p:txBody>
+          <a:bodyPr wrap="square" rtlCol="0">
+            <a:spAutoFit/>
+          </a:bodyPr>
+          <a:lstStyle/>
+          <a:p>
+            <a:pPr algn="r"/>
+            <a:r>
+              <a:rPr lang="de-DE" sz="2400" dirty="0" smtClean="0"/>
+              <a:t>1400</a:t>
+            </a:r>
+            <a:r>
+              <a:rPr lang="de-DE" dirty="0" smtClean="0"/>
+              <a:t> €</a:t>
+            </a:r>
+            <a:endParaRPr lang="de-DE" dirty="0"/>
+          </a:p>
+        </p:txBody>
+      </p:sp>
+      <p:sp>
+        <p:nvSpPr>
+          <p:cNvPr id="64" name="Textfeld 63"/>
+          <p:cNvSpPr txBox="1"/>
+          <p:nvPr/>
+        </p:nvSpPr>
+        <p:spPr>
+          <a:xfrm>
+            <a:off x="4475685" y="3546818"/>
+            <a:ext cx="4400454" cy="461665"/>
+          </a:xfrm>
+          <a:prstGeom prst="rect">
+            <a:avLst/>
+          </a:prstGeom>
+          <a:noFill/>
+        </p:spPr>
+        <p:txBody>
+          <a:bodyPr wrap="square" rtlCol="0">
+            <a:spAutoFit/>
+          </a:bodyPr>
+          <a:lstStyle/>
+          <a:p>
+            <a:pPr algn="ctr"/>
+            <a:r>
+              <a:rPr lang="de-DE" sz="2400" dirty="0" smtClean="0"/>
+              <a:t>50</a:t>
+            </a:r>
+            <a:r>
+              <a:rPr lang="de-DE" dirty="0" smtClean="0"/>
+              <a:t> € / Std.</a:t>
+            </a:r>
+            <a:endParaRPr lang="de-DE" dirty="0"/>
+          </a:p>
+        </p:txBody>
+      </p:sp>
+      <p:sp>
+        <p:nvSpPr>
+          <p:cNvPr id="65" name="Textfeld 64"/>
+          <p:cNvSpPr txBox="1"/>
+          <p:nvPr/>
+        </p:nvSpPr>
+        <p:spPr>
+          <a:xfrm>
+            <a:off x="2410337" y="3604316"/>
+            <a:ext cx="1940172" cy="369245"/>
+          </a:xfrm>
+          <a:prstGeom prst="rect">
+            <a:avLst/>
+          </a:prstGeom>
+          <a:noFill/>
+        </p:spPr>
+        <p:txBody>
+          <a:bodyPr wrap="square" rtlCol="0">
+            <a:noAutofit/>
+          </a:bodyPr>
+          <a:lstStyle/>
+          <a:p>
+            <a:r>
+              <a:rPr lang="de-DE" dirty="0" smtClean="0"/>
+              <a:t>Wartung:</a:t>
+            </a:r>
+            <a:endParaRPr lang="de-DE" dirty="0"/>
+          </a:p>
+        </p:txBody>
+      </p:sp>
+      <p:sp>
+        <p:nvSpPr>
+          <p:cNvPr id="66" name="Textfeld 65"/>
+          <p:cNvSpPr txBox="1"/>
+          <p:nvPr/>
+        </p:nvSpPr>
+        <p:spPr>
+          <a:xfrm>
+            <a:off x="251907" y="3597649"/>
+            <a:ext cx="1120721" cy="369245"/>
+          </a:xfrm>
+          <a:prstGeom prst="rect">
+            <a:avLst/>
+          </a:prstGeom>
+          <a:noFill/>
+        </p:spPr>
+        <p:txBody>
+          <a:bodyPr wrap="square" rtlCol="0">
+            <a:noAutofit/>
+          </a:bodyPr>
+          <a:lstStyle/>
+          <a:p>
+            <a:r>
+              <a:rPr lang="de-DE" dirty="0" smtClean="0"/>
+              <a:t>Wartung:</a:t>
+            </a:r>
+            <a:endParaRPr lang="de-DE" dirty="0"/>
+          </a:p>
+        </p:txBody>
+      </p:sp>
+      <p:sp>
+        <p:nvSpPr>
+          <p:cNvPr id="67" name="Textfeld 66"/>
+          <p:cNvSpPr txBox="1"/>
+          <p:nvPr/>
+        </p:nvSpPr>
+        <p:spPr>
+          <a:xfrm>
+            <a:off x="1044266" y="3544024"/>
+            <a:ext cx="1290262" cy="461665"/>
+          </a:xfrm>
+          <a:prstGeom prst="rect">
+            <a:avLst/>
+          </a:prstGeom>
+          <a:noFill/>
+        </p:spPr>
+        <p:txBody>
+          <a:bodyPr wrap="square" rtlCol="0">
+            <a:spAutoFit/>
+          </a:bodyPr>
+          <a:lstStyle/>
+          <a:p>
+            <a:pPr algn="r"/>
+            <a:r>
+              <a:rPr lang="de-DE" sz="2400" dirty="0" smtClean="0"/>
+              <a:t>30</a:t>
+            </a:r>
+            <a:r>
+              <a:rPr lang="de-DE" dirty="0" smtClean="0"/>
+              <a:t> €/Std.</a:t>
+            </a:r>
+            <a:endParaRPr lang="de-DE" dirty="0"/>
+          </a:p>
+        </p:txBody>
+      </p:sp>
+      <p:cxnSp>
+        <p:nvCxnSpPr>
+          <p:cNvPr id="34" name="Gerade Verbindung 33"/>
+          <p:cNvCxnSpPr/>
+          <p:nvPr/>
+        </p:nvCxnSpPr>
+        <p:spPr>
+          <a:xfrm flipV="1">
+            <a:off x="2410336" y="2466811"/>
+            <a:ext cx="6496597" cy="1"/>
+          </a:xfrm>
+          <a:prstGeom prst="line">
+            <a:avLst/>
+          </a:prstGeom>
+          <a:ln w="25400">
+            <a:solidFill>
+              <a:srgbClr val="FF0000"/>
+            </a:solidFill>
+          </a:ln>
+        </p:spPr>
+        <p:style>
+          <a:lnRef idx="1">
+            <a:schemeClr val="accent1"/>
+          </a:lnRef>
+          <a:fillRef idx="0">
+            <a:schemeClr val="accent1"/>
+          </a:fillRef>
+          <a:effectRef idx="0">
+            <a:schemeClr val="accent1"/>
+          </a:effectRef>
+          <a:fontRef idx="minor">
+            <a:schemeClr val="tx1"/>
+          </a:fontRef>
+        </p:style>
+      </p:cxnSp>
+      <p:cxnSp>
+        <p:nvCxnSpPr>
+          <p:cNvPr id="70" name="Gerade Verbindung 69"/>
+          <p:cNvCxnSpPr/>
+          <p:nvPr/>
+        </p:nvCxnSpPr>
+        <p:spPr>
+          <a:xfrm>
+            <a:off x="251907" y="2990378"/>
+            <a:ext cx="2032924" cy="0"/>
+          </a:xfrm>
+          <a:prstGeom prst="line">
+            <a:avLst/>
+          </a:prstGeom>
+        </p:spPr>
+        <p:style>
+          <a:lnRef idx="1">
+            <a:schemeClr val="accent1"/>
+          </a:lnRef>
+          <a:fillRef idx="0">
+            <a:schemeClr val="accent1"/>
+          </a:fillRef>
+          <a:effectRef idx="0">
+            <a:schemeClr val="accent1"/>
+          </a:effectRef>
+          <a:fontRef idx="minor">
+            <a:schemeClr val="tx1"/>
+          </a:fontRef>
+        </p:style>
+      </p:cxnSp>
+      <p:cxnSp>
+        <p:nvCxnSpPr>
+          <p:cNvPr id="74" name="Gerade Verbindung 73"/>
+          <p:cNvCxnSpPr/>
+          <p:nvPr/>
+        </p:nvCxnSpPr>
+        <p:spPr>
+          <a:xfrm>
+            <a:off x="235876" y="3538478"/>
+            <a:ext cx="2032924" cy="0"/>
+          </a:xfrm>
+          <a:prstGeom prst="line">
+            <a:avLst/>
+          </a:prstGeom>
+        </p:spPr>
+        <p:style>
+          <a:lnRef idx="1">
+            <a:schemeClr val="accent1"/>
+          </a:lnRef>
+          <a:fillRef idx="0">
+            <a:schemeClr val="accent1"/>
+          </a:fillRef>
+          <a:effectRef idx="0">
+            <a:schemeClr val="accent1"/>
+          </a:effectRef>
+          <a:fontRef idx="minor">
+            <a:schemeClr val="tx1"/>
+          </a:fontRef>
+        </p:style>
+      </p:cxnSp>
     </p:spTree>
     <p:extLst>
       <p:ext uri="{BB962C8B-B14F-4D97-AF65-F5344CB8AC3E}">
@@ -11626,7 +12118,7 @@
                   <a:srgbClr val="1C5498"/>
                 </a:solidFill>
               </a:rPr>
-              <a:t>Weiterentwicklung</a:t>
+              <a:t>Geschäftsmodell</a:t>
             </a:r>
             <a:endParaRPr lang="de-DE" sz="1600" dirty="0">
               <a:solidFill>
@@ -11645,7 +12137,7 @@
         <p:spPr>
           <a:xfrm>
             <a:off x="219844" y="642603"/>
-            <a:ext cx="4806124" cy="523220"/>
+            <a:ext cx="4384534" cy="523220"/>
           </a:xfrm>
           <a:prstGeom prst="rect">
             <a:avLst/>
@@ -11665,7 +12157,34 @@
                 </a:solidFill>
                 <a:latin typeface="Helvetica" pitchFamily="34" charset="0"/>
               </a:rPr>
-              <a:t>LeCoop 2.0 im Unternehmen</a:t>
+              <a:t>Return on </a:t>
+            </a:r>
+            <a:r>
+              <a:rPr lang="de-DE" sz="2800" dirty="0" err="1" smtClean="0">
+                <a:solidFill>
+                  <a:srgbClr val="1C5498"/>
+                </a:solidFill>
+                <a:latin typeface="Helvetica" pitchFamily="34" charset="0"/>
+              </a:rPr>
+              <a:t>investment</a:t>
+            </a:r>
+            <a:r>
+              <a:rPr lang="de-DE" sz="2800" dirty="0" smtClean="0">
+                <a:solidFill>
+                  <a:srgbClr val="1C5498"/>
+                </a:solidFill>
+                <a:latin typeface="Helvetica" pitchFamily="34" charset="0"/>
+              </a:rPr>
+              <a:t> </a:t>
+            </a:r>
+            <a:r>
+              <a:rPr lang="de-DE" sz="2800" dirty="0" err="1" smtClean="0">
+                <a:solidFill>
+                  <a:srgbClr val="1C5498"/>
+                </a:solidFill>
+                <a:latin typeface="Helvetica" pitchFamily="34" charset="0"/>
+              </a:rPr>
+              <a:t>blah</a:t>
             </a:r>
             <a:endParaRPr lang="de-DE" sz="2800" dirty="0">
               <a:solidFill>
@@ -11705,7 +12224,7 @@
                   <a:srgbClr val="1C5498"/>
                 </a:solidFill>
               </a:rPr>
-              <a:t>16</a:t>
+              <a:t>15</a:t>
             </a:r>
             <a:r>
               <a:rPr lang="de-DE" dirty="0" smtClean="0">
@@ -11721,15 +12240,7 @@
                   <a:srgbClr val="1C5498"/>
                 </a:solidFill>
               </a:rPr>
-              <a:t>/ </a:t>
-            </a:r>
-            <a:r>
-              <a:rPr lang="de-DE" sz="1400" dirty="0" smtClean="0">
-                <a:solidFill>
-                  <a:srgbClr val="1C5498"/>
-                </a:solidFill>
-              </a:rPr>
-              <a:t>17</a:t>
+              <a:t>/ 17</a:t>
             </a:r>
             <a:endParaRPr lang="de-DE" sz="1400" dirty="0">
               <a:solidFill>
@@ -11794,6 +12305,52 @@
         <p:spPr>
           <a:xfrm>
             <a:off x="6469890" y="4917527"/>
+            <a:ext cx="72008" cy="72008"/>
+          </a:xfrm>
+          <a:prstGeom prst="ellipse">
+            <a:avLst/>
+          </a:prstGeom>
+          <a:noFill/>
+          <a:ln>
+            <a:solidFill>
+              <a:srgbClr val="1C5498"/>
+            </a:solidFill>
+          </a:ln>
+        </p:spPr>
+        <p:style>
+          <a:lnRef idx="2">
+            <a:schemeClr val="accent1">
+              <a:shade val="50000"/>
+            </a:schemeClr>
+          </a:lnRef>
+          <a:fillRef idx="1">
+            <a:schemeClr val="accent1"/>
+          </a:fillRef>
+          <a:effectRef idx="0">
+            <a:schemeClr val="accent1"/>
+          </a:effectRef>
+          <a:fontRef idx="minor">
+            <a:schemeClr val="lt1"/>
+          </a:fontRef>
+        </p:style>
+        <p:txBody>
+          <a:bodyPr rtlCol="0" anchor="ctr"/>
+          <a:lstStyle/>
+          <a:p>
+            <a:pPr algn="ctr"/>
+            <a:endParaRPr lang="de-DE"/>
+          </a:p>
+        </p:txBody>
+      </p:sp>
+      <p:sp>
+        <p:nvSpPr>
+          <p:cNvPr id="21" name="Ellipse 20"/>
+          <p:cNvSpPr/>
+          <p:nvPr/>
+        </p:nvSpPr>
+        <p:spPr>
+          <a:xfrm>
+            <a:off x="6312986" y="4915275"/>
             <a:ext cx="72008" cy="72008"/>
           </a:xfrm>
           <a:prstGeom prst="ellipse">
@@ -11833,56 +12390,10 @@
           </a:p>
         </p:txBody>
       </p:sp>
-      <p:sp>
-        <p:nvSpPr>
-          <p:cNvPr id="21" name="Ellipse 20"/>
-          <p:cNvSpPr/>
-          <p:nvPr/>
-        </p:nvSpPr>
-        <p:spPr>
-          <a:xfrm>
-            <a:off x="6312986" y="4915275"/>
-            <a:ext cx="72008" cy="72008"/>
-          </a:xfrm>
-          <a:prstGeom prst="ellipse">
-            <a:avLst/>
-          </a:prstGeom>
-          <a:noFill/>
-          <a:ln>
-            <a:solidFill>
-              <a:srgbClr val="1C5498"/>
-            </a:solidFill>
-          </a:ln>
-        </p:spPr>
-        <p:style>
-          <a:lnRef idx="2">
-            <a:schemeClr val="accent1">
-              <a:shade val="50000"/>
-            </a:schemeClr>
-          </a:lnRef>
-          <a:fillRef idx="1">
-            <a:schemeClr val="accent1"/>
-          </a:fillRef>
-          <a:effectRef idx="0">
-            <a:schemeClr val="accent1"/>
-          </a:effectRef>
-          <a:fontRef idx="minor">
-            <a:schemeClr val="lt1"/>
-          </a:fontRef>
-        </p:style>
-        <p:txBody>
-          <a:bodyPr rtlCol="0" anchor="ctr"/>
-          <a:lstStyle/>
-          <a:p>
-            <a:pPr algn="ctr"/>
-            <a:endParaRPr lang="de-DE"/>
-          </a:p>
-        </p:txBody>
-      </p:sp>
     </p:spTree>
     <p:extLst>
       <p:ext uri="{BB962C8B-B14F-4D97-AF65-F5344CB8AC3E}">
-        <p14:creationId xmlns:p14="http://schemas.microsoft.com/office/powerpoint/2010/main" val="1754886376"/>
+        <p14:creationId xmlns:p14="http://schemas.microsoft.com/office/powerpoint/2010/main" val="2276587111"/>
       </p:ext>
     </p:extLst>
   </p:cSld>
@@ -12339,14 +12850,14 @@
       </p:sp>
       <p:sp>
         <p:nvSpPr>
-          <p:cNvPr id="5" name="Textfeld 4"/>
+          <p:cNvPr id="4" name="Textfeld 3"/>
           <p:cNvSpPr txBox="1"/>
           <p:nvPr/>
         </p:nvSpPr>
         <p:spPr>
           <a:xfrm>
-            <a:off x="2051720" y="1923678"/>
-            <a:ext cx="3744416" cy="369332"/>
+            <a:off x="3923928" y="4784254"/>
+            <a:ext cx="4392488" cy="338554"/>
           </a:xfrm>
           <a:prstGeom prst="rect">
             <a:avLst/>
@@ -12359,19 +12870,60 @@
           </a:bodyPr>
           <a:lstStyle/>
           <a:p>
-            <a:r>
-              <a:rPr lang="de-DE" dirty="0" smtClean="0"/>
-              <a:t>Zitat </a:t>
-            </a:r>
-            <a:r>
-              <a:rPr lang="de-DE" dirty="0" err="1" smtClean="0"/>
-              <a:t>desu</a:t>
-            </a:r>
-            <a:r>
-              <a:rPr lang="de-DE" dirty="0" smtClean="0"/>
-              <a:t>!</a:t>
-            </a:r>
-            <a:endParaRPr lang="de-DE" dirty="0"/>
+            <a:pPr algn="r"/>
+            <a:r>
+              <a:rPr lang="de-DE" sz="1600" dirty="0" smtClean="0">
+                <a:solidFill>
+                  <a:srgbClr val="1C5498"/>
+                </a:solidFill>
+              </a:rPr>
+              <a:t>Weiterentwicklung</a:t>
+            </a:r>
+            <a:endParaRPr lang="de-DE" sz="1600" dirty="0">
+              <a:solidFill>
+                <a:srgbClr val="1C5498"/>
+              </a:solidFill>
+            </a:endParaRPr>
+          </a:p>
+        </p:txBody>
+      </p:sp>
+      <p:sp>
+        <p:nvSpPr>
+          <p:cNvPr id="13" name="Textfeld 12"/>
+          <p:cNvSpPr txBox="1"/>
+          <p:nvPr/>
+        </p:nvSpPr>
+        <p:spPr>
+          <a:xfrm>
+            <a:off x="219844" y="642603"/>
+            <a:ext cx="4815677" cy="523220"/>
+          </a:xfrm>
+          <a:prstGeom prst="rect">
+            <a:avLst/>
+          </a:prstGeom>
+          <a:noFill/>
+        </p:spPr>
+        <p:txBody>
+          <a:bodyPr wrap="none" rtlCol="0">
+            <a:spAutoFit/>
+          </a:bodyPr>
+          <a:lstStyle/>
+          <a:p>
+            <a:r>
+              <a:rPr lang="de-DE" sz="2800" dirty="0" smtClean="0">
+                <a:solidFill>
+                  <a:srgbClr val="1C5498"/>
+                </a:solidFill>
+                <a:latin typeface="Helvetica" pitchFamily="34" charset="0"/>
+              </a:rPr>
+              <a:t>Weiterentwicklung / Features</a:t>
+            </a:r>
+            <a:endParaRPr lang="de-DE" sz="2800" dirty="0">
+              <a:solidFill>
+                <a:srgbClr val="1C5498"/>
+              </a:solidFill>
+              <a:latin typeface="Helvetica" pitchFamily="34" charset="0"/>
+            </a:endParaRPr>
           </a:p>
         </p:txBody>
       </p:sp>
@@ -12404,7 +12956,7 @@
                   <a:srgbClr val="1C5498"/>
                 </a:solidFill>
               </a:rPr>
-              <a:t>17</a:t>
+              <a:t>15</a:t>
             </a:r>
             <a:r>
               <a:rPr lang="de-DE" dirty="0" smtClean="0">
@@ -12420,15 +12972,1430 @@
                   <a:srgbClr val="1C5498"/>
                 </a:solidFill>
               </a:rPr>
-              <a:t>/ </a:t>
+              <a:t>/ 17</a:t>
+            </a:r>
+            <a:endParaRPr lang="de-DE" sz="1400" dirty="0">
+              <a:solidFill>
+                <a:srgbClr val="1C5498"/>
+              </a:solidFill>
+            </a:endParaRPr>
+          </a:p>
+        </p:txBody>
+      </p:sp>
+      <p:sp>
+        <p:nvSpPr>
+          <p:cNvPr id="19" name="Rechteck 18"/>
+          <p:cNvSpPr/>
+          <p:nvPr/>
+        </p:nvSpPr>
+        <p:spPr>
+          <a:xfrm>
+            <a:off x="8344356" y="4804030"/>
+            <a:ext cx="18000" cy="288000"/>
+          </a:xfrm>
+          <a:prstGeom prst="rect">
+            <a:avLst/>
+          </a:prstGeom>
+          <a:solidFill>
+            <a:srgbClr val="FF0000"/>
+          </a:solidFill>
+          <a:ln>
+            <a:noFill/>
+          </a:ln>
+        </p:spPr>
+        <p:style>
+          <a:lnRef idx="2">
+            <a:schemeClr val="accent1">
+              <a:shade val="50000"/>
+            </a:schemeClr>
+          </a:lnRef>
+          <a:fillRef idx="1">
+            <a:schemeClr val="accent1"/>
+          </a:fillRef>
+          <a:effectRef idx="0">
+            <a:schemeClr val="accent1"/>
+          </a:effectRef>
+          <a:fontRef idx="minor">
+            <a:schemeClr val="lt1"/>
+          </a:fontRef>
+        </p:style>
+        <p:txBody>
+          <a:bodyPr rtlCol="0" anchor="ctr"/>
+          <a:lstStyle/>
+          <a:p>
+            <a:pPr algn="ctr"/>
+            <a:endParaRPr lang="de-DE"/>
+          </a:p>
+        </p:txBody>
+      </p:sp>
+      <p:sp>
+        <p:nvSpPr>
+          <p:cNvPr id="20" name="Ellipse 19"/>
+          <p:cNvSpPr/>
+          <p:nvPr/>
+        </p:nvSpPr>
+        <p:spPr>
+          <a:xfrm>
+            <a:off x="6469890" y="4917527"/>
+            <a:ext cx="72008" cy="72008"/>
+          </a:xfrm>
+          <a:prstGeom prst="ellipse">
+            <a:avLst/>
+          </a:prstGeom>
+          <a:noFill/>
+          <a:ln>
+            <a:solidFill>
+              <a:srgbClr val="1C5498"/>
+            </a:solidFill>
+          </a:ln>
+        </p:spPr>
+        <p:style>
+          <a:lnRef idx="2">
+            <a:schemeClr val="accent1">
+              <a:shade val="50000"/>
+            </a:schemeClr>
+          </a:lnRef>
+          <a:fillRef idx="1">
+            <a:schemeClr val="accent1"/>
+          </a:fillRef>
+          <a:effectRef idx="0">
+            <a:schemeClr val="accent1"/>
+          </a:effectRef>
+          <a:fontRef idx="minor">
+            <a:schemeClr val="lt1"/>
+          </a:fontRef>
+        </p:style>
+        <p:txBody>
+          <a:bodyPr rtlCol="0" anchor="ctr"/>
+          <a:lstStyle/>
+          <a:p>
+            <a:pPr algn="ctr"/>
+            <a:endParaRPr lang="de-DE"/>
+          </a:p>
+        </p:txBody>
+      </p:sp>
+      <p:sp>
+        <p:nvSpPr>
+          <p:cNvPr id="21" name="Ellipse 20"/>
+          <p:cNvSpPr/>
+          <p:nvPr/>
+        </p:nvSpPr>
+        <p:spPr>
+          <a:xfrm>
+            <a:off x="6312986" y="4915275"/>
+            <a:ext cx="72008" cy="72008"/>
+          </a:xfrm>
+          <a:prstGeom prst="ellipse">
+            <a:avLst/>
+          </a:prstGeom>
+          <a:solidFill>
+            <a:srgbClr val="1C5498"/>
+          </a:solidFill>
+          <a:ln>
+            <a:solidFill>
+              <a:srgbClr val="1C5498"/>
+            </a:solidFill>
+          </a:ln>
+        </p:spPr>
+        <p:style>
+          <a:lnRef idx="2">
+            <a:schemeClr val="accent1">
+              <a:shade val="50000"/>
+            </a:schemeClr>
+          </a:lnRef>
+          <a:fillRef idx="1">
+            <a:schemeClr val="accent1"/>
+          </a:fillRef>
+          <a:effectRef idx="0">
+            <a:schemeClr val="accent1"/>
+          </a:effectRef>
+          <a:fontRef idx="minor">
+            <a:schemeClr val="lt1"/>
+          </a:fontRef>
+        </p:style>
+        <p:txBody>
+          <a:bodyPr rtlCol="0" anchor="ctr"/>
+          <a:lstStyle/>
+          <a:p>
+            <a:pPr algn="ctr"/>
+            <a:endParaRPr lang="de-DE"/>
+          </a:p>
+        </p:txBody>
+      </p:sp>
+    </p:spTree>
+    <p:extLst>
+      <p:ext uri="{BB962C8B-B14F-4D97-AF65-F5344CB8AC3E}">
+        <p14:creationId xmlns:p14="http://schemas.microsoft.com/office/powerpoint/2010/main" val="3815026257"/>
+      </p:ext>
+    </p:extLst>
+  </p:cSld>
+  <p:clrMapOvr>
+    <a:masterClrMapping/>
+  </p:clrMapOvr>
+  <p:timing>
+    <p:tnLst>
+      <p:par>
+        <p:cTn id="1" dur="indefinite" restart="never" nodeType="tmRoot"/>
+      </p:par>
+    </p:tnLst>
+  </p:timing>
+</p:sld>
+</file>
+
+<file path=ppt/slides/slide18.xml><?xml version="1.0" encoding="utf-8"?>
+<p:sld xmlns:a="http://schemas.openxmlformats.org/drawingml/2006/main" xmlns:r="http://schemas.openxmlformats.org/officeDocument/2006/relationships" xmlns:p="http://schemas.openxmlformats.org/presentationml/2006/main">
+  <p:cSld>
+    <p:spTree>
+      <p:nvGrpSpPr>
+        <p:cNvPr id="1" name=""/>
+        <p:cNvGrpSpPr/>
+        <p:nvPr/>
+      </p:nvGrpSpPr>
+      <p:grpSpPr>
+        <a:xfrm>
+          <a:off x="0" y="0"/>
+          <a:ext cx="0" cy="0"/>
+          <a:chOff x="0" y="0"/>
+          <a:chExt cx="0" cy="0"/>
+        </a:xfrm>
+      </p:grpSpPr>
+      <p:sp>
+        <p:nvSpPr>
+          <p:cNvPr id="9" name="Rechteck 8"/>
+          <p:cNvSpPr>
+            <a:spLocks/>
+          </p:cNvSpPr>
+          <p:nvPr/>
+        </p:nvSpPr>
+        <p:spPr>
+          <a:xfrm>
+            <a:off x="3435868" y="-92546"/>
+            <a:ext cx="5839481" cy="5796413"/>
+          </a:xfrm>
+          <a:prstGeom prst="rect">
+            <a:avLst/>
+          </a:prstGeom>
+          <a:blipFill dpi="0" rotWithShape="1">
+            <a:blip r:embed="rId3">
+              <a:alphaModFix amt="9000"/>
+            </a:blip>
+            <a:srcRect/>
+            <a:stretch>
+              <a:fillRect/>
+            </a:stretch>
+          </a:blipFill>
+          <a:ln>
+            <a:noFill/>
+          </a:ln>
+        </p:spPr>
+        <p:style>
+          <a:lnRef idx="2">
+            <a:schemeClr val="accent1">
+              <a:shade val="50000"/>
+            </a:schemeClr>
+          </a:lnRef>
+          <a:fillRef idx="1">
+            <a:schemeClr val="accent1"/>
+          </a:fillRef>
+          <a:effectRef idx="0">
+            <a:schemeClr val="accent1"/>
+          </a:effectRef>
+          <a:fontRef idx="minor">
+            <a:schemeClr val="lt1"/>
+          </a:fontRef>
+        </p:style>
+        <p:txBody>
+          <a:bodyPr rtlCol="0" anchor="ctr"/>
+          <a:lstStyle/>
+          <a:p>
+            <a:pPr algn="ctr"/>
+            <a:endParaRPr lang="de-DE"/>
+          </a:p>
+        </p:txBody>
+      </p:sp>
+      <p:sp>
+        <p:nvSpPr>
+          <p:cNvPr id="10" name="Rechteck 9"/>
+          <p:cNvSpPr/>
+          <p:nvPr/>
+        </p:nvSpPr>
+        <p:spPr>
+          <a:xfrm>
+            <a:off x="0" y="0"/>
+            <a:ext cx="9144000" cy="612000"/>
+          </a:xfrm>
+          <a:prstGeom prst="rect">
+            <a:avLst/>
+          </a:prstGeom>
+          <a:gradFill>
+            <a:gsLst>
+              <a:gs pos="0">
+                <a:srgbClr val="1C5498"/>
+              </a:gs>
+              <a:gs pos="100000">
+                <a:srgbClr val="2166B9"/>
+              </a:gs>
+            </a:gsLst>
+            <a:lin ang="5400000" scaled="0"/>
+          </a:gradFill>
+          <a:ln>
+            <a:noFill/>
+          </a:ln>
+        </p:spPr>
+        <p:style>
+          <a:lnRef idx="2">
+            <a:schemeClr val="accent1">
+              <a:shade val="50000"/>
+            </a:schemeClr>
+          </a:lnRef>
+          <a:fillRef idx="1">
+            <a:schemeClr val="accent1"/>
+          </a:fillRef>
+          <a:effectRef idx="0">
+            <a:schemeClr val="accent1"/>
+          </a:effectRef>
+          <a:fontRef idx="minor">
+            <a:schemeClr val="lt1"/>
+          </a:fontRef>
+        </p:style>
+        <p:txBody>
+          <a:bodyPr rtlCol="0" anchor="ctr"/>
+          <a:lstStyle/>
+          <a:p>
+            <a:pPr algn="ctr"/>
+            <a:endParaRPr lang="de-DE"/>
+          </a:p>
+        </p:txBody>
+      </p:sp>
+      <p:sp>
+        <p:nvSpPr>
+          <p:cNvPr id="11" name="Rechteck 10"/>
+          <p:cNvSpPr/>
+          <p:nvPr/>
+        </p:nvSpPr>
+        <p:spPr>
+          <a:xfrm>
+            <a:off x="0" y="612000"/>
+            <a:ext cx="9144000" cy="36000"/>
+          </a:xfrm>
+          <a:prstGeom prst="rect">
+            <a:avLst/>
+          </a:prstGeom>
+          <a:solidFill>
+            <a:srgbClr val="FF0000"/>
+          </a:solidFill>
+          <a:ln>
+            <a:noFill/>
+          </a:ln>
+        </p:spPr>
+        <p:style>
+          <a:lnRef idx="2">
+            <a:schemeClr val="accent1">
+              <a:shade val="50000"/>
+            </a:schemeClr>
+          </a:lnRef>
+          <a:fillRef idx="1">
+            <a:schemeClr val="accent1"/>
+          </a:fillRef>
+          <a:effectRef idx="0">
+            <a:schemeClr val="accent1"/>
+          </a:effectRef>
+          <a:fontRef idx="minor">
+            <a:schemeClr val="lt1"/>
+          </a:fontRef>
+        </p:style>
+        <p:txBody>
+          <a:bodyPr rtlCol="0" anchor="ctr"/>
+          <a:lstStyle/>
+          <a:p>
+            <a:pPr algn="ctr"/>
+            <a:endParaRPr lang="de-DE"/>
+          </a:p>
+        </p:txBody>
+      </p:sp>
+      <p:sp>
+        <p:nvSpPr>
+          <p:cNvPr id="15" name="Ellipse 14"/>
+          <p:cNvSpPr/>
+          <p:nvPr/>
+        </p:nvSpPr>
+        <p:spPr>
+          <a:xfrm>
+            <a:off x="153037" y="-2"/>
+            <a:ext cx="602539" cy="612000"/>
+          </a:xfrm>
+          <a:prstGeom prst="ellipse">
+            <a:avLst/>
+          </a:prstGeom>
+          <a:solidFill>
+            <a:schemeClr val="bg1"/>
+          </a:solidFill>
+          <a:ln>
+            <a:noFill/>
+          </a:ln>
+        </p:spPr>
+        <p:style>
+          <a:lnRef idx="2">
+            <a:schemeClr val="accent1">
+              <a:shade val="50000"/>
+            </a:schemeClr>
+          </a:lnRef>
+          <a:fillRef idx="1">
+            <a:schemeClr val="accent1"/>
+          </a:fillRef>
+          <a:effectRef idx="0">
+            <a:schemeClr val="accent1"/>
+          </a:effectRef>
+          <a:fontRef idx="minor">
+            <a:schemeClr val="lt1"/>
+          </a:fontRef>
+        </p:style>
+        <p:txBody>
+          <a:bodyPr rtlCol="0" anchor="ctr"/>
+          <a:lstStyle/>
+          <a:p>
+            <a:pPr algn="ctr"/>
+            <a:endParaRPr lang="de-DE"/>
+          </a:p>
+        </p:txBody>
+      </p:sp>
+      <p:sp>
+        <p:nvSpPr>
+          <p:cNvPr id="14" name="Rechteck 13"/>
+          <p:cNvSpPr/>
+          <p:nvPr/>
+        </p:nvSpPr>
+        <p:spPr>
+          <a:xfrm>
+            <a:off x="0" y="0"/>
+            <a:ext cx="467544" cy="612000"/>
+          </a:xfrm>
+          <a:prstGeom prst="rect">
+            <a:avLst/>
+          </a:prstGeom>
+          <a:solidFill>
+            <a:schemeClr val="bg1"/>
+          </a:solidFill>
+          <a:ln>
+            <a:noFill/>
+          </a:ln>
+        </p:spPr>
+        <p:style>
+          <a:lnRef idx="2">
+            <a:schemeClr val="accent1">
+              <a:shade val="50000"/>
+            </a:schemeClr>
+          </a:lnRef>
+          <a:fillRef idx="1">
+            <a:schemeClr val="accent1"/>
+          </a:fillRef>
+          <a:effectRef idx="0">
+            <a:schemeClr val="accent1"/>
+          </a:effectRef>
+          <a:fontRef idx="minor">
+            <a:schemeClr val="lt1"/>
+          </a:fontRef>
+        </p:style>
+        <p:txBody>
+          <a:bodyPr rtlCol="0" anchor="ctr"/>
+          <a:lstStyle/>
+          <a:p>
+            <a:pPr algn="ctr"/>
+            <a:endParaRPr lang="de-DE"/>
+          </a:p>
+        </p:txBody>
+      </p:sp>
+      <p:sp>
+        <p:nvSpPr>
+          <p:cNvPr id="12" name="Ellipse 11"/>
+          <p:cNvSpPr/>
+          <p:nvPr/>
+        </p:nvSpPr>
+        <p:spPr>
+          <a:xfrm>
+            <a:off x="107504" y="9461"/>
+            <a:ext cx="602539" cy="602539"/>
+          </a:xfrm>
+          <a:prstGeom prst="ellipse">
+            <a:avLst/>
+          </a:prstGeom>
+          <a:blipFill>
+            <a:blip r:embed="rId3"/>
+            <a:stretch>
+              <a:fillRect/>
+            </a:stretch>
+          </a:blipFill>
+          <a:ln>
+            <a:noFill/>
+          </a:ln>
+        </p:spPr>
+        <p:style>
+          <a:lnRef idx="2">
+            <a:schemeClr val="accent1">
+              <a:shade val="50000"/>
+            </a:schemeClr>
+          </a:lnRef>
+          <a:fillRef idx="1">
+            <a:schemeClr val="accent1"/>
+          </a:fillRef>
+          <a:effectRef idx="0">
+            <a:schemeClr val="accent1"/>
+          </a:effectRef>
+          <a:fontRef idx="minor">
+            <a:schemeClr val="lt1"/>
+          </a:fontRef>
+        </p:style>
+        <p:txBody>
+          <a:bodyPr rtlCol="0" anchor="ctr"/>
+          <a:lstStyle/>
+          <a:p>
+            <a:pPr algn="ctr"/>
+            <a:endParaRPr lang="de-DE"/>
+          </a:p>
+        </p:txBody>
+      </p:sp>
+      <p:sp>
+        <p:nvSpPr>
+          <p:cNvPr id="16" name="Textfeld 15"/>
+          <p:cNvSpPr txBox="1"/>
+          <p:nvPr/>
+        </p:nvSpPr>
+        <p:spPr>
+          <a:xfrm>
+            <a:off x="875285" y="79897"/>
+            <a:ext cx="3600400" cy="461665"/>
+          </a:xfrm>
+          <a:prstGeom prst="rect">
+            <a:avLst/>
+          </a:prstGeom>
+          <a:noFill/>
+        </p:spPr>
+        <p:txBody>
+          <a:bodyPr wrap="square" rtlCol="0">
+            <a:spAutoFit/>
+          </a:bodyPr>
+          <a:lstStyle/>
+          <a:p>
+            <a:r>
+              <a:rPr lang="de-DE" sz="2400" dirty="0" smtClean="0">
+                <a:solidFill>
+                  <a:schemeClr val="bg1"/>
+                </a:solidFill>
+                <a:effectLst>
+                  <a:outerShdw blurRad="38100" dist="38100" dir="2700000" algn="tl">
+                    <a:srgbClr val="000000">
+                      <a:alpha val="43137"/>
+                    </a:srgbClr>
+                  </a:outerShdw>
+                </a:effectLst>
+                <a:latin typeface="Helvetica" pitchFamily="34" charset="0"/>
+              </a:rPr>
+              <a:t>LeCoop 2.0</a:t>
+            </a:r>
+            <a:endParaRPr lang="de-DE" sz="2400" dirty="0">
+              <a:solidFill>
+                <a:schemeClr val="bg1"/>
+              </a:solidFill>
+              <a:effectLst>
+                <a:outerShdw blurRad="38100" dist="38100" dir="2700000" algn="tl">
+                  <a:srgbClr val="000000">
+                    <a:alpha val="43137"/>
+                  </a:srgbClr>
+                </a:outerShdw>
+              </a:effectLst>
+              <a:latin typeface="Helvetica" pitchFamily="34" charset="0"/>
+            </a:endParaRPr>
+          </a:p>
+        </p:txBody>
+      </p:sp>
+      <p:sp>
+        <p:nvSpPr>
+          <p:cNvPr id="17" name="Textfeld 16"/>
+          <p:cNvSpPr txBox="1"/>
+          <p:nvPr/>
+        </p:nvSpPr>
+        <p:spPr>
+          <a:xfrm>
+            <a:off x="2675485" y="144692"/>
+            <a:ext cx="2232248" cy="338554"/>
+          </a:xfrm>
+          <a:prstGeom prst="rect">
+            <a:avLst/>
+          </a:prstGeom>
+          <a:noFill/>
+        </p:spPr>
+        <p:txBody>
+          <a:bodyPr wrap="square" rtlCol="0">
+            <a:spAutoFit/>
+          </a:bodyPr>
+          <a:lstStyle/>
+          <a:p>
+            <a:r>
+              <a:rPr lang="de-DE" sz="1600" smtClean="0">
+                <a:solidFill>
+                  <a:schemeClr val="bg1">
+                    <a:lumMod val="75000"/>
+                  </a:schemeClr>
+                </a:solidFill>
+              </a:rPr>
+              <a:t>Manage </a:t>
+            </a:r>
+            <a:r>
+              <a:rPr lang="de-DE" sz="1600" err="1" smtClean="0">
+                <a:solidFill>
+                  <a:schemeClr val="bg1">
+                    <a:lumMod val="75000"/>
+                  </a:schemeClr>
+                </a:solidFill>
+              </a:rPr>
+              <a:t>your</a:t>
+            </a:r>
+            <a:r>
+              <a:rPr lang="de-DE" sz="1600" smtClean="0">
+                <a:solidFill>
+                  <a:schemeClr val="bg1">
+                    <a:lumMod val="75000"/>
+                  </a:schemeClr>
+                </a:solidFill>
+              </a:rPr>
+              <a:t> </a:t>
+            </a:r>
+            <a:r>
+              <a:rPr lang="de-DE" sz="1600" err="1" smtClean="0">
+                <a:solidFill>
+                  <a:schemeClr val="bg1">
+                    <a:lumMod val="75000"/>
+                  </a:schemeClr>
+                </a:solidFill>
+              </a:rPr>
+              <a:t>learning</a:t>
+            </a:r>
+            <a:endParaRPr lang="de-DE" sz="1600">
+              <a:solidFill>
+                <a:schemeClr val="bg1">
+                  <a:lumMod val="75000"/>
+                </a:schemeClr>
+              </a:solidFill>
+            </a:endParaRPr>
+          </a:p>
+        </p:txBody>
+      </p:sp>
+      <p:sp>
+        <p:nvSpPr>
+          <p:cNvPr id="4" name="Textfeld 3"/>
+          <p:cNvSpPr txBox="1"/>
+          <p:nvPr/>
+        </p:nvSpPr>
+        <p:spPr>
+          <a:xfrm>
+            <a:off x="3923928" y="4784254"/>
+            <a:ext cx="4392488" cy="338554"/>
+          </a:xfrm>
+          <a:prstGeom prst="rect">
+            <a:avLst/>
+          </a:prstGeom>
+          <a:noFill/>
+        </p:spPr>
+        <p:txBody>
+          <a:bodyPr wrap="square" rtlCol="0">
+            <a:spAutoFit/>
+          </a:bodyPr>
+          <a:lstStyle/>
+          <a:p>
+            <a:pPr algn="r"/>
+            <a:r>
+              <a:rPr lang="de-DE" sz="1600" dirty="0" smtClean="0">
+                <a:solidFill>
+                  <a:srgbClr val="1C5498"/>
+                </a:solidFill>
+              </a:rPr>
+              <a:t>Weiterentwicklung</a:t>
+            </a:r>
+            <a:endParaRPr lang="de-DE" sz="1600" dirty="0">
+              <a:solidFill>
+                <a:srgbClr val="1C5498"/>
+              </a:solidFill>
+            </a:endParaRPr>
+          </a:p>
+        </p:txBody>
+      </p:sp>
+      <p:sp>
+        <p:nvSpPr>
+          <p:cNvPr id="13" name="Textfeld 12"/>
+          <p:cNvSpPr txBox="1"/>
+          <p:nvPr/>
+        </p:nvSpPr>
+        <p:spPr>
+          <a:xfrm>
+            <a:off x="219844" y="642603"/>
+            <a:ext cx="4806124" cy="523220"/>
+          </a:xfrm>
+          <a:prstGeom prst="rect">
+            <a:avLst/>
+          </a:prstGeom>
+          <a:noFill/>
+        </p:spPr>
+        <p:txBody>
+          <a:bodyPr wrap="none" rtlCol="0">
+            <a:spAutoFit/>
+          </a:bodyPr>
+          <a:lstStyle/>
+          <a:p>
+            <a:r>
+              <a:rPr lang="de-DE" sz="2800" dirty="0" smtClean="0">
+                <a:solidFill>
+                  <a:srgbClr val="1C5498"/>
+                </a:solidFill>
+                <a:latin typeface="Helvetica" pitchFamily="34" charset="0"/>
+              </a:rPr>
+              <a:t>LeCoop 2.0 im Unternehmen</a:t>
+            </a:r>
+            <a:endParaRPr lang="de-DE" sz="2800" dirty="0">
+              <a:solidFill>
+                <a:srgbClr val="1C5498"/>
+              </a:solidFill>
+              <a:latin typeface="Helvetica" pitchFamily="34" charset="0"/>
+            </a:endParaRPr>
+          </a:p>
+        </p:txBody>
+      </p:sp>
+      <p:sp>
+        <p:nvSpPr>
+          <p:cNvPr id="18" name="Textfeld 17"/>
+          <p:cNvSpPr txBox="1"/>
+          <p:nvPr/>
+        </p:nvSpPr>
+        <p:spPr>
+          <a:xfrm>
+            <a:off x="8329083" y="4763928"/>
+            <a:ext cx="814917" cy="400110"/>
+          </a:xfrm>
+          <a:prstGeom prst="rect">
+            <a:avLst/>
+          </a:prstGeom>
+          <a:noFill/>
+        </p:spPr>
+        <p:txBody>
+          <a:bodyPr wrap="square" rtlCol="0">
+            <a:spAutoFit/>
+          </a:bodyPr>
+          <a:lstStyle/>
+          <a:p>
+            <a:pPr algn="r"/>
+            <a:r>
+              <a:rPr lang="de-DE" sz="2000" b="1" dirty="0" smtClean="0">
+                <a:solidFill>
+                  <a:srgbClr val="1C5498"/>
+                </a:solidFill>
+              </a:rPr>
+              <a:t>16</a:t>
+            </a:r>
+            <a:r>
+              <a:rPr lang="de-DE" dirty="0" smtClean="0">
+                <a:solidFill>
+                  <a:srgbClr val="1C5498"/>
+                </a:solidFill>
+              </a:rPr>
+              <a:t> </a:t>
             </a:r>
             <a:r>
               <a:rPr lang="de-DE" sz="1400" dirty="0" smtClean="0">
+                <a:solidFill>
+                  <a:srgbClr val="1C5498"/>
+                </a:solidFill>
+              </a:rPr>
+              <a:t>/ 17</a:t>
+            </a:r>
+            <a:endParaRPr lang="de-DE" sz="1400" dirty="0">
+              <a:solidFill>
+                <a:srgbClr val="1C5498"/>
+              </a:solidFill>
+            </a:endParaRPr>
+          </a:p>
+        </p:txBody>
+      </p:sp>
+      <p:sp>
+        <p:nvSpPr>
+          <p:cNvPr id="19" name="Rechteck 18"/>
+          <p:cNvSpPr/>
+          <p:nvPr/>
+        </p:nvSpPr>
+        <p:spPr>
+          <a:xfrm>
+            <a:off x="8344356" y="4804030"/>
+            <a:ext cx="18000" cy="288000"/>
+          </a:xfrm>
+          <a:prstGeom prst="rect">
+            <a:avLst/>
+          </a:prstGeom>
+          <a:solidFill>
+            <a:srgbClr val="FF0000"/>
+          </a:solidFill>
+          <a:ln>
+            <a:noFill/>
+          </a:ln>
+        </p:spPr>
+        <p:style>
+          <a:lnRef idx="2">
+            <a:schemeClr val="accent1">
+              <a:shade val="50000"/>
+            </a:schemeClr>
+          </a:lnRef>
+          <a:fillRef idx="1">
+            <a:schemeClr val="accent1"/>
+          </a:fillRef>
+          <a:effectRef idx="0">
+            <a:schemeClr val="accent1"/>
+          </a:effectRef>
+          <a:fontRef idx="minor">
+            <a:schemeClr val="lt1"/>
+          </a:fontRef>
+        </p:style>
+        <p:txBody>
+          <a:bodyPr rtlCol="0" anchor="ctr"/>
+          <a:lstStyle/>
+          <a:p>
+            <a:pPr algn="ctr"/>
+            <a:endParaRPr lang="de-DE"/>
+          </a:p>
+        </p:txBody>
+      </p:sp>
+      <p:sp>
+        <p:nvSpPr>
+          <p:cNvPr id="20" name="Ellipse 19"/>
+          <p:cNvSpPr/>
+          <p:nvPr/>
+        </p:nvSpPr>
+        <p:spPr>
+          <a:xfrm>
+            <a:off x="6469890" y="4917527"/>
+            <a:ext cx="72008" cy="72008"/>
+          </a:xfrm>
+          <a:prstGeom prst="ellipse">
+            <a:avLst/>
+          </a:prstGeom>
+          <a:solidFill>
+            <a:srgbClr val="1C5498"/>
+          </a:solidFill>
+          <a:ln>
+            <a:solidFill>
+              <a:srgbClr val="1C5498"/>
+            </a:solidFill>
+          </a:ln>
+        </p:spPr>
+        <p:style>
+          <a:lnRef idx="2">
+            <a:schemeClr val="accent1">
+              <a:shade val="50000"/>
+            </a:schemeClr>
+          </a:lnRef>
+          <a:fillRef idx="1">
+            <a:schemeClr val="accent1"/>
+          </a:fillRef>
+          <a:effectRef idx="0">
+            <a:schemeClr val="accent1"/>
+          </a:effectRef>
+          <a:fontRef idx="minor">
+            <a:schemeClr val="lt1"/>
+          </a:fontRef>
+        </p:style>
+        <p:txBody>
+          <a:bodyPr rtlCol="0" anchor="ctr"/>
+          <a:lstStyle/>
+          <a:p>
+            <a:pPr algn="ctr"/>
+            <a:endParaRPr lang="de-DE"/>
+          </a:p>
+        </p:txBody>
+      </p:sp>
+      <p:sp>
+        <p:nvSpPr>
+          <p:cNvPr id="21" name="Ellipse 20"/>
+          <p:cNvSpPr/>
+          <p:nvPr/>
+        </p:nvSpPr>
+        <p:spPr>
+          <a:xfrm>
+            <a:off x="6312986" y="4915275"/>
+            <a:ext cx="72008" cy="72008"/>
+          </a:xfrm>
+          <a:prstGeom prst="ellipse">
+            <a:avLst/>
+          </a:prstGeom>
+          <a:noFill/>
+          <a:ln>
+            <a:solidFill>
+              <a:srgbClr val="1C5498"/>
+            </a:solidFill>
+          </a:ln>
+        </p:spPr>
+        <p:style>
+          <a:lnRef idx="2">
+            <a:schemeClr val="accent1">
+              <a:shade val="50000"/>
+            </a:schemeClr>
+          </a:lnRef>
+          <a:fillRef idx="1">
+            <a:schemeClr val="accent1"/>
+          </a:fillRef>
+          <a:effectRef idx="0">
+            <a:schemeClr val="accent1"/>
+          </a:effectRef>
+          <a:fontRef idx="minor">
+            <a:schemeClr val="lt1"/>
+          </a:fontRef>
+        </p:style>
+        <p:txBody>
+          <a:bodyPr rtlCol="0" anchor="ctr"/>
+          <a:lstStyle/>
+          <a:p>
+            <a:pPr algn="ctr"/>
+            <a:endParaRPr lang="de-DE"/>
+          </a:p>
+        </p:txBody>
+      </p:sp>
+    </p:spTree>
+    <p:extLst>
+      <p:ext uri="{BB962C8B-B14F-4D97-AF65-F5344CB8AC3E}">
+        <p14:creationId xmlns:p14="http://schemas.microsoft.com/office/powerpoint/2010/main" val="1754886376"/>
+      </p:ext>
+    </p:extLst>
+  </p:cSld>
+  <p:clrMapOvr>
+    <a:masterClrMapping/>
+  </p:clrMapOvr>
+  <p:timing>
+    <p:tnLst>
+      <p:par>
+        <p:cTn id="1" dur="indefinite" restart="never" nodeType="tmRoot"/>
+      </p:par>
+    </p:tnLst>
+  </p:timing>
+</p:sld>
+</file>
+
+<file path=ppt/slides/slide19.xml><?xml version="1.0" encoding="utf-8"?>
+<p:sld xmlns:a="http://schemas.openxmlformats.org/drawingml/2006/main" xmlns:r="http://schemas.openxmlformats.org/officeDocument/2006/relationships" xmlns:p="http://schemas.openxmlformats.org/presentationml/2006/main">
+  <p:cSld>
+    <p:spTree>
+      <p:nvGrpSpPr>
+        <p:cNvPr id="1" name=""/>
+        <p:cNvGrpSpPr/>
+        <p:nvPr/>
+      </p:nvGrpSpPr>
+      <p:grpSpPr>
+        <a:xfrm>
+          <a:off x="0" y="0"/>
+          <a:ext cx="0" cy="0"/>
+          <a:chOff x="0" y="0"/>
+          <a:chExt cx="0" cy="0"/>
+        </a:xfrm>
+      </p:grpSpPr>
+      <p:sp>
+        <p:nvSpPr>
+          <p:cNvPr id="9" name="Rechteck 8"/>
+          <p:cNvSpPr>
+            <a:spLocks/>
+          </p:cNvSpPr>
+          <p:nvPr/>
+        </p:nvSpPr>
+        <p:spPr>
+          <a:xfrm>
+            <a:off x="3435868" y="-92546"/>
+            <a:ext cx="5839481" cy="5796413"/>
+          </a:xfrm>
+          <a:prstGeom prst="rect">
+            <a:avLst/>
+          </a:prstGeom>
+          <a:blipFill dpi="0" rotWithShape="1">
+            <a:blip r:embed="rId3">
+              <a:alphaModFix amt="9000"/>
+            </a:blip>
+            <a:srcRect/>
+            <a:stretch>
+              <a:fillRect/>
+            </a:stretch>
+          </a:blipFill>
+          <a:ln>
+            <a:noFill/>
+          </a:ln>
+        </p:spPr>
+        <p:style>
+          <a:lnRef idx="2">
+            <a:schemeClr val="accent1">
+              <a:shade val="50000"/>
+            </a:schemeClr>
+          </a:lnRef>
+          <a:fillRef idx="1">
+            <a:schemeClr val="accent1"/>
+          </a:fillRef>
+          <a:effectRef idx="0">
+            <a:schemeClr val="accent1"/>
+          </a:effectRef>
+          <a:fontRef idx="minor">
+            <a:schemeClr val="lt1"/>
+          </a:fontRef>
+        </p:style>
+        <p:txBody>
+          <a:bodyPr rtlCol="0" anchor="ctr"/>
+          <a:lstStyle/>
+          <a:p>
+            <a:pPr algn="ctr"/>
+            <a:endParaRPr lang="de-DE"/>
+          </a:p>
+        </p:txBody>
+      </p:sp>
+      <p:sp>
+        <p:nvSpPr>
+          <p:cNvPr id="10" name="Rechteck 9"/>
+          <p:cNvSpPr/>
+          <p:nvPr/>
+        </p:nvSpPr>
+        <p:spPr>
+          <a:xfrm>
+            <a:off x="0" y="0"/>
+            <a:ext cx="9144000" cy="612000"/>
+          </a:xfrm>
+          <a:prstGeom prst="rect">
+            <a:avLst/>
+          </a:prstGeom>
+          <a:gradFill>
+            <a:gsLst>
+              <a:gs pos="0">
+                <a:srgbClr val="1C5498"/>
+              </a:gs>
+              <a:gs pos="100000">
+                <a:srgbClr val="2166B9"/>
+              </a:gs>
+            </a:gsLst>
+            <a:lin ang="5400000" scaled="0"/>
+          </a:gradFill>
+          <a:ln>
+            <a:noFill/>
+          </a:ln>
+        </p:spPr>
+        <p:style>
+          <a:lnRef idx="2">
+            <a:schemeClr val="accent1">
+              <a:shade val="50000"/>
+            </a:schemeClr>
+          </a:lnRef>
+          <a:fillRef idx="1">
+            <a:schemeClr val="accent1"/>
+          </a:fillRef>
+          <a:effectRef idx="0">
+            <a:schemeClr val="accent1"/>
+          </a:effectRef>
+          <a:fontRef idx="minor">
+            <a:schemeClr val="lt1"/>
+          </a:fontRef>
+        </p:style>
+        <p:txBody>
+          <a:bodyPr rtlCol="0" anchor="ctr"/>
+          <a:lstStyle/>
+          <a:p>
+            <a:pPr algn="ctr"/>
+            <a:endParaRPr lang="de-DE"/>
+          </a:p>
+        </p:txBody>
+      </p:sp>
+      <p:sp>
+        <p:nvSpPr>
+          <p:cNvPr id="11" name="Rechteck 10"/>
+          <p:cNvSpPr/>
+          <p:nvPr/>
+        </p:nvSpPr>
+        <p:spPr>
+          <a:xfrm>
+            <a:off x="0" y="612000"/>
+            <a:ext cx="9144000" cy="36000"/>
+          </a:xfrm>
+          <a:prstGeom prst="rect">
+            <a:avLst/>
+          </a:prstGeom>
+          <a:solidFill>
+            <a:srgbClr val="FF0000"/>
+          </a:solidFill>
+          <a:ln>
+            <a:noFill/>
+          </a:ln>
+        </p:spPr>
+        <p:style>
+          <a:lnRef idx="2">
+            <a:schemeClr val="accent1">
+              <a:shade val="50000"/>
+            </a:schemeClr>
+          </a:lnRef>
+          <a:fillRef idx="1">
+            <a:schemeClr val="accent1"/>
+          </a:fillRef>
+          <a:effectRef idx="0">
+            <a:schemeClr val="accent1"/>
+          </a:effectRef>
+          <a:fontRef idx="minor">
+            <a:schemeClr val="lt1"/>
+          </a:fontRef>
+        </p:style>
+        <p:txBody>
+          <a:bodyPr rtlCol="0" anchor="ctr"/>
+          <a:lstStyle/>
+          <a:p>
+            <a:pPr algn="ctr"/>
+            <a:endParaRPr lang="de-DE"/>
+          </a:p>
+        </p:txBody>
+      </p:sp>
+      <p:sp>
+        <p:nvSpPr>
+          <p:cNvPr id="15" name="Ellipse 14"/>
+          <p:cNvSpPr/>
+          <p:nvPr/>
+        </p:nvSpPr>
+        <p:spPr>
+          <a:xfrm>
+            <a:off x="153037" y="-2"/>
+            <a:ext cx="602539" cy="612000"/>
+          </a:xfrm>
+          <a:prstGeom prst="ellipse">
+            <a:avLst/>
+          </a:prstGeom>
+          <a:solidFill>
+            <a:schemeClr val="bg1"/>
+          </a:solidFill>
+          <a:ln>
+            <a:noFill/>
+          </a:ln>
+        </p:spPr>
+        <p:style>
+          <a:lnRef idx="2">
+            <a:schemeClr val="accent1">
+              <a:shade val="50000"/>
+            </a:schemeClr>
+          </a:lnRef>
+          <a:fillRef idx="1">
+            <a:schemeClr val="accent1"/>
+          </a:fillRef>
+          <a:effectRef idx="0">
+            <a:schemeClr val="accent1"/>
+          </a:effectRef>
+          <a:fontRef idx="minor">
+            <a:schemeClr val="lt1"/>
+          </a:fontRef>
+        </p:style>
+        <p:txBody>
+          <a:bodyPr rtlCol="0" anchor="ctr"/>
+          <a:lstStyle/>
+          <a:p>
+            <a:pPr algn="ctr"/>
+            <a:endParaRPr lang="de-DE"/>
+          </a:p>
+        </p:txBody>
+      </p:sp>
+      <p:sp>
+        <p:nvSpPr>
+          <p:cNvPr id="14" name="Rechteck 13"/>
+          <p:cNvSpPr/>
+          <p:nvPr/>
+        </p:nvSpPr>
+        <p:spPr>
+          <a:xfrm>
+            <a:off x="0" y="0"/>
+            <a:ext cx="467544" cy="612000"/>
+          </a:xfrm>
+          <a:prstGeom prst="rect">
+            <a:avLst/>
+          </a:prstGeom>
+          <a:solidFill>
+            <a:schemeClr val="bg1"/>
+          </a:solidFill>
+          <a:ln>
+            <a:noFill/>
+          </a:ln>
+        </p:spPr>
+        <p:style>
+          <a:lnRef idx="2">
+            <a:schemeClr val="accent1">
+              <a:shade val="50000"/>
+            </a:schemeClr>
+          </a:lnRef>
+          <a:fillRef idx="1">
+            <a:schemeClr val="accent1"/>
+          </a:fillRef>
+          <a:effectRef idx="0">
+            <a:schemeClr val="accent1"/>
+          </a:effectRef>
+          <a:fontRef idx="minor">
+            <a:schemeClr val="lt1"/>
+          </a:fontRef>
+        </p:style>
+        <p:txBody>
+          <a:bodyPr rtlCol="0" anchor="ctr"/>
+          <a:lstStyle/>
+          <a:p>
+            <a:pPr algn="ctr"/>
+            <a:endParaRPr lang="de-DE"/>
+          </a:p>
+        </p:txBody>
+      </p:sp>
+      <p:sp>
+        <p:nvSpPr>
+          <p:cNvPr id="12" name="Ellipse 11"/>
+          <p:cNvSpPr/>
+          <p:nvPr/>
+        </p:nvSpPr>
+        <p:spPr>
+          <a:xfrm>
+            <a:off x="107504" y="9461"/>
+            <a:ext cx="602539" cy="602539"/>
+          </a:xfrm>
+          <a:prstGeom prst="ellipse">
+            <a:avLst/>
+          </a:prstGeom>
+          <a:blipFill>
+            <a:blip r:embed="rId3"/>
+            <a:stretch>
+              <a:fillRect/>
+            </a:stretch>
+          </a:blipFill>
+          <a:ln>
+            <a:noFill/>
+          </a:ln>
+        </p:spPr>
+        <p:style>
+          <a:lnRef idx="2">
+            <a:schemeClr val="accent1">
+              <a:shade val="50000"/>
+            </a:schemeClr>
+          </a:lnRef>
+          <a:fillRef idx="1">
+            <a:schemeClr val="accent1"/>
+          </a:fillRef>
+          <a:effectRef idx="0">
+            <a:schemeClr val="accent1"/>
+          </a:effectRef>
+          <a:fontRef idx="minor">
+            <a:schemeClr val="lt1"/>
+          </a:fontRef>
+        </p:style>
+        <p:txBody>
+          <a:bodyPr rtlCol="0" anchor="ctr"/>
+          <a:lstStyle/>
+          <a:p>
+            <a:pPr algn="ctr"/>
+            <a:endParaRPr lang="de-DE"/>
+          </a:p>
+        </p:txBody>
+      </p:sp>
+      <p:sp>
+        <p:nvSpPr>
+          <p:cNvPr id="16" name="Textfeld 15"/>
+          <p:cNvSpPr txBox="1"/>
+          <p:nvPr/>
+        </p:nvSpPr>
+        <p:spPr>
+          <a:xfrm>
+            <a:off x="875285" y="79897"/>
+            <a:ext cx="3600400" cy="461665"/>
+          </a:xfrm>
+          <a:prstGeom prst="rect">
+            <a:avLst/>
+          </a:prstGeom>
+          <a:noFill/>
+        </p:spPr>
+        <p:txBody>
+          <a:bodyPr wrap="square" rtlCol="0">
+            <a:spAutoFit/>
+          </a:bodyPr>
+          <a:lstStyle/>
+          <a:p>
+            <a:r>
+              <a:rPr lang="de-DE" sz="2400" dirty="0" smtClean="0">
+                <a:solidFill>
+                  <a:schemeClr val="bg1"/>
+                </a:solidFill>
+                <a:effectLst>
+                  <a:outerShdw blurRad="38100" dist="38100" dir="2700000" algn="tl">
+                    <a:srgbClr val="000000">
+                      <a:alpha val="43137"/>
+                    </a:srgbClr>
+                  </a:outerShdw>
+                </a:effectLst>
+                <a:latin typeface="Helvetica" pitchFamily="34" charset="0"/>
+              </a:rPr>
+              <a:t>LeCoop 2.0</a:t>
+            </a:r>
+            <a:endParaRPr lang="de-DE" sz="2400" dirty="0">
+              <a:solidFill>
+                <a:schemeClr val="bg1"/>
+              </a:solidFill>
+              <a:effectLst>
+                <a:outerShdw blurRad="38100" dist="38100" dir="2700000" algn="tl">
+                  <a:srgbClr val="000000">
+                    <a:alpha val="43137"/>
+                  </a:srgbClr>
+                </a:outerShdw>
+              </a:effectLst>
+              <a:latin typeface="Helvetica" pitchFamily="34" charset="0"/>
+            </a:endParaRPr>
+          </a:p>
+        </p:txBody>
+      </p:sp>
+      <p:sp>
+        <p:nvSpPr>
+          <p:cNvPr id="17" name="Textfeld 16"/>
+          <p:cNvSpPr txBox="1"/>
+          <p:nvPr/>
+        </p:nvSpPr>
+        <p:spPr>
+          <a:xfrm>
+            <a:off x="2675485" y="144692"/>
+            <a:ext cx="2232248" cy="338554"/>
+          </a:xfrm>
+          <a:prstGeom prst="rect">
+            <a:avLst/>
+          </a:prstGeom>
+          <a:noFill/>
+        </p:spPr>
+        <p:txBody>
+          <a:bodyPr wrap="square" rtlCol="0">
+            <a:spAutoFit/>
+          </a:bodyPr>
+          <a:lstStyle/>
+          <a:p>
+            <a:r>
+              <a:rPr lang="de-DE" sz="1600" smtClean="0">
+                <a:solidFill>
+                  <a:schemeClr val="bg1">
+                    <a:lumMod val="75000"/>
+                  </a:schemeClr>
+                </a:solidFill>
+              </a:rPr>
+              <a:t>Manage </a:t>
+            </a:r>
+            <a:r>
+              <a:rPr lang="de-DE" sz="1600" err="1" smtClean="0">
+                <a:solidFill>
+                  <a:schemeClr val="bg1">
+                    <a:lumMod val="75000"/>
+                  </a:schemeClr>
+                </a:solidFill>
+              </a:rPr>
+              <a:t>your</a:t>
+            </a:r>
+            <a:r>
+              <a:rPr lang="de-DE" sz="1600" smtClean="0">
+                <a:solidFill>
+                  <a:schemeClr val="bg1">
+                    <a:lumMod val="75000"/>
+                  </a:schemeClr>
+                </a:solidFill>
+              </a:rPr>
+              <a:t> </a:t>
+            </a:r>
+            <a:r>
+              <a:rPr lang="de-DE" sz="1600" err="1" smtClean="0">
+                <a:solidFill>
+                  <a:schemeClr val="bg1">
+                    <a:lumMod val="75000"/>
+                  </a:schemeClr>
+                </a:solidFill>
+              </a:rPr>
+              <a:t>learning</a:t>
+            </a:r>
+            <a:endParaRPr lang="de-DE" sz="1600">
+              <a:solidFill>
+                <a:schemeClr val="bg1">
+                  <a:lumMod val="75000"/>
+                </a:schemeClr>
+              </a:solidFill>
+            </a:endParaRPr>
+          </a:p>
+        </p:txBody>
+      </p:sp>
+      <p:sp>
+        <p:nvSpPr>
+          <p:cNvPr id="5" name="Textfeld 4"/>
+          <p:cNvSpPr txBox="1"/>
+          <p:nvPr/>
+        </p:nvSpPr>
+        <p:spPr>
+          <a:xfrm>
+            <a:off x="2051720" y="1923678"/>
+            <a:ext cx="3744416" cy="369332"/>
+          </a:xfrm>
+          <a:prstGeom prst="rect">
+            <a:avLst/>
+          </a:prstGeom>
+          <a:noFill/>
+        </p:spPr>
+        <p:txBody>
+          <a:bodyPr wrap="square" rtlCol="0">
+            <a:spAutoFit/>
+          </a:bodyPr>
+          <a:lstStyle/>
+          <a:p>
+            <a:r>
+              <a:rPr lang="de-DE" dirty="0" smtClean="0"/>
+              <a:t>Zitat </a:t>
+            </a:r>
+            <a:r>
+              <a:rPr lang="de-DE" dirty="0" err="1" smtClean="0"/>
+              <a:t>desu</a:t>
+            </a:r>
+            <a:r>
+              <a:rPr lang="de-DE" dirty="0" smtClean="0"/>
+              <a:t>!</a:t>
+            </a:r>
+            <a:endParaRPr lang="de-DE" dirty="0"/>
+          </a:p>
+        </p:txBody>
+      </p:sp>
+      <p:sp>
+        <p:nvSpPr>
+          <p:cNvPr id="18" name="Textfeld 17"/>
+          <p:cNvSpPr txBox="1"/>
+          <p:nvPr/>
+        </p:nvSpPr>
+        <p:spPr>
+          <a:xfrm>
+            <a:off x="8329083" y="4763928"/>
+            <a:ext cx="814917" cy="400110"/>
+          </a:xfrm>
+          <a:prstGeom prst="rect">
+            <a:avLst/>
+          </a:prstGeom>
+          <a:noFill/>
+        </p:spPr>
+        <p:txBody>
+          <a:bodyPr wrap="square" rtlCol="0">
+            <a:spAutoFit/>
+          </a:bodyPr>
+          <a:lstStyle/>
+          <a:p>
+            <a:pPr algn="r"/>
+            <a:r>
+              <a:rPr lang="de-DE" sz="2000" b="1" dirty="0" smtClean="0">
                 <a:solidFill>
                   <a:srgbClr val="1C5498"/>
                 </a:solidFill>
               </a:rPr>
               <a:t>17</a:t>
+            </a:r>
+            <a:r>
+              <a:rPr lang="de-DE" dirty="0" smtClean="0">
+                <a:solidFill>
+                  <a:srgbClr val="1C5498"/>
+                </a:solidFill>
+              </a:rPr>
+              <a:t> </a:t>
+            </a:r>
+            <a:r>
+              <a:rPr lang="de-DE" sz="1400" dirty="0" smtClean="0">
+                <a:solidFill>
+                  <a:srgbClr val="1C5498"/>
+                </a:solidFill>
+              </a:rPr>
+              <a:t>/ 17</a:t>
             </a:r>
             <a:endParaRPr lang="de-DE" sz="1400" dirty="0">
               <a:solidFill>
@@ -13227,7 +15194,6 @@
               <a:rPr lang="de-DE" u="dotted" dirty="0" smtClean="0"/>
               <a:t>							  3</a:t>
             </a:r>
-            <a:endParaRPr lang="de-DE" u="dotted" dirty="0" smtClean="0"/>
           </a:p>
           <a:p>
             <a:pPr marL="342900" indent="-342900">
@@ -13250,13 +15216,8 @@
             </a:pPr>
             <a:r>
               <a:rPr lang="de-DE" u="dotted" dirty="0" smtClean="0"/>
-              <a:t>Anforderungen an das </a:t>
-            </a:r>
-            <a:r>
-              <a:rPr lang="de-DE" u="dotted" dirty="0" smtClean="0"/>
-              <a:t>System					  8</a:t>
-            </a:r>
-            <a:endParaRPr lang="de-DE" u="dotted" dirty="0" smtClean="0"/>
+              <a:t>Anforderungen an das System					  8</a:t>
+            </a:r>
           </a:p>
           <a:p>
             <a:pPr marL="342900" indent="-342900">
@@ -13267,13 +15228,8 @@
             </a:pPr>
             <a:r>
               <a:rPr lang="de-DE" u="dotted" dirty="0" smtClean="0"/>
-              <a:t>LeCoop </a:t>
-            </a:r>
-            <a:r>
-              <a:rPr lang="de-DE" u="dotted" dirty="0" smtClean="0"/>
-              <a:t>2.0							11</a:t>
-            </a:r>
-            <a:endParaRPr lang="de-DE" u="dotted" dirty="0" smtClean="0"/>
+              <a:t>LeCoop 2.0							11</a:t>
+            </a:r>
           </a:p>
           <a:p>
             <a:pPr marL="342900" indent="-342900">
@@ -13284,13 +15240,8 @@
             </a:pPr>
             <a:r>
               <a:rPr lang="de-DE" u="dotted" dirty="0" smtClean="0"/>
-              <a:t>Project </a:t>
-            </a:r>
-            <a:r>
-              <a:rPr lang="de-DE" u="dotted" dirty="0" smtClean="0"/>
-              <a:t>Impact							13</a:t>
-            </a:r>
-            <a:endParaRPr lang="de-DE" u="dotted" dirty="0" smtClean="0"/>
+              <a:t>Project Impact							13</a:t>
+            </a:r>
           </a:p>
           <a:p>
             <a:pPr marL="342900" indent="-342900">
@@ -13301,9 +15252,12 @@
             </a:pPr>
             <a:r>
               <a:rPr lang="de-DE" u="dotted" dirty="0" smtClean="0"/>
-              <a:t>Investitionsrechnung						14</a:t>
-            </a:r>
-            <a:endParaRPr lang="de-DE" u="dotted" dirty="0" smtClean="0"/>
+              <a:t>Geschäftsmodell</a:t>
+            </a:r>
+            <a:r>
+              <a:rPr lang="de-DE" u="dotted" dirty="0" smtClean="0"/>
+              <a:t>						14</a:t>
+            </a:r>
           </a:p>
           <a:p>
             <a:pPr marL="342900" indent="-342900">
@@ -13316,7 +15270,6 @@
               <a:rPr lang="de-DE" u="dotted" dirty="0" smtClean="0"/>
               <a:t>Weiterentwicklung						15</a:t>
             </a:r>
-            <a:endParaRPr lang="de-DE" u="dotted" dirty="0" smtClean="0"/>
           </a:p>
         </p:txBody>
       </p:sp>
@@ -13863,15 +15816,7 @@
                   <a:srgbClr val="1C5498"/>
                 </a:solidFill>
               </a:rPr>
-              <a:t>/ </a:t>
-            </a:r>
-            <a:r>
-              <a:rPr lang="de-DE" sz="1400" dirty="0" smtClean="0">
-                <a:solidFill>
-                  <a:srgbClr val="1C5498"/>
-                </a:solidFill>
-              </a:rPr>
-              <a:t>17</a:t>
+              <a:t>/ 17</a:t>
             </a:r>
             <a:endParaRPr lang="de-DE" sz="1400" dirty="0">
               <a:solidFill>
@@ -16168,15 +18113,7 @@
                   <a:srgbClr val="1C5498"/>
                 </a:solidFill>
               </a:rPr>
-              <a:t>/ </a:t>
-            </a:r>
-            <a:r>
-              <a:rPr lang="de-DE" sz="1400" dirty="0" smtClean="0">
-                <a:solidFill>
-                  <a:srgbClr val="1C5498"/>
-                </a:solidFill>
-              </a:rPr>
-              <a:t>17</a:t>
+              <a:t>/ 17</a:t>
             </a:r>
             <a:endParaRPr lang="de-DE" sz="1400" dirty="0">
               <a:solidFill>
@@ -19166,15 +21103,7 @@
                   <a:srgbClr val="1C5498"/>
                 </a:solidFill>
               </a:rPr>
-              <a:t>/ </a:t>
-            </a:r>
-            <a:r>
-              <a:rPr lang="de-DE" sz="1400" dirty="0" smtClean="0">
-                <a:solidFill>
-                  <a:srgbClr val="1C5498"/>
-                </a:solidFill>
-              </a:rPr>
-              <a:t>17</a:t>
+              <a:t>/ 17</a:t>
             </a:r>
             <a:endParaRPr lang="de-DE" sz="1400" dirty="0">
               <a:solidFill>
@@ -21552,15 +23481,7 @@
                   <a:srgbClr val="1C5498"/>
                 </a:solidFill>
               </a:rPr>
-              <a:t>/ </a:t>
-            </a:r>
-            <a:r>
-              <a:rPr lang="de-DE" sz="1400" dirty="0" smtClean="0">
-                <a:solidFill>
-                  <a:srgbClr val="1C5498"/>
-                </a:solidFill>
-              </a:rPr>
-              <a:t>17</a:t>
+              <a:t>/ 17</a:t>
             </a:r>
             <a:endParaRPr lang="de-DE" sz="1400" dirty="0">
               <a:solidFill>
@@ -22856,7 +24777,7 @@
         </p:nvGrpSpPr>
         <p:grpSpPr>
           <a:xfrm>
-            <a:off x="-8265400" y="1165823"/>
+            <a:off x="-8385109" y="904213"/>
             <a:ext cx="9140685" cy="4495500"/>
             <a:chOff x="0" y="648000"/>
             <a:chExt cx="9140685" cy="4495500"/>
@@ -23013,15 +24934,7 @@
                   <a:srgbClr val="1C5498"/>
                 </a:solidFill>
               </a:rPr>
-              <a:t>/ </a:t>
-            </a:r>
-            <a:r>
-              <a:rPr lang="de-DE" sz="1400" dirty="0" smtClean="0">
-                <a:solidFill>
-                  <a:srgbClr val="1C5498"/>
-                </a:solidFill>
-              </a:rPr>
-              <a:t>17</a:t>
+              <a:t>/ 17</a:t>
             </a:r>
             <a:endParaRPr lang="de-DE" sz="1400" dirty="0">
               <a:solidFill>
@@ -24393,15 +26306,7 @@
                   <a:srgbClr val="1C5498"/>
                 </a:solidFill>
               </a:rPr>
-              <a:t>/ </a:t>
-            </a:r>
-            <a:r>
-              <a:rPr lang="de-DE" sz="1400" dirty="0" smtClean="0">
-                <a:solidFill>
-                  <a:srgbClr val="1C5498"/>
-                </a:solidFill>
-              </a:rPr>
-              <a:t>17</a:t>
+              <a:t>/ 17</a:t>
             </a:r>
             <a:endParaRPr lang="de-DE" sz="1400" dirty="0">
               <a:solidFill>
@@ -25185,285 +27090,4 @@
   <a:objectDefaults/>
   <a:extraClrSchemeLst/>
 </a:theme>
-</file>
-
-<file path=ppt/theme/themeOverride1.xml><?xml version="1.0" encoding="utf-8"?>
-<a:themeOverride xmlns:a="http://schemas.openxmlformats.org/drawingml/2006/main">
-  <a:clrScheme name="Larissa">
-    <a:dk1>
-      <a:sysClr val="windowText" lastClr="000000"/>
-    </a:dk1>
-    <a:lt1>
-      <a:sysClr val="window" lastClr="FFFFFF"/>
-    </a:lt1>
-    <a:dk2>
-      <a:srgbClr val="1F497D"/>
-    </a:dk2>
-    <a:lt2>
-      <a:srgbClr val="EEECE1"/>
-    </a:lt2>
-    <a:accent1>
-      <a:srgbClr val="4F81BD"/>
-    </a:accent1>
-    <a:accent2>
-      <a:srgbClr val="C0504D"/>
-    </a:accent2>
-    <a:accent3>
-      <a:srgbClr val="9BBB59"/>
-    </a:accent3>
-    <a:accent4>
-      <a:srgbClr val="8064A2"/>
-    </a:accent4>
-    <a:accent5>
-      <a:srgbClr val="4BACC6"/>
-    </a:accent5>
-    <a:accent6>
-      <a:srgbClr val="F79646"/>
-    </a:accent6>
-    <a:hlink>
-      <a:srgbClr val="0000FF"/>
-    </a:hlink>
-    <a:folHlink>
-      <a:srgbClr val="800080"/>
-    </a:folHlink>
-  </a:clrScheme>
-  <a:fontScheme name="Larissa">
-    <a:majorFont>
-      <a:latin typeface="Cambria"/>
-      <a:ea typeface=""/>
-      <a:cs typeface=""/>
-      <a:font script="Jpan" typeface="ＭＳ Ｐゴシック"/>
-      <a:font script="Hang" typeface="맑은 고딕"/>
-      <a:font script="Hans" typeface="宋体"/>
-      <a:font script="Hant" typeface="新細明體"/>
-      <a:font script="Arab" typeface="Times New Roman"/>
-      <a:font script="Hebr" typeface="Times New Roman"/>
-      <a:font script="Thai" typeface="Tahoma"/>
-      <a:font script="Ethi" typeface="Nyala"/>
-      <a:font script="Beng" typeface="Vrinda"/>
-      <a:font script="Gujr" typeface="Shruti"/>
-      <a:font script="Khmr" typeface="MoolBoran"/>
-      <a:font script="Knda" typeface="Tunga"/>
-      <a:font script="Guru" typeface="Raavi"/>
-      <a:font script="Cans" typeface="Euphemia"/>
-      <a:font script="Cher" typeface="Plantagenet Cherokee"/>
-      <a:font script="Yiii" typeface="Microsoft Yi Baiti"/>
-      <a:font script="Tibt" typeface="Microsoft Himalaya"/>
-      <a:font script="Thaa" typeface="MV Boli"/>
-      <a:font script="Deva" typeface="Mangal"/>
-      <a:font script="Telu" typeface="Gautami"/>
-      <a:font script="Taml" typeface="Latha"/>
-      <a:font script="Syrc" typeface="Estrangelo Edessa"/>
-      <a:font script="Orya" typeface="Kalinga"/>
-      <a:font script="Mlym" typeface="Kartika"/>
-      <a:font script="Laoo" typeface="DokChampa"/>
-      <a:font script="Sinh" typeface="Iskoola Pota"/>
-      <a:font script="Mong" typeface="Mongolian Baiti"/>
-      <a:font script="Viet" typeface="Times New Roman"/>
-      <a:font script="Uigh" typeface="Microsoft Uighur"/>
-      <a:font script="Geor" typeface="Sylfaen"/>
-    </a:majorFont>
-    <a:minorFont>
-      <a:latin typeface="Calibri"/>
-      <a:ea typeface=""/>
-      <a:cs typeface=""/>
-      <a:font script="Jpan" typeface="ＭＳ Ｐゴシック"/>
-      <a:font script="Hang" typeface="맑은 고딕"/>
-      <a:font script="Hans" typeface="宋体"/>
-      <a:font script="Hant" typeface="新細明體"/>
-      <a:font script="Arab" typeface="Arial"/>
-      <a:font script="Hebr" typeface="Arial"/>
-      <a:font script="Thai" typeface="Tahoma"/>
-      <a:font script="Ethi" typeface="Nyala"/>
-      <a:font script="Beng" typeface="Vrinda"/>
-      <a:font script="Gujr" typeface="Shruti"/>
-      <a:font script="Khmr" typeface="DaunPenh"/>
-      <a:font script="Knda" typeface="Tunga"/>
-      <a:font script="Guru" typeface="Raavi"/>
-      <a:font script="Cans" typeface="Euphemia"/>
-      <a:font script="Cher" typeface="Plantagenet Cherokee"/>
-      <a:font script="Yiii" typeface="Microsoft Yi Baiti"/>
-      <a:font script="Tibt" typeface="Microsoft Himalaya"/>
-      <a:font script="Thaa" typeface="MV Boli"/>
-      <a:font script="Deva" typeface="Mangal"/>
-      <a:font script="Telu" typeface="Gautami"/>
-      <a:font script="Taml" typeface="Latha"/>
-      <a:font script="Syrc" typeface="Estrangelo Edessa"/>
-      <a:font script="Orya" typeface="Kalinga"/>
-      <a:font script="Mlym" typeface="Kartika"/>
-      <a:font script="Laoo" typeface="DokChampa"/>
-      <a:font script="Sinh" typeface="Iskoola Pota"/>
-      <a:font script="Mong" typeface="Mongolian Baiti"/>
-      <a:font script="Viet" typeface="Arial"/>
-      <a:font script="Uigh" typeface="Microsoft Uighur"/>
-      <a:font script="Geor" typeface="Sylfaen"/>
-    </a:minorFont>
-  </a:fontScheme>
-  <a:fmtScheme name="Larissa">
-    <a:fillStyleLst>
-      <a:solidFill>
-        <a:schemeClr val="phClr"/>
-      </a:solidFill>
-      <a:gradFill rotWithShape="1">
-        <a:gsLst>
-          <a:gs pos="0">
-            <a:schemeClr val="phClr">
-              <a:tint val="50000"/>
-              <a:satMod val="300000"/>
-            </a:schemeClr>
-          </a:gs>
-          <a:gs pos="35000">
-            <a:schemeClr val="phClr">
-              <a:tint val="37000"/>
-              <a:satMod val="300000"/>
-            </a:schemeClr>
-          </a:gs>
-          <a:gs pos="100000">
-            <a:schemeClr val="phClr">
-              <a:tint val="15000"/>
-              <a:satMod val="350000"/>
-            </a:schemeClr>
-          </a:gs>
-        </a:gsLst>
-        <a:lin ang="16200000" scaled="1"/>
-      </a:gradFill>
-      <a:gradFill rotWithShape="1">
-        <a:gsLst>
-          <a:gs pos="0">
-            <a:schemeClr val="phClr">
-              <a:shade val="51000"/>
-              <a:satMod val="130000"/>
-            </a:schemeClr>
-          </a:gs>
-          <a:gs pos="80000">
-            <a:schemeClr val="phClr">
-              <a:shade val="93000"/>
-              <a:satMod val="130000"/>
-            </a:schemeClr>
-          </a:gs>
-          <a:gs pos="100000">
-            <a:schemeClr val="phClr">
-              <a:shade val="94000"/>
-              <a:satMod val="135000"/>
-            </a:schemeClr>
-          </a:gs>
-        </a:gsLst>
-        <a:lin ang="16200000" scaled="0"/>
-      </a:gradFill>
-    </a:fillStyleLst>
-    <a:lnStyleLst>
-      <a:ln w="9525" cap="flat" cmpd="sng" algn="ctr">
-        <a:solidFill>
-          <a:schemeClr val="phClr">
-            <a:shade val="95000"/>
-            <a:satMod val="105000"/>
-          </a:schemeClr>
-        </a:solidFill>
-        <a:prstDash val="solid"/>
-      </a:ln>
-      <a:ln w="25400" cap="flat" cmpd="sng" algn="ctr">
-        <a:solidFill>
-          <a:schemeClr val="phClr"/>
-        </a:solidFill>
-        <a:prstDash val="solid"/>
-      </a:ln>
-      <a:ln w="38100" cap="flat" cmpd="sng" algn="ctr">
-        <a:solidFill>
-          <a:schemeClr val="phClr"/>
-        </a:solidFill>
-        <a:prstDash val="solid"/>
-      </a:ln>
-    </a:lnStyleLst>
-    <a:effectStyleLst>
-      <a:effectStyle>
-        <a:effectLst>
-          <a:outerShdw blurRad="40000" dist="20000" dir="5400000" rotWithShape="0">
-            <a:srgbClr val="000000">
-              <a:alpha val="38000"/>
-            </a:srgbClr>
-          </a:outerShdw>
-        </a:effectLst>
-      </a:effectStyle>
-      <a:effectStyle>
-        <a:effectLst>
-          <a:outerShdw blurRad="40000" dist="23000" dir="5400000" rotWithShape="0">
-            <a:srgbClr val="000000">
-              <a:alpha val="35000"/>
-            </a:srgbClr>
-          </a:outerShdw>
-        </a:effectLst>
-      </a:effectStyle>
-      <a:effectStyle>
-        <a:effectLst>
-          <a:outerShdw blurRad="40000" dist="23000" dir="5400000" rotWithShape="0">
-            <a:srgbClr val="000000">
-              <a:alpha val="35000"/>
-            </a:srgbClr>
-          </a:outerShdw>
-        </a:effectLst>
-        <a:scene3d>
-          <a:camera prst="orthographicFront">
-            <a:rot lat="0" lon="0" rev="0"/>
-          </a:camera>
-          <a:lightRig rig="threePt" dir="t">
-            <a:rot lat="0" lon="0" rev="1200000"/>
-          </a:lightRig>
-        </a:scene3d>
-        <a:sp3d>
-          <a:bevelT w="63500" h="25400"/>
-        </a:sp3d>
-      </a:effectStyle>
-    </a:effectStyleLst>
-    <a:bgFillStyleLst>
-      <a:solidFill>
-        <a:schemeClr val="phClr"/>
-      </a:solidFill>
-      <a:gradFill rotWithShape="1">
-        <a:gsLst>
-          <a:gs pos="0">
-            <a:schemeClr val="phClr">
-              <a:tint val="40000"/>
-              <a:satMod val="350000"/>
-            </a:schemeClr>
-          </a:gs>
-          <a:gs pos="40000">
-            <a:schemeClr val="phClr">
-              <a:tint val="45000"/>
-              <a:shade val="99000"/>
-              <a:satMod val="350000"/>
-            </a:schemeClr>
-          </a:gs>
-          <a:gs pos="100000">
-            <a:schemeClr val="phClr">
-              <a:shade val="20000"/>
-              <a:satMod val="255000"/>
-            </a:schemeClr>
-          </a:gs>
-        </a:gsLst>
-        <a:path path="circle">
-          <a:fillToRect l="50000" t="-80000" r="50000" b="180000"/>
-        </a:path>
-      </a:gradFill>
-      <a:gradFill rotWithShape="1">
-        <a:gsLst>
-          <a:gs pos="0">
-            <a:schemeClr val="phClr">
-              <a:tint val="80000"/>
-              <a:satMod val="300000"/>
-            </a:schemeClr>
-          </a:gs>
-          <a:gs pos="100000">
-            <a:schemeClr val="phClr">
-              <a:shade val="30000"/>
-              <a:satMod val="200000"/>
-            </a:schemeClr>
-          </a:gs>
-        </a:gsLst>
-        <a:path path="circle">
-          <a:fillToRect l="50000" t="50000" r="50000" b="50000"/>
-        </a:path>
-      </a:gradFill>
-    </a:bgFillStyleLst>
-  </a:fmtScheme>
-</a:themeOverride>
 </file>
--- a/lecoop/doc/supi_praesi.pptx
+++ b/lecoop/doc/supi_praesi.pptx
@@ -6102,7 +6102,7 @@
         </p:nvSpPr>
         <p:spPr>
           <a:xfrm>
-            <a:off x="240332" y="4496696"/>
+            <a:off x="240332" y="4273860"/>
             <a:ext cx="3456384" cy="276999"/>
           </a:xfrm>
           <a:prstGeom prst="rect">
@@ -6125,46 +6125,6 @@
             <a:endParaRPr lang="de-DE" sz="1200" baseline="30000" dirty="0">
               <a:latin typeface="Helvetica" pitchFamily="34" charset="0"/>
             </a:endParaRPr>
-          </a:p>
-        </p:txBody>
-      </p:sp>
-      <p:sp>
-        <p:nvSpPr>
-          <p:cNvPr id="24" name="Rechteck 23"/>
-          <p:cNvSpPr/>
-          <p:nvPr/>
-        </p:nvSpPr>
-        <p:spPr>
-          <a:xfrm>
-            <a:off x="4788025" y="1835302"/>
-            <a:ext cx="4176464" cy="2383764"/>
-          </a:xfrm>
-          <a:prstGeom prst="rect">
-            <a:avLst/>
-          </a:prstGeom>
-        </p:spPr>
-        <p:style>
-          <a:lnRef idx="2">
-            <a:schemeClr val="accent1">
-              <a:shade val="50000"/>
-            </a:schemeClr>
-          </a:lnRef>
-          <a:fillRef idx="1">
-            <a:schemeClr val="accent1"/>
-          </a:fillRef>
-          <a:effectRef idx="0">
-            <a:schemeClr val="accent1"/>
-          </a:effectRef>
-          <a:fontRef idx="minor">
-            <a:schemeClr val="lt1"/>
-          </a:fontRef>
-        </p:style>
-        <p:txBody>
-          <a:bodyPr rtlCol="0" anchor="ctr"/>
-          <a:lstStyle/>
-          <a:p>
-            <a:pPr algn="ctr"/>
-            <a:endParaRPr lang="de-DE"/>
           </a:p>
         </p:txBody>
       </p:sp>
@@ -6231,7 +6191,7 @@
         </p:blipFill>
         <p:spPr bwMode="auto">
           <a:xfrm>
-            <a:off x="250013" y="1555454"/>
+            <a:off x="250013" y="1333930"/>
             <a:ext cx="3684001" cy="2943460"/>
           </a:xfrm>
           <a:prstGeom prst="rect">
@@ -6280,7 +6240,7 @@
         </p:nvCxnSpPr>
         <p:spPr>
           <a:xfrm flipH="1">
-            <a:off x="263123" y="4533919"/>
+            <a:off x="263123" y="4311083"/>
             <a:ext cx="0" cy="216000"/>
           </a:xfrm>
           <a:prstGeom prst="line">
@@ -6501,7 +6461,15 @@
                   <a:srgbClr val="1C5498"/>
                 </a:solidFill>
               </a:rPr>
-              <a:t>/ 17</a:t>
+              <a:t>/ </a:t>
+            </a:r>
+            <a:r>
+              <a:rPr lang="de-DE" sz="1400" dirty="0" smtClean="0">
+                <a:solidFill>
+                  <a:srgbClr val="1C5498"/>
+                </a:solidFill>
+              </a:rPr>
+              <a:t>19</a:t>
             </a:r>
             <a:endParaRPr lang="de-DE" sz="1400" dirty="0">
               <a:solidFill>
@@ -6697,6 +6665,228 @@
           </a:p>
         </p:txBody>
       </p:sp>
+      <p:pic>
+        <p:nvPicPr>
+          <p:cNvPr id="3074" name="Picture 2" descr="\\psf\Home\Desktop\ablaufplan.png"/>
+          <p:cNvPicPr>
+            <a:picLocks noChangeAspect="1" noChangeArrowheads="1"/>
+          </p:cNvPicPr>
+          <p:nvPr/>
+        </p:nvPicPr>
+        <p:blipFill>
+          <a:blip r:embed="rId5">
+            <a:extLst>
+              <a:ext uri="{28A0092B-C50C-407E-A947-70E740481C1C}">
+                <a14:useLocalDpi xmlns:a14="http://schemas.microsoft.com/office/drawing/2010/main" val="0"/>
+              </a:ext>
+            </a:extLst>
+          </a:blip>
+          <a:srcRect/>
+          <a:stretch>
+            <a:fillRect/>
+          </a:stretch>
+        </p:blipFill>
+        <p:spPr bwMode="auto">
+          <a:xfrm>
+            <a:off x="5230421" y="1294220"/>
+            <a:ext cx="3195151" cy="2930022"/>
+          </a:xfrm>
+          <a:prstGeom prst="rect">
+            <a:avLst/>
+          </a:prstGeom>
+          <a:noFill/>
+          <a:ln w="25400">
+            <a:solidFill>
+              <a:srgbClr val="1C5498"/>
+            </a:solidFill>
+          </a:ln>
+        </p:spPr>
+      </p:pic>
+      <p:sp>
+        <p:nvSpPr>
+          <p:cNvPr id="28" name="Textfeld 27"/>
+          <p:cNvSpPr txBox="1"/>
+          <p:nvPr/>
+        </p:nvSpPr>
+        <p:spPr>
+          <a:xfrm>
+            <a:off x="5192001" y="4254595"/>
+            <a:ext cx="3456384" cy="276999"/>
+          </a:xfrm>
+          <a:prstGeom prst="rect">
+            <a:avLst/>
+          </a:prstGeom>
+          <a:noFill/>
+        </p:spPr>
+        <p:txBody>
+          <a:bodyPr wrap="square" rtlCol="0">
+            <a:spAutoFit/>
+          </a:bodyPr>
+          <a:lstStyle/>
+          <a:p>
+            <a:r>
+              <a:rPr lang="de-DE" sz="1200" dirty="0" smtClean="0">
+                <a:latin typeface="Helvetica" pitchFamily="34" charset="0"/>
+              </a:rPr>
+              <a:t>Programmablaufplan mit </a:t>
+            </a:r>
+            <a:r>
+              <a:rPr lang="de-DE" sz="1200" dirty="0" err="1" smtClean="0">
+                <a:latin typeface="Helvetica" pitchFamily="34" charset="0"/>
+              </a:rPr>
+              <a:t>Extbase</a:t>
+            </a:r>
+            <a:endParaRPr lang="de-DE" sz="1200" baseline="30000" dirty="0">
+              <a:latin typeface="Helvetica" pitchFamily="34" charset="0"/>
+            </a:endParaRPr>
+          </a:p>
+        </p:txBody>
+      </p:sp>
+      <p:cxnSp>
+        <p:nvCxnSpPr>
+          <p:cNvPr id="29" name="Gerade Verbindung 28"/>
+          <p:cNvCxnSpPr/>
+          <p:nvPr/>
+        </p:nvCxnSpPr>
+        <p:spPr>
+          <a:xfrm flipH="1">
+            <a:off x="5214792" y="4284134"/>
+            <a:ext cx="0" cy="216000"/>
+          </a:xfrm>
+          <a:prstGeom prst="line">
+            <a:avLst/>
+          </a:prstGeom>
+          <a:ln w="25400">
+            <a:solidFill>
+              <a:srgbClr val="FF0000"/>
+            </a:solidFill>
+          </a:ln>
+        </p:spPr>
+        <p:style>
+          <a:lnRef idx="1">
+            <a:schemeClr val="accent1"/>
+          </a:lnRef>
+          <a:fillRef idx="0">
+            <a:schemeClr val="accent1"/>
+          </a:fillRef>
+          <a:effectRef idx="0">
+            <a:schemeClr val="accent1"/>
+          </a:effectRef>
+          <a:fontRef idx="minor">
+            <a:schemeClr val="tx1"/>
+          </a:fontRef>
+        </p:style>
+      </p:cxnSp>
+      <p:grpSp>
+        <p:nvGrpSpPr>
+          <p:cNvPr id="3" name="Gruppieren 2"/>
+          <p:cNvGrpSpPr/>
+          <p:nvPr/>
+        </p:nvGrpSpPr>
+        <p:grpSpPr>
+          <a:xfrm>
+            <a:off x="0" y="642603"/>
+            <a:ext cx="9144000" cy="4508832"/>
+            <a:chOff x="0" y="648000"/>
+            <a:chExt cx="9144000" cy="4521435"/>
+          </a:xfrm>
+          <a:solidFill>
+            <a:schemeClr val="bg1">
+              <a:lumMod val="85000"/>
+            </a:schemeClr>
+          </a:solidFill>
+        </p:grpSpPr>
+        <p:sp>
+          <p:nvSpPr>
+            <p:cNvPr id="2" name="Rechteck 1"/>
+            <p:cNvSpPr/>
+            <p:nvPr/>
+          </p:nvSpPr>
+          <p:spPr>
+            <a:xfrm>
+              <a:off x="0" y="648000"/>
+              <a:ext cx="9144000" cy="4521435"/>
+            </a:xfrm>
+            <a:prstGeom prst="rect">
+              <a:avLst/>
+            </a:prstGeom>
+            <a:solidFill>
+              <a:schemeClr val="bg1">
+                <a:lumMod val="85000"/>
+                <a:alpha val="95000"/>
+              </a:schemeClr>
+            </a:solidFill>
+            <a:ln>
+              <a:noFill/>
+            </a:ln>
+          </p:spPr>
+          <p:style>
+            <a:lnRef idx="2">
+              <a:schemeClr val="accent1">
+                <a:shade val="50000"/>
+              </a:schemeClr>
+            </a:lnRef>
+            <a:fillRef idx="1">
+              <a:schemeClr val="accent1"/>
+            </a:fillRef>
+            <a:effectRef idx="0">
+              <a:schemeClr val="accent1"/>
+            </a:effectRef>
+            <a:fontRef idx="minor">
+              <a:schemeClr val="lt1"/>
+            </a:fontRef>
+          </p:style>
+          <p:txBody>
+            <a:bodyPr rtlCol="0" anchor="ctr"/>
+            <a:lstStyle/>
+            <a:p>
+              <a:pPr algn="ctr"/>
+              <a:endParaRPr lang="en-US"/>
+            </a:p>
+          </p:txBody>
+        </p:sp>
+        <p:pic>
+          <p:nvPicPr>
+            <p:cNvPr id="3075" name="Picture 3" descr="\\psf\Home\Desktop\ablaufplan.png"/>
+            <p:cNvPicPr>
+              <a:picLocks noChangeAspect="1" noChangeArrowheads="1"/>
+            </p:cNvPicPr>
+            <p:nvPr/>
+          </p:nvPicPr>
+          <p:blipFill>
+            <a:blip r:embed="rId5">
+              <a:extLst>
+                <a:ext uri="{28A0092B-C50C-407E-A947-70E740481C1C}">
+                  <a14:useLocalDpi xmlns:a14="http://schemas.microsoft.com/office/drawing/2010/main" val="0"/>
+                </a:ext>
+              </a:extLst>
+            </a:blip>
+            <a:srcRect/>
+            <a:stretch>
+              <a:fillRect/>
+            </a:stretch>
+          </p:blipFill>
+          <p:spPr bwMode="auto">
+            <a:xfrm>
+              <a:off x="2204008" y="737218"/>
+              <a:ext cx="4735983" cy="4342997"/>
+            </a:xfrm>
+            <a:prstGeom prst="rect">
+              <a:avLst/>
+            </a:prstGeom>
+            <a:solidFill>
+              <a:srgbClr val="FFFFFF"/>
+            </a:solidFill>
+            <a:ln w="25400">
+              <a:solidFill>
+                <a:schemeClr val="accent1">
+                  <a:shade val="50000"/>
+                </a:schemeClr>
+              </a:solidFill>
+            </a:ln>
+          </p:spPr>
+        </p:pic>
+      </p:grpSp>
     </p:spTree>
     <p:extLst>
       <p:ext uri="{BB962C8B-B14F-4D97-AF65-F5344CB8AC3E}">
@@ -6710,7 +6900,162 @@
   <p:timing>
     <p:tnLst>
       <p:par>
-        <p:cTn id="1" dur="indefinite" restart="never" nodeType="tmRoot"/>
+        <p:cTn id="1" dur="indefinite" restart="never" nodeType="tmRoot">
+          <p:childTnLst>
+            <p:seq concurrent="1" nextAc="seek">
+              <p:cTn id="2" restart="whenNotActive" fill="hold" evtFilter="cancelBubble" nodeType="interactiveSeq">
+                <p:stCondLst>
+                  <p:cond evt="onClick" delay="0">
+                    <p:tgtEl>
+                      <p:spTgt spid="3074"/>
+                    </p:tgtEl>
+                  </p:cond>
+                </p:stCondLst>
+                <p:endSync evt="end" delay="0">
+                  <p:rtn val="all"/>
+                </p:endSync>
+                <p:childTnLst>
+                  <p:par>
+                    <p:cTn id="3" fill="hold">
+                      <p:stCondLst>
+                        <p:cond delay="0"/>
+                      </p:stCondLst>
+                      <p:childTnLst>
+                        <p:par>
+                          <p:cTn id="4" fill="hold">
+                            <p:stCondLst>
+                              <p:cond delay="0"/>
+                            </p:stCondLst>
+                            <p:childTnLst>
+                              <p:par>
+                                <p:cTn id="5" presetID="10" presetClass="entr" presetSubtype="0" fill="hold" nodeType="clickEffect">
+                                  <p:stCondLst>
+                                    <p:cond delay="0"/>
+                                  </p:stCondLst>
+                                  <p:childTnLst>
+                                    <p:set>
+                                      <p:cBhvr>
+                                        <p:cTn id="6" dur="1" fill="hold">
+                                          <p:stCondLst>
+                                            <p:cond delay="0"/>
+                                          </p:stCondLst>
+                                        </p:cTn>
+                                        <p:tgtEl>
+                                          <p:spTgt spid="3"/>
+                                        </p:tgtEl>
+                                        <p:attrNameLst>
+                                          <p:attrName>style.visibility</p:attrName>
+                                        </p:attrNameLst>
+                                      </p:cBhvr>
+                                      <p:to>
+                                        <p:strVal val="visible"/>
+                                      </p:to>
+                                    </p:set>
+                                    <p:animEffect transition="in" filter="fade">
+                                      <p:cBhvr>
+                                        <p:cTn id="7" dur="500"/>
+                                        <p:tgtEl>
+                                          <p:spTgt spid="3"/>
+                                        </p:tgtEl>
+                                      </p:cBhvr>
+                                    </p:animEffect>
+                                  </p:childTnLst>
+                                </p:cTn>
+                              </p:par>
+                            </p:childTnLst>
+                          </p:cTn>
+                        </p:par>
+                      </p:childTnLst>
+                    </p:cTn>
+                  </p:par>
+                </p:childTnLst>
+              </p:cTn>
+              <p:nextCondLst>
+                <p:cond evt="onClick" delay="0">
+                  <p:tgtEl>
+                    <p:spTgt spid="3074"/>
+                  </p:tgtEl>
+                </p:cond>
+              </p:nextCondLst>
+            </p:seq>
+            <p:seq concurrent="1" nextAc="seek">
+              <p:cTn id="8" restart="whenNotActive" fill="hold" evtFilter="cancelBubble" nodeType="interactiveSeq">
+                <p:stCondLst>
+                  <p:cond evt="onClick" delay="0">
+                    <p:tgtEl>
+                      <p:spTgt spid="3"/>
+                    </p:tgtEl>
+                  </p:cond>
+                </p:stCondLst>
+                <p:endSync evt="end" delay="0">
+                  <p:rtn val="all"/>
+                </p:endSync>
+                <p:childTnLst>
+                  <p:par>
+                    <p:cTn id="9" fill="hold">
+                      <p:stCondLst>
+                        <p:cond delay="0"/>
+                      </p:stCondLst>
+                      <p:childTnLst>
+                        <p:par>
+                          <p:cTn id="10" fill="hold">
+                            <p:stCondLst>
+                              <p:cond delay="0"/>
+                            </p:stCondLst>
+                            <p:childTnLst>
+                              <p:par>
+                                <p:cTn id="11" presetID="10" presetClass="exit" presetSubtype="0" fill="hold" nodeType="clickEffect">
+                                  <p:stCondLst>
+                                    <p:cond delay="0"/>
+                                  </p:stCondLst>
+                                  <p:childTnLst>
+                                    <p:animEffect transition="out" filter="fade">
+                                      <p:cBhvr>
+                                        <p:cTn id="12" dur="500"/>
+                                        <p:tgtEl>
+                                          <p:spTgt spid="3"/>
+                                        </p:tgtEl>
+                                      </p:cBhvr>
+                                    </p:animEffect>
+                                    <p:set>
+                                      <p:cBhvr>
+                                        <p:cTn id="13" dur="1" fill="hold">
+                                          <p:stCondLst>
+                                            <p:cond delay="499"/>
+                                          </p:stCondLst>
+                                        </p:cTn>
+                                        <p:tgtEl>
+                                          <p:spTgt spid="3"/>
+                                        </p:tgtEl>
+                                        <p:attrNameLst>
+                                          <p:attrName>style.visibility</p:attrName>
+                                        </p:attrNameLst>
+                                      </p:cBhvr>
+                                      <p:to>
+                                        <p:strVal val="hidden"/>
+                                      </p:to>
+                                    </p:set>
+                                  </p:childTnLst>
+                                </p:cTn>
+                              </p:par>
+                            </p:childTnLst>
+                          </p:cTn>
+                        </p:par>
+                      </p:childTnLst>
+                    </p:cTn>
+                  </p:par>
+                </p:childTnLst>
+              </p:cTn>
+              <p:nextCondLst>
+                <p:cond evt="onClick" delay="0">
+                  <p:tgtEl>
+                    <p:spTgt spid="3"/>
+                  </p:tgtEl>
+                </p:cond>
+              </p:nextCondLst>
+            </p:seq>
+          </p:childTnLst>
+        </p:cTn>
       </p:par>
     </p:tnLst>
   </p:timing>
@@ -7299,7 +7644,15 @@
                   <a:srgbClr val="1C5498"/>
                 </a:solidFill>
               </a:rPr>
-              <a:t>/ 17</a:t>
+              <a:t>/ </a:t>
+            </a:r>
+            <a:r>
+              <a:rPr lang="de-DE" sz="1400" dirty="0" smtClean="0">
+                <a:solidFill>
+                  <a:srgbClr val="1C5498"/>
+                </a:solidFill>
+              </a:rPr>
+              <a:t>19</a:t>
             </a:r>
             <a:endParaRPr lang="de-DE" sz="1400" dirty="0">
               <a:solidFill>
@@ -8029,7 +8382,15 @@
                   <a:srgbClr val="1C5498"/>
                 </a:solidFill>
               </a:rPr>
-              <a:t>/ 17</a:t>
+              <a:t>/ </a:t>
+            </a:r>
+            <a:r>
+              <a:rPr lang="de-DE" sz="1400" dirty="0" smtClean="0">
+                <a:solidFill>
+                  <a:srgbClr val="1C5498"/>
+                </a:solidFill>
+              </a:rPr>
+              <a:t>19</a:t>
             </a:r>
             <a:endParaRPr lang="de-DE" sz="1400" dirty="0">
               <a:solidFill>
@@ -8680,7 +9041,7 @@
           <p:nvPr>
             <p:extLst>
               <p:ext uri="{D42A27DB-BD31-4B8C-83A1-F6EECF244321}">
-                <p14:modId xmlns:p14="http://schemas.microsoft.com/office/powerpoint/2010/main" val="1094442826"/>
+                <p14:modId xmlns:p14="http://schemas.microsoft.com/office/powerpoint/2010/main" val="2689135357"/>
               </p:ext>
             </p:extLst>
           </p:nvPr>
@@ -8973,7 +9334,7 @@
                     <a:p>
                       <a:r>
                         <a:rPr lang="de-DE" dirty="0" smtClean="0"/>
-                        <a:t>Einheitliches </a:t>
+                        <a:t>Strukturiert</a:t>
                       </a:r>
                       <a:endParaRPr lang="de-DE" dirty="0"/>
                     </a:p>
@@ -9070,7 +9431,15 @@
                   <a:srgbClr val="1C5498"/>
                 </a:solidFill>
               </a:rPr>
-              <a:t>/ 17</a:t>
+              <a:t>/ </a:t>
+            </a:r>
+            <a:r>
+              <a:rPr lang="de-DE" sz="1400" dirty="0" smtClean="0">
+                <a:solidFill>
+                  <a:srgbClr val="1C5498"/>
+                </a:solidFill>
+              </a:rPr>
+              <a:t>19</a:t>
             </a:r>
             <a:endParaRPr lang="de-DE" sz="1400" dirty="0">
               <a:solidFill>
@@ -9708,7 +10077,15 @@
                   <a:srgbClr val="1C5498"/>
                 </a:solidFill>
               </a:rPr>
-              <a:t>/ 17</a:t>
+              <a:t>/ </a:t>
+            </a:r>
+            <a:r>
+              <a:rPr lang="de-DE" sz="1400" dirty="0" smtClean="0">
+                <a:solidFill>
+                  <a:srgbClr val="1C5498"/>
+                </a:solidFill>
+              </a:rPr>
+              <a:t>19</a:t>
             </a:r>
             <a:endParaRPr lang="de-DE" sz="1400" dirty="0">
               <a:solidFill>
@@ -9764,6 +10141,187 @@
           </a:p>
         </p:txBody>
       </p:sp>
+      <p:sp>
+        <p:nvSpPr>
+          <p:cNvPr id="18" name="Ellipse 17"/>
+          <p:cNvSpPr/>
+          <p:nvPr/>
+        </p:nvSpPr>
+        <p:spPr>
+          <a:xfrm>
+            <a:off x="6655198" y="4917527"/>
+            <a:ext cx="72008" cy="72008"/>
+          </a:xfrm>
+          <a:prstGeom prst="ellipse">
+            <a:avLst/>
+          </a:prstGeom>
+          <a:noFill/>
+          <a:ln>
+            <a:solidFill>
+              <a:srgbClr val="1C5498"/>
+            </a:solidFill>
+          </a:ln>
+        </p:spPr>
+        <p:style>
+          <a:lnRef idx="2">
+            <a:schemeClr val="accent1">
+              <a:shade val="50000"/>
+            </a:schemeClr>
+          </a:lnRef>
+          <a:fillRef idx="1">
+            <a:schemeClr val="accent1"/>
+          </a:fillRef>
+          <a:effectRef idx="0">
+            <a:schemeClr val="accent1"/>
+          </a:effectRef>
+          <a:fontRef idx="minor">
+            <a:schemeClr val="lt1"/>
+          </a:fontRef>
+        </p:style>
+        <p:txBody>
+          <a:bodyPr rtlCol="0" anchor="ctr"/>
+          <a:lstStyle/>
+          <a:p>
+            <a:pPr algn="ctr"/>
+            <a:endParaRPr lang="de-DE"/>
+          </a:p>
+        </p:txBody>
+      </p:sp>
+      <p:sp>
+        <p:nvSpPr>
+          <p:cNvPr id="21" name="Ellipse 20"/>
+          <p:cNvSpPr/>
+          <p:nvPr/>
+        </p:nvSpPr>
+        <p:spPr>
+          <a:xfrm>
+            <a:off x="6498294" y="4915275"/>
+            <a:ext cx="72008" cy="72008"/>
+          </a:xfrm>
+          <a:prstGeom prst="ellipse">
+            <a:avLst/>
+          </a:prstGeom>
+          <a:noFill/>
+          <a:ln>
+            <a:solidFill>
+              <a:srgbClr val="1C5498"/>
+            </a:solidFill>
+          </a:ln>
+        </p:spPr>
+        <p:style>
+          <a:lnRef idx="2">
+            <a:schemeClr val="accent1">
+              <a:shade val="50000"/>
+            </a:schemeClr>
+          </a:lnRef>
+          <a:fillRef idx="1">
+            <a:schemeClr val="accent1"/>
+          </a:fillRef>
+          <a:effectRef idx="0">
+            <a:schemeClr val="accent1"/>
+          </a:effectRef>
+          <a:fontRef idx="minor">
+            <a:schemeClr val="lt1"/>
+          </a:fontRef>
+        </p:style>
+        <p:txBody>
+          <a:bodyPr rtlCol="0" anchor="ctr"/>
+          <a:lstStyle/>
+          <a:p>
+            <a:pPr algn="ctr"/>
+            <a:endParaRPr lang="de-DE"/>
+          </a:p>
+        </p:txBody>
+      </p:sp>
+      <p:sp>
+        <p:nvSpPr>
+          <p:cNvPr id="22" name="Ellipse 21"/>
+          <p:cNvSpPr/>
+          <p:nvPr/>
+        </p:nvSpPr>
+        <p:spPr>
+          <a:xfrm>
+            <a:off x="6336918" y="4914531"/>
+            <a:ext cx="72008" cy="72008"/>
+          </a:xfrm>
+          <a:prstGeom prst="ellipse">
+            <a:avLst/>
+          </a:prstGeom>
+          <a:solidFill>
+            <a:srgbClr val="1C5498"/>
+          </a:solidFill>
+          <a:ln>
+            <a:solidFill>
+              <a:srgbClr val="1C5498"/>
+            </a:solidFill>
+          </a:ln>
+        </p:spPr>
+        <p:style>
+          <a:lnRef idx="2">
+            <a:schemeClr val="accent1">
+              <a:shade val="50000"/>
+            </a:schemeClr>
+          </a:lnRef>
+          <a:fillRef idx="1">
+            <a:schemeClr val="accent1"/>
+          </a:fillRef>
+          <a:effectRef idx="0">
+            <a:schemeClr val="accent1"/>
+          </a:effectRef>
+          <a:fontRef idx="minor">
+            <a:schemeClr val="lt1"/>
+          </a:fontRef>
+        </p:style>
+        <p:txBody>
+          <a:bodyPr rtlCol="0" anchor="ctr"/>
+          <a:lstStyle/>
+          <a:p>
+            <a:pPr algn="ctr"/>
+            <a:endParaRPr lang="de-DE"/>
+          </a:p>
+        </p:txBody>
+      </p:sp>
+      <p:pic>
+        <p:nvPicPr>
+          <p:cNvPr id="5122" name="Picture 2" descr="\\psf\Home\Desktop\betriebliche aufwendungen.JPG"/>
+          <p:cNvPicPr>
+            <a:picLocks noChangeAspect="1" noChangeArrowheads="1"/>
+          </p:cNvPicPr>
+          <p:nvPr/>
+        </p:nvPicPr>
+        <p:blipFill>
+          <a:blip r:embed="rId4">
+            <a:extLst>
+              <a:ext uri="{28A0092B-C50C-407E-A947-70E740481C1C}">
+                <a14:useLocalDpi xmlns:a14="http://schemas.microsoft.com/office/drawing/2010/main" val="0"/>
+              </a:ext>
+            </a:extLst>
+          </a:blip>
+          <a:srcRect/>
+          <a:stretch>
+            <a:fillRect/>
+          </a:stretch>
+        </p:blipFill>
+        <p:spPr bwMode="auto">
+          <a:xfrm>
+            <a:off x="439661" y="1165823"/>
+            <a:ext cx="8264678" cy="3470602"/>
+          </a:xfrm>
+          <a:prstGeom prst="rect">
+            <a:avLst/>
+          </a:prstGeom>
+          <a:noFill/>
+          <a:extLst>
+            <a:ext uri="{909E8E84-426E-40DD-AFC4-6F175D3DCCD1}">
+              <a14:hiddenFill xmlns:a14="http://schemas.microsoft.com/office/drawing/2010/main">
+                <a:solidFill>
+                  <a:srgbClr val="FFFFFF"/>
+                </a:solidFill>
+              </a14:hiddenFill>
+            </a:ext>
+          </a:extLst>
+        </p:spPr>
+      </p:pic>
     </p:spTree>
     <p:extLst>
       <p:ext uri="{BB962C8B-B14F-4D97-AF65-F5344CB8AC3E}">
@@ -10346,7 +10904,15 @@
                   <a:srgbClr val="1C5498"/>
                 </a:solidFill>
               </a:rPr>
-              <a:t>/ 17</a:t>
+              <a:t>/ </a:t>
+            </a:r>
+            <a:r>
+              <a:rPr lang="de-DE" sz="1400" dirty="0" smtClean="0">
+                <a:solidFill>
+                  <a:srgbClr val="1C5498"/>
+                </a:solidFill>
+              </a:rPr>
+              <a:t>19</a:t>
             </a:r>
             <a:endParaRPr lang="de-DE" sz="1400" dirty="0">
               <a:solidFill>
@@ -10375,100 +10941,6 @@
           </a:solidFill>
           <a:ln>
             <a:noFill/>
-          </a:ln>
-        </p:spPr>
-        <p:style>
-          <a:lnRef idx="2">
-            <a:schemeClr val="accent1">
-              <a:shade val="50000"/>
-            </a:schemeClr>
-          </a:lnRef>
-          <a:fillRef idx="1">
-            <a:schemeClr val="accent1"/>
-          </a:fillRef>
-          <a:effectRef idx="0">
-            <a:schemeClr val="accent1"/>
-          </a:effectRef>
-          <a:fontRef idx="minor">
-            <a:schemeClr val="lt1"/>
-          </a:fontRef>
-        </p:style>
-        <p:txBody>
-          <a:bodyPr rtlCol="0" anchor="ctr"/>
-          <a:lstStyle/>
-          <a:p>
-            <a:pPr algn="ctr"/>
-            <a:endParaRPr lang="de-DE"/>
-          </a:p>
-        </p:txBody>
-      </p:sp>
-      <p:sp>
-        <p:nvSpPr>
-          <p:cNvPr id="20" name="Ellipse 19"/>
-          <p:cNvSpPr/>
-          <p:nvPr/>
-        </p:nvSpPr>
-        <p:spPr>
-          <a:xfrm>
-            <a:off x="6469890" y="4917527"/>
-            <a:ext cx="72008" cy="72008"/>
-          </a:xfrm>
-          <a:prstGeom prst="ellipse">
-            <a:avLst/>
-          </a:prstGeom>
-          <a:noFill/>
-          <a:ln>
-            <a:solidFill>
-              <a:srgbClr val="1C5498"/>
-            </a:solidFill>
-          </a:ln>
-        </p:spPr>
-        <p:style>
-          <a:lnRef idx="2">
-            <a:schemeClr val="accent1">
-              <a:shade val="50000"/>
-            </a:schemeClr>
-          </a:lnRef>
-          <a:fillRef idx="1">
-            <a:schemeClr val="accent1"/>
-          </a:fillRef>
-          <a:effectRef idx="0">
-            <a:schemeClr val="accent1"/>
-          </a:effectRef>
-          <a:fontRef idx="minor">
-            <a:schemeClr val="lt1"/>
-          </a:fontRef>
-        </p:style>
-        <p:txBody>
-          <a:bodyPr rtlCol="0" anchor="ctr"/>
-          <a:lstStyle/>
-          <a:p>
-            <a:pPr algn="ctr"/>
-            <a:endParaRPr lang="de-DE"/>
-          </a:p>
-        </p:txBody>
-      </p:sp>
-      <p:sp>
-        <p:nvSpPr>
-          <p:cNvPr id="21" name="Ellipse 20"/>
-          <p:cNvSpPr/>
-          <p:nvPr/>
-        </p:nvSpPr>
-        <p:spPr>
-          <a:xfrm>
-            <a:off x="6312986" y="4915275"/>
-            <a:ext cx="72008" cy="72008"/>
-          </a:xfrm>
-          <a:prstGeom prst="ellipse">
-            <a:avLst/>
-          </a:prstGeom>
-          <a:solidFill>
-            <a:srgbClr val="1C5498"/>
-          </a:solidFill>
-          <a:ln>
-            <a:solidFill>
-              <a:srgbClr val="1C5498"/>
-            </a:solidFill>
           </a:ln>
         </p:spPr>
         <p:style>
@@ -10581,7 +11053,7 @@
           </a:xfrm>
           <a:prstGeom prst="roundRect">
             <a:avLst>
-              <a:gd name="adj" fmla="val 3458"/>
+              <a:gd name="adj" fmla="val 2683"/>
             </a:avLst>
           </a:prstGeom>
           <a:gradFill>
@@ -10706,8 +11178,8 @@
         </p:nvCxnSpPr>
         <p:spPr>
           <a:xfrm>
-            <a:off x="233772" y="2472269"/>
-            <a:ext cx="2051061" cy="0"/>
+            <a:off x="248402" y="2472269"/>
+            <a:ext cx="2016000" cy="0"/>
           </a:xfrm>
           <a:prstGeom prst="line">
             <a:avLst/>
@@ -11544,8 +12016,8 @@
         </p:nvCxnSpPr>
         <p:spPr>
           <a:xfrm flipV="1">
-            <a:off x="2410336" y="2466811"/>
-            <a:ext cx="6496597" cy="1"/>
+            <a:off x="2417651" y="2474126"/>
+            <a:ext cx="6480000" cy="1"/>
           </a:xfrm>
           <a:prstGeom prst="line">
             <a:avLst/>
@@ -11631,6 +12103,146 @@
           </a:fontRef>
         </p:style>
       </p:cxnSp>
+      <p:sp>
+        <p:nvSpPr>
+          <p:cNvPr id="50" name="Ellipse 49"/>
+          <p:cNvSpPr/>
+          <p:nvPr/>
+        </p:nvSpPr>
+        <p:spPr>
+          <a:xfrm>
+            <a:off x="6655198" y="4917527"/>
+            <a:ext cx="72008" cy="72008"/>
+          </a:xfrm>
+          <a:prstGeom prst="ellipse">
+            <a:avLst/>
+          </a:prstGeom>
+          <a:noFill/>
+          <a:ln>
+            <a:solidFill>
+              <a:srgbClr val="1C5498"/>
+            </a:solidFill>
+          </a:ln>
+        </p:spPr>
+        <p:style>
+          <a:lnRef idx="2">
+            <a:schemeClr val="accent1">
+              <a:shade val="50000"/>
+            </a:schemeClr>
+          </a:lnRef>
+          <a:fillRef idx="1">
+            <a:schemeClr val="accent1"/>
+          </a:fillRef>
+          <a:effectRef idx="0">
+            <a:schemeClr val="accent1"/>
+          </a:effectRef>
+          <a:fontRef idx="minor">
+            <a:schemeClr val="lt1"/>
+          </a:fontRef>
+        </p:style>
+        <p:txBody>
+          <a:bodyPr rtlCol="0" anchor="ctr"/>
+          <a:lstStyle/>
+          <a:p>
+            <a:pPr algn="ctr"/>
+            <a:endParaRPr lang="de-DE"/>
+          </a:p>
+        </p:txBody>
+      </p:sp>
+      <p:sp>
+        <p:nvSpPr>
+          <p:cNvPr id="51" name="Ellipse 50"/>
+          <p:cNvSpPr/>
+          <p:nvPr/>
+        </p:nvSpPr>
+        <p:spPr>
+          <a:xfrm>
+            <a:off x="6498294" y="4915275"/>
+            <a:ext cx="72008" cy="72008"/>
+          </a:xfrm>
+          <a:prstGeom prst="ellipse">
+            <a:avLst/>
+          </a:prstGeom>
+          <a:solidFill>
+            <a:srgbClr val="1C5498"/>
+          </a:solidFill>
+          <a:ln>
+            <a:solidFill>
+              <a:srgbClr val="1C5498"/>
+            </a:solidFill>
+          </a:ln>
+        </p:spPr>
+        <p:style>
+          <a:lnRef idx="2">
+            <a:schemeClr val="accent1">
+              <a:shade val="50000"/>
+            </a:schemeClr>
+          </a:lnRef>
+          <a:fillRef idx="1">
+            <a:schemeClr val="accent1"/>
+          </a:fillRef>
+          <a:effectRef idx="0">
+            <a:schemeClr val="accent1"/>
+          </a:effectRef>
+          <a:fontRef idx="minor">
+            <a:schemeClr val="lt1"/>
+          </a:fontRef>
+        </p:style>
+        <p:txBody>
+          <a:bodyPr rtlCol="0" anchor="ctr"/>
+          <a:lstStyle/>
+          <a:p>
+            <a:pPr algn="ctr"/>
+            <a:endParaRPr lang="de-DE"/>
+          </a:p>
+        </p:txBody>
+      </p:sp>
+      <p:sp>
+        <p:nvSpPr>
+          <p:cNvPr id="53" name="Ellipse 52"/>
+          <p:cNvSpPr/>
+          <p:nvPr/>
+        </p:nvSpPr>
+        <p:spPr>
+          <a:xfrm>
+            <a:off x="6336918" y="4914531"/>
+            <a:ext cx="72008" cy="72008"/>
+          </a:xfrm>
+          <a:prstGeom prst="ellipse">
+            <a:avLst/>
+          </a:prstGeom>
+          <a:noFill/>
+          <a:ln>
+            <a:solidFill>
+              <a:srgbClr val="1C5498"/>
+            </a:solidFill>
+          </a:ln>
+        </p:spPr>
+        <p:style>
+          <a:lnRef idx="2">
+            <a:schemeClr val="accent1">
+              <a:shade val="50000"/>
+            </a:schemeClr>
+          </a:lnRef>
+          <a:fillRef idx="1">
+            <a:schemeClr val="accent1"/>
+          </a:fillRef>
+          <a:effectRef idx="0">
+            <a:schemeClr val="accent1"/>
+          </a:effectRef>
+          <a:fontRef idx="minor">
+            <a:schemeClr val="lt1"/>
+          </a:fontRef>
+        </p:style>
+        <p:txBody>
+          <a:bodyPr rtlCol="0" anchor="ctr"/>
+          <a:lstStyle/>
+          <a:p>
+            <a:pPr algn="ctr"/>
+            <a:endParaRPr lang="de-DE"/>
+          </a:p>
+        </p:txBody>
+      </p:sp>
     </p:spTree>
     <p:extLst>
       <p:ext uri="{BB962C8B-B14F-4D97-AF65-F5344CB8AC3E}">
@@ -12137,7 +12749,7 @@
         <p:spPr>
           <a:xfrm>
             <a:off x="219844" y="642603"/>
-            <a:ext cx="4384534" cy="523220"/>
+            <a:ext cx="3603872" cy="523220"/>
           </a:xfrm>
           <a:prstGeom prst="rect">
             <a:avLst/>
@@ -12157,34 +12769,7 @@
                 </a:solidFill>
                 <a:latin typeface="Helvetica" pitchFamily="34" charset="0"/>
               </a:rPr>
-              <a:t>Return on </a:t>
-            </a:r>
-            <a:r>
-              <a:rPr lang="de-DE" sz="2800" dirty="0" err="1" smtClean="0">
-                <a:solidFill>
-                  <a:srgbClr val="1C5498"/>
-                </a:solidFill>
-                <a:latin typeface="Helvetica" pitchFamily="34" charset="0"/>
-              </a:rPr>
-              <a:t>investment</a:t>
-            </a:r>
-            <a:r>
-              <a:rPr lang="de-DE" sz="2800" dirty="0" smtClean="0">
-                <a:solidFill>
-                  <a:srgbClr val="1C5498"/>
-                </a:solidFill>
-                <a:latin typeface="Helvetica" pitchFamily="34" charset="0"/>
-              </a:rPr>
-              <a:t> </a:t>
-            </a:r>
-            <a:r>
-              <a:rPr lang="de-DE" sz="2800" dirty="0" err="1" smtClean="0">
-                <a:solidFill>
-                  <a:srgbClr val="1C5498"/>
-                </a:solidFill>
-                <a:latin typeface="Helvetica" pitchFamily="34" charset="0"/>
-              </a:rPr>
-              <a:t>blah</a:t>
+              <a:t>Return on Investment</a:t>
             </a:r>
             <a:endParaRPr lang="de-DE" sz="2800" dirty="0">
               <a:solidFill>
@@ -12224,7 +12809,7 @@
                   <a:srgbClr val="1C5498"/>
                 </a:solidFill>
               </a:rPr>
-              <a:t>15</a:t>
+              <a:t>16</a:t>
             </a:r>
             <a:r>
               <a:rPr lang="de-DE" dirty="0" smtClean="0">
@@ -12240,7 +12825,15 @@
                   <a:srgbClr val="1C5498"/>
                 </a:solidFill>
               </a:rPr>
-              <a:t>/ 17</a:t>
+              <a:t>/ </a:t>
+            </a:r>
+            <a:r>
+              <a:rPr lang="de-DE" sz="1400" dirty="0" smtClean="0">
+                <a:solidFill>
+                  <a:srgbClr val="1C5498"/>
+                </a:solidFill>
+              </a:rPr>
+              <a:t>19</a:t>
             </a:r>
             <a:endParaRPr lang="de-DE" sz="1400" dirty="0">
               <a:solidFill>
@@ -12298,19 +12891,21 @@
       </p:sp>
       <p:sp>
         <p:nvSpPr>
-          <p:cNvPr id="20" name="Ellipse 19"/>
+          <p:cNvPr id="22" name="Ellipse 21"/>
           <p:cNvSpPr/>
           <p:nvPr/>
         </p:nvSpPr>
         <p:spPr>
           <a:xfrm>
-            <a:off x="6469890" y="4917527"/>
+            <a:off x="6655198" y="4917527"/>
             <a:ext cx="72008" cy="72008"/>
           </a:xfrm>
           <a:prstGeom prst="ellipse">
             <a:avLst/>
           </a:prstGeom>
-          <a:noFill/>
+          <a:solidFill>
+            <a:srgbClr val="1C5498"/>
+          </a:solidFill>
           <a:ln>
             <a:solidFill>
               <a:srgbClr val="1C5498"/>
@@ -12344,21 +12939,65 @@
       </p:sp>
       <p:sp>
         <p:nvSpPr>
-          <p:cNvPr id="21" name="Ellipse 20"/>
+          <p:cNvPr id="23" name="Ellipse 22"/>
           <p:cNvSpPr/>
           <p:nvPr/>
         </p:nvSpPr>
         <p:spPr>
           <a:xfrm>
-            <a:off x="6312986" y="4915275"/>
+            <a:off x="6498294" y="4915275"/>
             <a:ext cx="72008" cy="72008"/>
           </a:xfrm>
           <a:prstGeom prst="ellipse">
             <a:avLst/>
           </a:prstGeom>
-          <a:solidFill>
-            <a:srgbClr val="1C5498"/>
-          </a:solidFill>
+          <a:noFill/>
+          <a:ln>
+            <a:solidFill>
+              <a:srgbClr val="1C5498"/>
+            </a:solidFill>
+          </a:ln>
+        </p:spPr>
+        <p:style>
+          <a:lnRef idx="2">
+            <a:schemeClr val="accent1">
+              <a:shade val="50000"/>
+            </a:schemeClr>
+          </a:lnRef>
+          <a:fillRef idx="1">
+            <a:schemeClr val="accent1"/>
+          </a:fillRef>
+          <a:effectRef idx="0">
+            <a:schemeClr val="accent1"/>
+          </a:effectRef>
+          <a:fontRef idx="minor">
+            <a:schemeClr val="lt1"/>
+          </a:fontRef>
+        </p:style>
+        <p:txBody>
+          <a:bodyPr rtlCol="0" anchor="ctr"/>
+          <a:lstStyle/>
+          <a:p>
+            <a:pPr algn="ctr"/>
+            <a:endParaRPr lang="de-DE"/>
+          </a:p>
+        </p:txBody>
+      </p:sp>
+      <p:sp>
+        <p:nvSpPr>
+          <p:cNvPr id="24" name="Ellipse 23"/>
+          <p:cNvSpPr/>
+          <p:nvPr/>
+        </p:nvSpPr>
+        <p:spPr>
+          <a:xfrm>
+            <a:off x="6336918" y="4914531"/>
+            <a:ext cx="72008" cy="72008"/>
+          </a:xfrm>
+          <a:prstGeom prst="ellipse">
+            <a:avLst/>
+          </a:prstGeom>
+          <a:noFill/>
           <a:ln>
             <a:solidFill>
               <a:srgbClr val="1C5498"/>
@@ -12956,7 +13595,7 @@
                   <a:srgbClr val="1C5498"/>
                 </a:solidFill>
               </a:rPr>
-              <a:t>15</a:t>
+              <a:t>17</a:t>
             </a:r>
             <a:r>
               <a:rPr lang="de-DE" dirty="0" smtClean="0">
@@ -12972,7 +13611,15 @@
                   <a:srgbClr val="1C5498"/>
                 </a:solidFill>
               </a:rPr>
-              <a:t>/ 17</a:t>
+              <a:t>/ </a:t>
+            </a:r>
+            <a:r>
+              <a:rPr lang="de-DE" sz="1400" dirty="0" smtClean="0">
+                <a:solidFill>
+                  <a:srgbClr val="1C5498"/>
+                </a:solidFill>
+              </a:rPr>
+              <a:t>19</a:t>
             </a:r>
             <a:endParaRPr lang="de-DE" sz="1400" dirty="0">
               <a:solidFill>
@@ -13119,6 +13766,112 @@
           <a:p>
             <a:pPr algn="ctr"/>
             <a:endParaRPr lang="de-DE"/>
+          </a:p>
+        </p:txBody>
+      </p:sp>
+      <p:pic>
+        <p:nvPicPr>
+          <p:cNvPr id="1026" name="Picture 2" descr="\\psf\Home\Desktop\lemobile.png"/>
+          <p:cNvPicPr>
+            <a:picLocks noChangeAspect="1" noChangeArrowheads="1"/>
+          </p:cNvPicPr>
+          <p:nvPr/>
+        </p:nvPicPr>
+        <p:blipFill>
+          <a:blip r:embed="rId4">
+            <a:extLst>
+              <a:ext uri="{28A0092B-C50C-407E-A947-70E740481C1C}">
+                <a14:useLocalDpi xmlns:a14="http://schemas.microsoft.com/office/drawing/2010/main" val="0"/>
+              </a:ext>
+            </a:extLst>
+          </a:blip>
+          <a:srcRect/>
+          <a:stretch>
+            <a:fillRect/>
+          </a:stretch>
+        </p:blipFill>
+        <p:spPr bwMode="auto">
+          <a:xfrm>
+            <a:off x="467544" y="1510498"/>
+            <a:ext cx="2107494" cy="1057135"/>
+          </a:xfrm>
+          <a:prstGeom prst="rect">
+            <a:avLst/>
+          </a:prstGeom>
+          <a:noFill/>
+          <a:ln w="25400">
+            <a:solidFill>
+              <a:schemeClr val="accent1"/>
+            </a:solidFill>
+          </a:ln>
+          <a:extLst>
+            <a:ext uri="{909E8E84-426E-40DD-AFC4-6F175D3DCCD1}">
+              <a14:hiddenFill xmlns:a14="http://schemas.microsoft.com/office/drawing/2010/main">
+                <a:solidFill>
+                  <a:srgbClr val="FFFFFF"/>
+                </a:solidFill>
+              </a14:hiddenFill>
+            </a:ext>
+          </a:extLst>
+        </p:spPr>
+      </p:pic>
+      <p:sp>
+        <p:nvSpPr>
+          <p:cNvPr id="2" name="Textfeld 1"/>
+          <p:cNvSpPr txBox="1"/>
+          <p:nvPr/>
+        </p:nvSpPr>
+        <p:spPr>
+          <a:xfrm>
+            <a:off x="2675484" y="1470519"/>
+            <a:ext cx="3235197" cy="1107996"/>
+          </a:xfrm>
+          <a:prstGeom prst="rect">
+            <a:avLst/>
+          </a:prstGeom>
+          <a:noFill/>
+        </p:spPr>
+        <p:txBody>
+          <a:bodyPr wrap="square" rtlCol="0">
+            <a:spAutoFit/>
+          </a:bodyPr>
+          <a:lstStyle/>
+          <a:p>
+            <a:r>
+              <a:rPr lang="en-US" b="1" dirty="0" smtClean="0"/>
+              <a:t>LeCoop 2.0 Mobile</a:t>
+            </a:r>
+            <a:endParaRPr lang="en-US" dirty="0" smtClean="0"/>
+          </a:p>
+          <a:p>
+            <a:endParaRPr lang="en-US" sz="1200" dirty="0"/>
+          </a:p>
+          <a:p>
+            <a:r>
+              <a:rPr lang="en-US" dirty="0" smtClean="0"/>
+              <a:t>Apple </a:t>
+            </a:r>
+            <a:r>
+              <a:rPr lang="en-US" dirty="0" err="1" smtClean="0"/>
+              <a:t>iOS</a:t>
+            </a:r>
+            <a:r>
+              <a:rPr lang="en-US" dirty="0" smtClean="0"/>
+              <a:t> und Android App </a:t>
+            </a:r>
+            <a:r>
+              <a:rPr lang="en-US" dirty="0" err="1" smtClean="0"/>
+              <a:t>mit</a:t>
+            </a:r>
+            <a:r>
+              <a:rPr lang="en-US" dirty="0" smtClean="0"/>
+              <a:t> Push-</a:t>
+            </a:r>
+            <a:r>
+              <a:rPr lang="en-US" dirty="0" err="1" smtClean="0"/>
+              <a:t>Notifikationen</a:t>
+            </a:r>
+            <a:endParaRPr lang="en-US" dirty="0" smtClean="0"/>
           </a:p>
         </p:txBody>
       </p:sp>
@@ -13688,7 +14441,7 @@
                   <a:srgbClr val="1C5498"/>
                 </a:solidFill>
               </a:rPr>
-              <a:t>16</a:t>
+              <a:t>18</a:t>
             </a:r>
             <a:r>
               <a:rPr lang="de-DE" dirty="0" smtClean="0">
@@ -13704,7 +14457,15 @@
                   <a:srgbClr val="1C5498"/>
                 </a:solidFill>
               </a:rPr>
-              <a:t>/ 17</a:t>
+              <a:t>/ </a:t>
+            </a:r>
+            <a:r>
+              <a:rPr lang="de-DE" sz="1400" dirty="0" smtClean="0">
+                <a:solidFill>
+                  <a:srgbClr val="1C5498"/>
+                </a:solidFill>
+              </a:rPr>
+              <a:t>19</a:t>
             </a:r>
             <a:endParaRPr lang="de-DE" sz="1400" dirty="0">
               <a:solidFill>
@@ -13854,6 +14615,47 @@
           </a:p>
         </p:txBody>
       </p:sp>
+      <p:pic>
+        <p:nvPicPr>
+          <p:cNvPr id="2051" name="Picture 3" descr="\\psf\Home\Desktop\Unbenannt.png"/>
+          <p:cNvPicPr>
+            <a:picLocks noChangeAspect="1" noChangeArrowheads="1"/>
+          </p:cNvPicPr>
+          <p:nvPr/>
+        </p:nvPicPr>
+        <p:blipFill>
+          <a:blip r:embed="rId4">
+            <a:extLst>
+              <a:ext uri="{28A0092B-C50C-407E-A947-70E740481C1C}">
+                <a14:useLocalDpi xmlns:a14="http://schemas.microsoft.com/office/drawing/2010/main" val="0"/>
+              </a:ext>
+            </a:extLst>
+          </a:blip>
+          <a:srcRect/>
+          <a:stretch>
+            <a:fillRect/>
+          </a:stretch>
+        </p:blipFill>
+        <p:spPr bwMode="auto">
+          <a:xfrm>
+            <a:off x="1847535" y="1116187"/>
+            <a:ext cx="5448929" cy="3378945"/>
+          </a:xfrm>
+          <a:prstGeom prst="rect">
+            <a:avLst/>
+          </a:prstGeom>
+          <a:noFill/>
+          <a:extLst>
+            <a:ext uri="{909E8E84-426E-40DD-AFC4-6F175D3DCCD1}">
+              <a14:hiddenFill xmlns:a14="http://schemas.microsoft.com/office/drawing/2010/main">
+                <a:solidFill>
+                  <a:srgbClr val="FFFFFF"/>
+                </a:solidFill>
+              </a14:hiddenFill>
+            </a:ext>
+          </a:extLst>
+        </p:spPr>
+      </p:pic>
     </p:spTree>
     <p:extLst>
       <p:ext uri="{BB962C8B-B14F-4D97-AF65-F5344CB8AC3E}">
@@ -14350,107 +15152,6 @@
           </a:p>
         </p:txBody>
       </p:sp>
-      <p:sp>
-        <p:nvSpPr>
-          <p:cNvPr id="18" name="Textfeld 17"/>
-          <p:cNvSpPr txBox="1"/>
-          <p:nvPr/>
-        </p:nvSpPr>
-        <p:spPr>
-          <a:xfrm>
-            <a:off x="8329083" y="4763928"/>
-            <a:ext cx="814917" cy="400110"/>
-          </a:xfrm>
-          <a:prstGeom prst="rect">
-            <a:avLst/>
-          </a:prstGeom>
-          <a:noFill/>
-        </p:spPr>
-        <p:txBody>
-          <a:bodyPr wrap="square" rtlCol="0">
-            <a:spAutoFit/>
-          </a:bodyPr>
-          <a:lstStyle/>
-          <a:p>
-            <a:pPr algn="r"/>
-            <a:r>
-              <a:rPr lang="de-DE" sz="2000" b="1" dirty="0" smtClean="0">
-                <a:solidFill>
-                  <a:srgbClr val="1C5498"/>
-                </a:solidFill>
-              </a:rPr>
-              <a:t>17</a:t>
-            </a:r>
-            <a:r>
-              <a:rPr lang="de-DE" dirty="0" smtClean="0">
-                <a:solidFill>
-                  <a:srgbClr val="1C5498"/>
-                </a:solidFill>
-              </a:rPr>
-              <a:t> </a:t>
-            </a:r>
-            <a:r>
-              <a:rPr lang="de-DE" sz="1400" dirty="0" smtClean="0">
-                <a:solidFill>
-                  <a:srgbClr val="1C5498"/>
-                </a:solidFill>
-              </a:rPr>
-              <a:t>/ 17</a:t>
-            </a:r>
-            <a:endParaRPr lang="de-DE" sz="1400" dirty="0">
-              <a:solidFill>
-                <a:srgbClr val="1C5498"/>
-              </a:solidFill>
-            </a:endParaRPr>
-          </a:p>
-        </p:txBody>
-      </p:sp>
-      <p:sp>
-        <p:nvSpPr>
-          <p:cNvPr id="19" name="Rechteck 18"/>
-          <p:cNvSpPr/>
-          <p:nvPr/>
-        </p:nvSpPr>
-        <p:spPr>
-          <a:xfrm>
-            <a:off x="8344356" y="4804030"/>
-            <a:ext cx="18000" cy="288000"/>
-          </a:xfrm>
-          <a:prstGeom prst="rect">
-            <a:avLst/>
-          </a:prstGeom>
-          <a:solidFill>
-            <a:srgbClr val="FF0000"/>
-          </a:solidFill>
-          <a:ln>
-            <a:noFill/>
-          </a:ln>
-        </p:spPr>
-        <p:style>
-          <a:lnRef idx="2">
-            <a:schemeClr val="accent1">
-              <a:shade val="50000"/>
-            </a:schemeClr>
-          </a:lnRef>
-          <a:fillRef idx="1">
-            <a:schemeClr val="accent1"/>
-          </a:fillRef>
-          <a:effectRef idx="0">
-            <a:schemeClr val="accent1"/>
-          </a:effectRef>
-          <a:fontRef idx="minor">
-            <a:schemeClr val="lt1"/>
-          </a:fontRef>
-        </p:style>
-        <p:txBody>
-          <a:bodyPr rtlCol="0" anchor="ctr"/>
-          <a:lstStyle/>
-          <a:p>
-            <a:pPr algn="ctr"/>
-            <a:endParaRPr lang="de-DE"/>
-          </a:p>
-        </p:txBody>
-      </p:sp>
     </p:spTree>
     <p:extLst>
       <p:ext uri="{BB962C8B-B14F-4D97-AF65-F5344CB8AC3E}">
@@ -15252,11 +15953,7 @@
             </a:pPr>
             <a:r>
               <a:rPr lang="de-DE" u="dotted" dirty="0" smtClean="0"/>
-              <a:t>Geschäftsmodell</a:t>
-            </a:r>
-            <a:r>
-              <a:rPr lang="de-DE" u="dotted" dirty="0" smtClean="0"/>
-              <a:t>						14</a:t>
+              <a:t>Geschäftsmodell						14</a:t>
             </a:r>
           </a:p>
           <a:p>
@@ -15816,7 +16513,15 @@
                   <a:srgbClr val="1C5498"/>
                 </a:solidFill>
               </a:rPr>
-              <a:t>/ 17</a:t>
+              <a:t>/ </a:t>
+            </a:r>
+            <a:r>
+              <a:rPr lang="de-DE" sz="1400" dirty="0" smtClean="0">
+                <a:solidFill>
+                  <a:srgbClr val="1C5498"/>
+                </a:solidFill>
+              </a:rPr>
+              <a:t>19</a:t>
             </a:r>
             <a:endParaRPr lang="de-DE" sz="1400" dirty="0">
               <a:solidFill>
@@ -18113,7 +18818,15 @@
                   <a:srgbClr val="1C5498"/>
                 </a:solidFill>
               </a:rPr>
-              <a:t>/ 17</a:t>
+              <a:t>/ </a:t>
+            </a:r>
+            <a:r>
+              <a:rPr lang="de-DE" sz="1400" dirty="0" smtClean="0">
+                <a:solidFill>
+                  <a:srgbClr val="1C5498"/>
+                </a:solidFill>
+              </a:rPr>
+              <a:t>19</a:t>
             </a:r>
             <a:endParaRPr lang="de-DE" sz="1400" dirty="0">
               <a:solidFill>
@@ -18988,46 +19701,6 @@
       </p:pic>
       <p:sp>
         <p:nvSpPr>
-          <p:cNvPr id="21" name="Rechteck 20"/>
-          <p:cNvSpPr/>
-          <p:nvPr/>
-        </p:nvSpPr>
-        <p:spPr>
-          <a:xfrm>
-            <a:off x="5238328" y="2798478"/>
-            <a:ext cx="3456384" cy="1362811"/>
-          </a:xfrm>
-          <a:prstGeom prst="rect">
-            <a:avLst/>
-          </a:prstGeom>
-        </p:spPr>
-        <p:style>
-          <a:lnRef idx="2">
-            <a:schemeClr val="accent1">
-              <a:shade val="50000"/>
-            </a:schemeClr>
-          </a:lnRef>
-          <a:fillRef idx="1">
-            <a:schemeClr val="accent1"/>
-          </a:fillRef>
-          <a:effectRef idx="0">
-            <a:schemeClr val="accent1"/>
-          </a:effectRef>
-          <a:fontRef idx="minor">
-            <a:schemeClr val="lt1"/>
-          </a:fontRef>
-        </p:style>
-        <p:txBody>
-          <a:bodyPr rtlCol="0" anchor="ctr"/>
-          <a:lstStyle/>
-          <a:p>
-            <a:pPr algn="ctr"/>
-            <a:endParaRPr lang="de-DE"/>
-          </a:p>
-        </p:txBody>
-      </p:sp>
-      <p:sp>
-        <p:nvSpPr>
           <p:cNvPr id="18" name="Textfeld 17"/>
           <p:cNvSpPr txBox="1"/>
           <p:nvPr/>
@@ -19144,40 +19817,6 @@
                   <a:lumMod val="50000"/>
                 </a:schemeClr>
               </a:solidFill>
-            </a:endParaRPr>
-          </a:p>
-        </p:txBody>
-      </p:sp>
-      <p:sp>
-        <p:nvSpPr>
-          <p:cNvPr id="24" name="Textfeld 23"/>
-          <p:cNvSpPr txBox="1"/>
-          <p:nvPr/>
-        </p:nvSpPr>
-        <p:spPr>
-          <a:xfrm>
-            <a:off x="5228301" y="4170191"/>
-            <a:ext cx="2448272" cy="276999"/>
-          </a:xfrm>
-          <a:prstGeom prst="rect">
-            <a:avLst/>
-          </a:prstGeom>
-          <a:noFill/>
-        </p:spPr>
-        <p:txBody>
-          <a:bodyPr wrap="square" rtlCol="0">
-            <a:spAutoFit/>
-          </a:bodyPr>
-          <a:lstStyle/>
-          <a:p>
-            <a:r>
-              <a:rPr lang="de-DE" sz="1200" dirty="0" smtClean="0">
-                <a:latin typeface="Helvetica" pitchFamily="34" charset="0"/>
-              </a:rPr>
-              <a:t>Video: Momentane Lernsituation</a:t>
-            </a:r>
-            <a:endParaRPr lang="de-DE" sz="1200" baseline="30000" dirty="0">
-              <a:latin typeface="Helvetica" pitchFamily="34" charset="0"/>
             </a:endParaRPr>
           </a:p>
         </p:txBody>
@@ -19432,41 +20071,6 @@
           </a:fontRef>
         </p:style>
       </p:cxnSp>
-      <p:cxnSp>
-        <p:nvCxnSpPr>
-          <p:cNvPr id="34" name="Gerade Verbindung 33"/>
-          <p:cNvCxnSpPr/>
-          <p:nvPr/>
-        </p:nvCxnSpPr>
-        <p:spPr>
-          <a:xfrm flipH="1">
-            <a:off x="5240171" y="4203796"/>
-            <a:ext cx="0" cy="216000"/>
-          </a:xfrm>
-          <a:prstGeom prst="line">
-            <a:avLst/>
-          </a:prstGeom>
-          <a:ln w="25400">
-            <a:solidFill>
-              <a:srgbClr val="FF0000"/>
-            </a:solidFill>
-          </a:ln>
-        </p:spPr>
-        <p:style>
-          <a:lnRef idx="1">
-            <a:schemeClr val="accent1"/>
-          </a:lnRef>
-          <a:fillRef idx="0">
-            <a:schemeClr val="accent1"/>
-          </a:fillRef>
-          <a:effectRef idx="0">
-            <a:schemeClr val="accent1"/>
-          </a:effectRef>
-          <a:fontRef idx="minor">
-            <a:schemeClr val="tx1"/>
-          </a:fontRef>
-        </p:style>
-      </p:cxnSp>
       <p:sp>
         <p:nvSpPr>
           <p:cNvPr id="35" name="Textfeld 34"/>
@@ -19504,7 +20108,15 @@
                   <a:srgbClr val="1C5498"/>
                 </a:solidFill>
               </a:rPr>
-              <a:t>/ 17</a:t>
+              <a:t>/ </a:t>
+            </a:r>
+            <a:r>
+              <a:rPr lang="de-DE" sz="1400" dirty="0" smtClean="0">
+                <a:solidFill>
+                  <a:srgbClr val="1C5498"/>
+                </a:solidFill>
+              </a:rPr>
+              <a:t>19</a:t>
             </a:r>
             <a:endParaRPr lang="de-DE" sz="1400" dirty="0">
               <a:solidFill>
@@ -19700,6 +20312,111 @@
           </a:p>
         </p:txBody>
       </p:sp>
+      <p:grpSp>
+        <p:nvGrpSpPr>
+          <p:cNvPr id="2" name="Gruppieren 1"/>
+          <p:cNvGrpSpPr/>
+          <p:nvPr/>
+        </p:nvGrpSpPr>
+        <p:grpSpPr>
+          <a:xfrm>
+            <a:off x="0" y="648000"/>
+            <a:ext cx="9144000" cy="4508832"/>
+            <a:chOff x="0" y="642603"/>
+            <a:chExt cx="9144000" cy="4508832"/>
+          </a:xfrm>
+        </p:grpSpPr>
+        <p:sp>
+          <p:nvSpPr>
+            <p:cNvPr id="33" name="Rechteck 32"/>
+            <p:cNvSpPr/>
+            <p:nvPr/>
+          </p:nvSpPr>
+          <p:spPr>
+            <a:xfrm>
+              <a:off x="0" y="642603"/>
+              <a:ext cx="9144000" cy="4508832"/>
+            </a:xfrm>
+            <a:prstGeom prst="rect">
+              <a:avLst/>
+            </a:prstGeom>
+            <a:solidFill>
+              <a:schemeClr val="bg1">
+                <a:lumMod val="85000"/>
+                <a:alpha val="95000"/>
+              </a:schemeClr>
+            </a:solidFill>
+            <a:ln>
+              <a:noFill/>
+            </a:ln>
+          </p:spPr>
+          <p:style>
+            <a:lnRef idx="2">
+              <a:schemeClr val="accent1">
+                <a:shade val="50000"/>
+              </a:schemeClr>
+            </a:lnRef>
+            <a:fillRef idx="1">
+              <a:schemeClr val="accent1"/>
+            </a:fillRef>
+            <a:effectRef idx="0">
+              <a:schemeClr val="accent1"/>
+            </a:effectRef>
+            <a:fontRef idx="minor">
+              <a:schemeClr val="lt1"/>
+            </a:fontRef>
+          </p:style>
+          <p:txBody>
+            <a:bodyPr rtlCol="0" anchor="ctr"/>
+            <a:lstStyle/>
+            <a:p>
+              <a:pPr algn="ctr"/>
+              <a:endParaRPr lang="en-US"/>
+            </a:p>
+          </p:txBody>
+        </p:sp>
+        <p:pic>
+          <p:nvPicPr>
+            <p:cNvPr id="4098" name="Picture 2" descr="\\psf\Home\Desktop\lernumwelt.png"/>
+            <p:cNvPicPr>
+              <a:picLocks noChangeAspect="1" noChangeArrowheads="1"/>
+            </p:cNvPicPr>
+            <p:nvPr/>
+          </p:nvPicPr>
+          <p:blipFill>
+            <a:blip r:embed="rId9">
+              <a:extLst>
+                <a:ext uri="{28A0092B-C50C-407E-A947-70E740481C1C}">
+                  <a14:useLocalDpi xmlns:a14="http://schemas.microsoft.com/office/drawing/2010/main" val="0"/>
+                </a:ext>
+              </a:extLst>
+            </a:blip>
+            <a:srcRect/>
+            <a:stretch>
+              <a:fillRect/>
+            </a:stretch>
+          </p:blipFill>
+          <p:spPr bwMode="auto">
+            <a:xfrm>
+              <a:off x="2442835" y="752350"/>
+              <a:ext cx="4258330" cy="4258329"/>
+            </a:xfrm>
+            <a:prstGeom prst="rect">
+              <a:avLst/>
+            </a:prstGeom>
+            <a:solidFill>
+              <a:srgbClr val="FFFFFF"/>
+            </a:solidFill>
+            <a:ln w="25400">
+              <a:solidFill>
+                <a:schemeClr val="accent1">
+                  <a:shade val="50000"/>
+                </a:schemeClr>
+              </a:solidFill>
+            </a:ln>
+          </p:spPr>
+        </p:pic>
+      </p:grpSp>
     </p:spTree>
     <p:extLst>
       <p:ext uri="{BB962C8B-B14F-4D97-AF65-F5344CB8AC3E}">
@@ -19713,7 +20430,162 @@
   <p:timing>
     <p:tnLst>
       <p:par>
-        <p:cTn id="1" dur="indefinite" restart="never" nodeType="tmRoot"/>
+        <p:cTn id="1" dur="indefinite" restart="never" nodeType="tmRoot">
+          <p:childTnLst>
+            <p:seq concurrent="1" nextAc="seek">
+              <p:cTn id="2" restart="whenNotActive" fill="hold" evtFilter="cancelBubble" nodeType="interactiveSeq">
+                <p:stCondLst>
+                  <p:cond evt="onClick" delay="0">
+                    <p:tgtEl>
+                      <p:spTgt spid="5"/>
+                    </p:tgtEl>
+                  </p:cond>
+                </p:stCondLst>
+                <p:endSync evt="end" delay="0">
+                  <p:rtn val="all"/>
+                </p:endSync>
+                <p:childTnLst>
+                  <p:par>
+                    <p:cTn id="3" fill="hold">
+                      <p:stCondLst>
+                        <p:cond delay="0"/>
+                      </p:stCondLst>
+                      <p:childTnLst>
+                        <p:par>
+                          <p:cTn id="4" fill="hold">
+                            <p:stCondLst>
+                              <p:cond delay="0"/>
+                            </p:stCondLst>
+                            <p:childTnLst>
+                              <p:par>
+                                <p:cTn id="5" presetID="10" presetClass="entr" presetSubtype="0" fill="hold" nodeType="clickEffect">
+                                  <p:stCondLst>
+                                    <p:cond delay="0"/>
+                                  </p:stCondLst>
+                                  <p:childTnLst>
+                                    <p:set>
+                                      <p:cBhvr>
+                                        <p:cTn id="6" dur="1" fill="hold">
+                                          <p:stCondLst>
+                                            <p:cond delay="0"/>
+                                          </p:stCondLst>
+                                        </p:cTn>
+                                        <p:tgtEl>
+                                          <p:spTgt spid="2"/>
+                                        </p:tgtEl>
+                                        <p:attrNameLst>
+                                          <p:attrName>style.visibility</p:attrName>
+                                        </p:attrNameLst>
+                                      </p:cBhvr>
+                                      <p:to>
+                                        <p:strVal val="visible"/>
+                                      </p:to>
+                                    </p:set>
+                                    <p:animEffect transition="in" filter="fade">
+                                      <p:cBhvr>
+                                        <p:cTn id="7" dur="500"/>
+                                        <p:tgtEl>
+                                          <p:spTgt spid="2"/>
+                                        </p:tgtEl>
+                                      </p:cBhvr>
+                                    </p:animEffect>
+                                  </p:childTnLst>
+                                </p:cTn>
+                              </p:par>
+                            </p:childTnLst>
+                          </p:cTn>
+                        </p:par>
+                      </p:childTnLst>
+                    </p:cTn>
+                  </p:par>
+                </p:childTnLst>
+              </p:cTn>
+              <p:nextCondLst>
+                <p:cond evt="onClick" delay="0">
+                  <p:tgtEl>
+                    <p:spTgt spid="5"/>
+                  </p:tgtEl>
+                </p:cond>
+              </p:nextCondLst>
+            </p:seq>
+            <p:seq concurrent="1" nextAc="seek">
+              <p:cTn id="8" restart="whenNotActive" fill="hold" evtFilter="cancelBubble" nodeType="interactiveSeq">
+                <p:stCondLst>
+                  <p:cond evt="onClick" delay="0">
+                    <p:tgtEl>
+                      <p:spTgt spid="2"/>
+                    </p:tgtEl>
+                  </p:cond>
+                </p:stCondLst>
+                <p:endSync evt="end" delay="0">
+                  <p:rtn val="all"/>
+                </p:endSync>
+                <p:childTnLst>
+                  <p:par>
+                    <p:cTn id="9" fill="hold">
+                      <p:stCondLst>
+                        <p:cond delay="0"/>
+                      </p:stCondLst>
+                      <p:childTnLst>
+                        <p:par>
+                          <p:cTn id="10" fill="hold">
+                            <p:stCondLst>
+                              <p:cond delay="0"/>
+                            </p:stCondLst>
+                            <p:childTnLst>
+                              <p:par>
+                                <p:cTn id="11" presetID="10" presetClass="exit" presetSubtype="0" fill="hold" nodeType="clickEffect">
+                                  <p:stCondLst>
+                                    <p:cond delay="0"/>
+                                  </p:stCondLst>
+                                  <p:childTnLst>
+                                    <p:animEffect transition="out" filter="fade">
+                                      <p:cBhvr>
+                                        <p:cTn id="12" dur="500"/>
+                                        <p:tgtEl>
+                                          <p:spTgt spid="2"/>
+                                        </p:tgtEl>
+                                      </p:cBhvr>
+                                    </p:animEffect>
+                                    <p:set>
+                                      <p:cBhvr>
+                                        <p:cTn id="13" dur="1" fill="hold">
+                                          <p:stCondLst>
+                                            <p:cond delay="499"/>
+                                          </p:stCondLst>
+                                        </p:cTn>
+                                        <p:tgtEl>
+                                          <p:spTgt spid="2"/>
+                                        </p:tgtEl>
+                                        <p:attrNameLst>
+                                          <p:attrName>style.visibility</p:attrName>
+                                        </p:attrNameLst>
+                                      </p:cBhvr>
+                                      <p:to>
+                                        <p:strVal val="hidden"/>
+                                      </p:to>
+                                    </p:set>
+                                  </p:childTnLst>
+                                </p:cTn>
+                              </p:par>
+                            </p:childTnLst>
+                          </p:cTn>
+                        </p:par>
+                      </p:childTnLst>
+                    </p:cTn>
+                  </p:par>
+                </p:childTnLst>
+              </p:cTn>
+              <p:nextCondLst>
+                <p:cond evt="onClick" delay="0">
+                  <p:tgtEl>
+                    <p:spTgt spid="2"/>
+                  </p:tgtEl>
+                </p:cond>
+              </p:nextCondLst>
+            </p:seq>
+          </p:childTnLst>
+        </p:cTn>
       </p:par>
     </p:tnLst>
   </p:timing>
@@ -21103,7 +21975,15 @@
                   <a:srgbClr val="1C5498"/>
                 </a:solidFill>
               </a:rPr>
-              <a:t>/ 17</a:t>
+              <a:t>/ </a:t>
+            </a:r>
+            <a:r>
+              <a:rPr lang="de-DE" sz="1400" dirty="0" smtClean="0">
+                <a:solidFill>
+                  <a:srgbClr val="1C5498"/>
+                </a:solidFill>
+              </a:rPr>
+              <a:t>19</a:t>
             </a:r>
             <a:endParaRPr lang="de-DE" sz="1400" dirty="0">
               <a:solidFill>
@@ -23481,7 +24361,15 @@
                   <a:srgbClr val="1C5498"/>
                 </a:solidFill>
               </a:rPr>
-              <a:t>/ 17</a:t>
+              <a:t>/ </a:t>
+            </a:r>
+            <a:r>
+              <a:rPr lang="de-DE" sz="1400" dirty="0" smtClean="0">
+                <a:solidFill>
+                  <a:srgbClr val="1C5498"/>
+                </a:solidFill>
+              </a:rPr>
+              <a:t>19</a:t>
             </a:r>
             <a:endParaRPr lang="de-DE" sz="1400" dirty="0">
               <a:solidFill>
@@ -24666,16 +25554,10 @@
           <a:lstStyle/>
           <a:p>
             <a:r>
-              <a:rPr lang="de-DE" sz="1200" dirty="0" err="1" smtClean="0">
-                <a:latin typeface="Helvetica" pitchFamily="34" charset="0"/>
-              </a:rPr>
-              <a:t>Use</a:t>
-            </a:r>
-            <a:r>
               <a:rPr lang="de-DE" sz="1200" dirty="0" smtClean="0">
                 <a:latin typeface="Helvetica" pitchFamily="34" charset="0"/>
               </a:rPr>
-              <a:t> Case Diagramm: LeCoop 2.0</a:t>
+              <a:t>Features des Prototyps</a:t>
             </a:r>
             <a:r>
               <a:rPr lang="de-DE" sz="1200" baseline="30000" dirty="0" smtClean="0">
@@ -24777,7 +25659,7 @@
         </p:nvGrpSpPr>
         <p:grpSpPr>
           <a:xfrm>
-            <a:off x="-8385109" y="904213"/>
+            <a:off x="-6327709" y="904213"/>
             <a:ext cx="9140685" cy="4495500"/>
             <a:chOff x="0" y="648000"/>
             <a:chExt cx="9140685" cy="4495500"/>
@@ -24934,7 +25816,15 @@
                   <a:srgbClr val="1C5498"/>
                 </a:solidFill>
               </a:rPr>
-              <a:t>/ 17</a:t>
+              <a:t>/ </a:t>
+            </a:r>
+            <a:r>
+              <a:rPr lang="de-DE" sz="1400" dirty="0" smtClean="0">
+                <a:solidFill>
+                  <a:srgbClr val="1C5498"/>
+                </a:solidFill>
+              </a:rPr>
+              <a:t>19</a:t>
             </a:r>
             <a:endParaRPr lang="de-DE" sz="1400" dirty="0">
               <a:solidFill>
@@ -26306,7 +27196,15 @@
                   <a:srgbClr val="1C5498"/>
                 </a:solidFill>
               </a:rPr>
-              <a:t>/ 17</a:t>
+              <a:t>/ </a:t>
+            </a:r>
+            <a:r>
+              <a:rPr lang="de-DE" sz="1400" dirty="0" smtClean="0">
+                <a:solidFill>
+                  <a:srgbClr val="1C5498"/>
+                </a:solidFill>
+              </a:rPr>
+              <a:t>19</a:t>
             </a:r>
             <a:endParaRPr lang="de-DE" sz="1400" dirty="0">
               <a:solidFill>
